--- a/presentation/JVM内存模型/JVM内存模型.pptx
+++ b/presentation/JVM内存模型/JVM内存模型.pptx
@@ -5,7 +5,7 @@
     <p:sldMasterId id="2147483648" r:id="rId1"/>
   </p:sldMasterIdLst>
   <p:notesMasterIdLst>
-    <p:notesMasterId r:id="rId24"/>
+    <p:notesMasterId r:id="rId33"/>
   </p:notesMasterIdLst>
   <p:sldIdLst>
     <p:sldId id="311" r:id="rId2"/>
@@ -30,6 +30,15 @@
     <p:sldId id="391" r:id="rId21"/>
     <p:sldId id="393" r:id="rId22"/>
     <p:sldId id="392" r:id="rId23"/>
+    <p:sldId id="394" r:id="rId24"/>
+    <p:sldId id="395" r:id="rId25"/>
+    <p:sldId id="396" r:id="rId26"/>
+    <p:sldId id="398" r:id="rId27"/>
+    <p:sldId id="397" r:id="rId28"/>
+    <p:sldId id="399" r:id="rId29"/>
+    <p:sldId id="400" r:id="rId30"/>
+    <p:sldId id="401" r:id="rId31"/>
+    <p:sldId id="402" r:id="rId32"/>
   </p:sldIdLst>
   <p:sldSz cx="9144000" cy="5143500" type="screen16x9"/>
   <p:notesSz cx="6858000" cy="9144000"/>
@@ -229,7 +238,7 @@
           <a:p>
             <a:fld id="{D2A48B96-639E-45A3-A0BA-2464DFDB1FAA}" type="datetimeFigureOut">
               <a:rPr lang="zh-CN" altLang="en-US" smtClean="0"/>
-              <a:t>2024-04-16</a:t>
+              <a:t>2024-04-17</a:t>
             </a:fld>
             <a:endParaRPr lang="zh-CN" altLang="en-US"/>
           </a:p>
@@ -1252,6 +1261,174 @@
 </p:notes>
 </file>
 
+<file path=ppt/notesSlides/notesSlide18.xml><?xml version="1.0" encoding="utf-8"?>
+<p:notes xmlns:a="http://schemas.openxmlformats.org/drawingml/2006/main" xmlns:r="http://schemas.openxmlformats.org/officeDocument/2006/relationships" xmlns:p="http://schemas.openxmlformats.org/presentationml/2006/main">
+  <p:cSld>
+    <p:spTree>
+      <p:nvGrpSpPr>
+        <p:cNvPr id="1" name=""/>
+        <p:cNvGrpSpPr/>
+        <p:nvPr/>
+      </p:nvGrpSpPr>
+      <p:grpSpPr>
+        <a:xfrm>
+          <a:off x="0" y="0"/>
+          <a:ext cx="0" cy="0"/>
+          <a:chOff x="0" y="0"/>
+          <a:chExt cx="0" cy="0"/>
+        </a:xfrm>
+      </p:grpSpPr>
+      <p:sp>
+        <p:nvSpPr>
+          <p:cNvPr id="2" name="幻灯片图像占位符 1"/>
+          <p:cNvSpPr>
+            <a:spLocks noGrp="1" noRot="1" noChangeAspect="1"/>
+          </p:cNvSpPr>
+          <p:nvPr>
+            <p:ph type="sldImg"/>
+          </p:nvPr>
+        </p:nvSpPr>
+        <p:spPr/>
+      </p:sp>
+      <p:sp>
+        <p:nvSpPr>
+          <p:cNvPr id="3" name="备注占位符 2"/>
+          <p:cNvSpPr>
+            <a:spLocks noGrp="1"/>
+          </p:cNvSpPr>
+          <p:nvPr>
+            <p:ph type="body" idx="1"/>
+          </p:nvPr>
+        </p:nvSpPr>
+        <p:spPr/>
+        <p:txBody>
+          <a:bodyPr/>
+          <a:lstStyle/>
+          <a:p>
+            <a:endParaRPr lang="zh-CN" altLang="en-US" dirty="0"/>
+          </a:p>
+        </p:txBody>
+      </p:sp>
+      <p:sp>
+        <p:nvSpPr>
+          <p:cNvPr id="4" name="灯片编号占位符 3"/>
+          <p:cNvSpPr>
+            <a:spLocks noGrp="1"/>
+          </p:cNvSpPr>
+          <p:nvPr>
+            <p:ph type="sldNum" sz="quarter" idx="5"/>
+          </p:nvPr>
+        </p:nvSpPr>
+        <p:spPr/>
+        <p:txBody>
+          <a:bodyPr/>
+          <a:lstStyle/>
+          <a:p>
+            <a:fld id="{A6837353-30EB-4A48-80EB-173D804AEFBD}" type="slidenum">
+              <a:rPr lang="zh-CN" altLang="en-US" smtClean="0"/>
+              <a:t>23</a:t>
+            </a:fld>
+            <a:endParaRPr lang="zh-CN" altLang="en-US"/>
+          </a:p>
+        </p:txBody>
+      </p:sp>
+    </p:spTree>
+    <p:extLst>
+      <p:ext uri="{BB962C8B-B14F-4D97-AF65-F5344CB8AC3E}">
+        <p14:creationId xmlns:p14="http://schemas.microsoft.com/office/powerpoint/2010/main" val="2227216146"/>
+      </p:ext>
+    </p:extLst>
+  </p:cSld>
+  <p:clrMapOvr>
+    <a:masterClrMapping/>
+  </p:clrMapOvr>
+</p:notes>
+</file>
+
+<file path=ppt/notesSlides/notesSlide19.xml><?xml version="1.0" encoding="utf-8"?>
+<p:notes xmlns:a="http://schemas.openxmlformats.org/drawingml/2006/main" xmlns:r="http://schemas.openxmlformats.org/officeDocument/2006/relationships" xmlns:p="http://schemas.openxmlformats.org/presentationml/2006/main">
+  <p:cSld>
+    <p:spTree>
+      <p:nvGrpSpPr>
+        <p:cNvPr id="1" name=""/>
+        <p:cNvGrpSpPr/>
+        <p:nvPr/>
+      </p:nvGrpSpPr>
+      <p:grpSpPr>
+        <a:xfrm>
+          <a:off x="0" y="0"/>
+          <a:ext cx="0" cy="0"/>
+          <a:chOff x="0" y="0"/>
+          <a:chExt cx="0" cy="0"/>
+        </a:xfrm>
+      </p:grpSpPr>
+      <p:sp>
+        <p:nvSpPr>
+          <p:cNvPr id="2" name="幻灯片图像占位符 1"/>
+          <p:cNvSpPr>
+            <a:spLocks noGrp="1" noRot="1" noChangeAspect="1"/>
+          </p:cNvSpPr>
+          <p:nvPr>
+            <p:ph type="sldImg"/>
+          </p:nvPr>
+        </p:nvSpPr>
+        <p:spPr/>
+      </p:sp>
+      <p:sp>
+        <p:nvSpPr>
+          <p:cNvPr id="3" name="备注占位符 2"/>
+          <p:cNvSpPr>
+            <a:spLocks noGrp="1"/>
+          </p:cNvSpPr>
+          <p:nvPr>
+            <p:ph type="body" idx="1"/>
+          </p:nvPr>
+        </p:nvSpPr>
+        <p:spPr/>
+        <p:txBody>
+          <a:bodyPr/>
+          <a:lstStyle/>
+          <a:p>
+            <a:endParaRPr lang="zh-CN" altLang="en-US" dirty="0"/>
+          </a:p>
+        </p:txBody>
+      </p:sp>
+      <p:sp>
+        <p:nvSpPr>
+          <p:cNvPr id="4" name="灯片编号占位符 3"/>
+          <p:cNvSpPr>
+            <a:spLocks noGrp="1"/>
+          </p:cNvSpPr>
+          <p:nvPr>
+            <p:ph type="sldNum" sz="quarter" idx="5"/>
+          </p:nvPr>
+        </p:nvSpPr>
+        <p:spPr/>
+        <p:txBody>
+          <a:bodyPr/>
+          <a:lstStyle/>
+          <a:p>
+            <a:fld id="{A6837353-30EB-4A48-80EB-173D804AEFBD}" type="slidenum">
+              <a:rPr lang="zh-CN" altLang="en-US" smtClean="0"/>
+              <a:t>24</a:t>
+            </a:fld>
+            <a:endParaRPr lang="zh-CN" altLang="en-US"/>
+          </a:p>
+        </p:txBody>
+      </p:sp>
+    </p:spTree>
+    <p:extLst>
+      <p:ext uri="{BB962C8B-B14F-4D97-AF65-F5344CB8AC3E}">
+        <p14:creationId xmlns:p14="http://schemas.microsoft.com/office/powerpoint/2010/main" val="4220213424"/>
+      </p:ext>
+    </p:extLst>
+  </p:cSld>
+  <p:clrMapOvr>
+    <a:masterClrMapping/>
+  </p:clrMapOvr>
+</p:notes>
+</file>
+
 <file path=ppt/notesSlides/notesSlide2.xml><?xml version="1.0" encoding="utf-8"?>
 <p:notes xmlns:a="http://schemas.openxmlformats.org/drawingml/2006/main" xmlns:r="http://schemas.openxmlformats.org/officeDocument/2006/relationships" xmlns:p="http://schemas.openxmlformats.org/presentationml/2006/main">
   <p:cSld>
@@ -1327,6 +1504,426 @@
     <p:extLst>
       <p:ext uri="{BB962C8B-B14F-4D97-AF65-F5344CB8AC3E}">
         <p14:creationId xmlns:p14="http://schemas.microsoft.com/office/powerpoint/2010/main" val="4034861022"/>
+      </p:ext>
+    </p:extLst>
+  </p:cSld>
+  <p:clrMapOvr>
+    <a:masterClrMapping/>
+  </p:clrMapOvr>
+</p:notes>
+</file>
+
+<file path=ppt/notesSlides/notesSlide20.xml><?xml version="1.0" encoding="utf-8"?>
+<p:notes xmlns:a="http://schemas.openxmlformats.org/drawingml/2006/main" xmlns:r="http://schemas.openxmlformats.org/officeDocument/2006/relationships" xmlns:p="http://schemas.openxmlformats.org/presentationml/2006/main">
+  <p:cSld>
+    <p:spTree>
+      <p:nvGrpSpPr>
+        <p:cNvPr id="1" name=""/>
+        <p:cNvGrpSpPr/>
+        <p:nvPr/>
+      </p:nvGrpSpPr>
+      <p:grpSpPr>
+        <a:xfrm>
+          <a:off x="0" y="0"/>
+          <a:ext cx="0" cy="0"/>
+          <a:chOff x="0" y="0"/>
+          <a:chExt cx="0" cy="0"/>
+        </a:xfrm>
+      </p:grpSpPr>
+      <p:sp>
+        <p:nvSpPr>
+          <p:cNvPr id="2" name="幻灯片图像占位符 1"/>
+          <p:cNvSpPr>
+            <a:spLocks noGrp="1" noRot="1" noChangeAspect="1"/>
+          </p:cNvSpPr>
+          <p:nvPr>
+            <p:ph type="sldImg"/>
+          </p:nvPr>
+        </p:nvSpPr>
+        <p:spPr/>
+      </p:sp>
+      <p:sp>
+        <p:nvSpPr>
+          <p:cNvPr id="3" name="备注占位符 2"/>
+          <p:cNvSpPr>
+            <a:spLocks noGrp="1"/>
+          </p:cNvSpPr>
+          <p:nvPr>
+            <p:ph type="body" idx="1"/>
+          </p:nvPr>
+        </p:nvSpPr>
+        <p:spPr/>
+        <p:txBody>
+          <a:bodyPr/>
+          <a:lstStyle/>
+          <a:p>
+            <a:endParaRPr lang="zh-CN" altLang="en-US" dirty="0"/>
+          </a:p>
+        </p:txBody>
+      </p:sp>
+      <p:sp>
+        <p:nvSpPr>
+          <p:cNvPr id="4" name="灯片编号占位符 3"/>
+          <p:cNvSpPr>
+            <a:spLocks noGrp="1"/>
+          </p:cNvSpPr>
+          <p:nvPr>
+            <p:ph type="sldNum" sz="quarter" idx="5"/>
+          </p:nvPr>
+        </p:nvSpPr>
+        <p:spPr/>
+        <p:txBody>
+          <a:bodyPr/>
+          <a:lstStyle/>
+          <a:p>
+            <a:fld id="{A6837353-30EB-4A48-80EB-173D804AEFBD}" type="slidenum">
+              <a:rPr lang="zh-CN" altLang="en-US" smtClean="0"/>
+              <a:t>26</a:t>
+            </a:fld>
+            <a:endParaRPr lang="zh-CN" altLang="en-US"/>
+          </a:p>
+        </p:txBody>
+      </p:sp>
+    </p:spTree>
+    <p:extLst>
+      <p:ext uri="{BB962C8B-B14F-4D97-AF65-F5344CB8AC3E}">
+        <p14:creationId xmlns:p14="http://schemas.microsoft.com/office/powerpoint/2010/main" val="2248742885"/>
+      </p:ext>
+    </p:extLst>
+  </p:cSld>
+  <p:clrMapOvr>
+    <a:masterClrMapping/>
+  </p:clrMapOvr>
+</p:notes>
+</file>
+
+<file path=ppt/notesSlides/notesSlide21.xml><?xml version="1.0" encoding="utf-8"?>
+<p:notes xmlns:a="http://schemas.openxmlformats.org/drawingml/2006/main" xmlns:r="http://schemas.openxmlformats.org/officeDocument/2006/relationships" xmlns:p="http://schemas.openxmlformats.org/presentationml/2006/main">
+  <p:cSld>
+    <p:spTree>
+      <p:nvGrpSpPr>
+        <p:cNvPr id="1" name=""/>
+        <p:cNvGrpSpPr/>
+        <p:nvPr/>
+      </p:nvGrpSpPr>
+      <p:grpSpPr>
+        <a:xfrm>
+          <a:off x="0" y="0"/>
+          <a:ext cx="0" cy="0"/>
+          <a:chOff x="0" y="0"/>
+          <a:chExt cx="0" cy="0"/>
+        </a:xfrm>
+      </p:grpSpPr>
+      <p:sp>
+        <p:nvSpPr>
+          <p:cNvPr id="2" name="幻灯片图像占位符 1"/>
+          <p:cNvSpPr>
+            <a:spLocks noGrp="1" noRot="1" noChangeAspect="1"/>
+          </p:cNvSpPr>
+          <p:nvPr>
+            <p:ph type="sldImg"/>
+          </p:nvPr>
+        </p:nvSpPr>
+        <p:spPr/>
+      </p:sp>
+      <p:sp>
+        <p:nvSpPr>
+          <p:cNvPr id="3" name="备注占位符 2"/>
+          <p:cNvSpPr>
+            <a:spLocks noGrp="1"/>
+          </p:cNvSpPr>
+          <p:nvPr>
+            <p:ph type="body" idx="1"/>
+          </p:nvPr>
+        </p:nvSpPr>
+        <p:spPr/>
+        <p:txBody>
+          <a:bodyPr/>
+          <a:lstStyle/>
+          <a:p>
+            <a:endParaRPr lang="zh-CN" altLang="en-US" dirty="0"/>
+          </a:p>
+        </p:txBody>
+      </p:sp>
+      <p:sp>
+        <p:nvSpPr>
+          <p:cNvPr id="4" name="灯片编号占位符 3"/>
+          <p:cNvSpPr>
+            <a:spLocks noGrp="1"/>
+          </p:cNvSpPr>
+          <p:nvPr>
+            <p:ph type="sldNum" sz="quarter" idx="5"/>
+          </p:nvPr>
+        </p:nvSpPr>
+        <p:spPr/>
+        <p:txBody>
+          <a:bodyPr/>
+          <a:lstStyle/>
+          <a:p>
+            <a:fld id="{A6837353-30EB-4A48-80EB-173D804AEFBD}" type="slidenum">
+              <a:rPr lang="zh-CN" altLang="en-US" smtClean="0"/>
+              <a:t>28</a:t>
+            </a:fld>
+            <a:endParaRPr lang="zh-CN" altLang="en-US"/>
+          </a:p>
+        </p:txBody>
+      </p:sp>
+    </p:spTree>
+    <p:extLst>
+      <p:ext uri="{BB962C8B-B14F-4D97-AF65-F5344CB8AC3E}">
+        <p14:creationId xmlns:p14="http://schemas.microsoft.com/office/powerpoint/2010/main" val="2465470203"/>
+      </p:ext>
+    </p:extLst>
+  </p:cSld>
+  <p:clrMapOvr>
+    <a:masterClrMapping/>
+  </p:clrMapOvr>
+</p:notes>
+</file>
+
+<file path=ppt/notesSlides/notesSlide22.xml><?xml version="1.0" encoding="utf-8"?>
+<p:notes xmlns:a="http://schemas.openxmlformats.org/drawingml/2006/main" xmlns:r="http://schemas.openxmlformats.org/officeDocument/2006/relationships" xmlns:p="http://schemas.openxmlformats.org/presentationml/2006/main">
+  <p:cSld>
+    <p:spTree>
+      <p:nvGrpSpPr>
+        <p:cNvPr id="1" name=""/>
+        <p:cNvGrpSpPr/>
+        <p:nvPr/>
+      </p:nvGrpSpPr>
+      <p:grpSpPr>
+        <a:xfrm>
+          <a:off x="0" y="0"/>
+          <a:ext cx="0" cy="0"/>
+          <a:chOff x="0" y="0"/>
+          <a:chExt cx="0" cy="0"/>
+        </a:xfrm>
+      </p:grpSpPr>
+      <p:sp>
+        <p:nvSpPr>
+          <p:cNvPr id="2" name="幻灯片图像占位符 1"/>
+          <p:cNvSpPr>
+            <a:spLocks noGrp="1" noRot="1" noChangeAspect="1"/>
+          </p:cNvSpPr>
+          <p:nvPr>
+            <p:ph type="sldImg"/>
+          </p:nvPr>
+        </p:nvSpPr>
+        <p:spPr/>
+      </p:sp>
+      <p:sp>
+        <p:nvSpPr>
+          <p:cNvPr id="3" name="备注占位符 2"/>
+          <p:cNvSpPr>
+            <a:spLocks noGrp="1"/>
+          </p:cNvSpPr>
+          <p:nvPr>
+            <p:ph type="body" idx="1"/>
+          </p:nvPr>
+        </p:nvSpPr>
+        <p:spPr/>
+        <p:txBody>
+          <a:bodyPr/>
+          <a:lstStyle/>
+          <a:p>
+            <a:endParaRPr lang="zh-CN" altLang="en-US" dirty="0"/>
+          </a:p>
+        </p:txBody>
+      </p:sp>
+      <p:sp>
+        <p:nvSpPr>
+          <p:cNvPr id="4" name="灯片编号占位符 3"/>
+          <p:cNvSpPr>
+            <a:spLocks noGrp="1"/>
+          </p:cNvSpPr>
+          <p:nvPr>
+            <p:ph type="sldNum" sz="quarter" idx="5"/>
+          </p:nvPr>
+        </p:nvSpPr>
+        <p:spPr/>
+        <p:txBody>
+          <a:bodyPr/>
+          <a:lstStyle/>
+          <a:p>
+            <a:fld id="{A6837353-30EB-4A48-80EB-173D804AEFBD}" type="slidenum">
+              <a:rPr lang="zh-CN" altLang="en-US" smtClean="0"/>
+              <a:t>29</a:t>
+            </a:fld>
+            <a:endParaRPr lang="zh-CN" altLang="en-US"/>
+          </a:p>
+        </p:txBody>
+      </p:sp>
+    </p:spTree>
+    <p:extLst>
+      <p:ext uri="{BB962C8B-B14F-4D97-AF65-F5344CB8AC3E}">
+        <p14:creationId xmlns:p14="http://schemas.microsoft.com/office/powerpoint/2010/main" val="1457520624"/>
+      </p:ext>
+    </p:extLst>
+  </p:cSld>
+  <p:clrMapOvr>
+    <a:masterClrMapping/>
+  </p:clrMapOvr>
+</p:notes>
+</file>
+
+<file path=ppt/notesSlides/notesSlide23.xml><?xml version="1.0" encoding="utf-8"?>
+<p:notes xmlns:a="http://schemas.openxmlformats.org/drawingml/2006/main" xmlns:r="http://schemas.openxmlformats.org/officeDocument/2006/relationships" xmlns:p="http://schemas.openxmlformats.org/presentationml/2006/main">
+  <p:cSld>
+    <p:spTree>
+      <p:nvGrpSpPr>
+        <p:cNvPr id="1" name=""/>
+        <p:cNvGrpSpPr/>
+        <p:nvPr/>
+      </p:nvGrpSpPr>
+      <p:grpSpPr>
+        <a:xfrm>
+          <a:off x="0" y="0"/>
+          <a:ext cx="0" cy="0"/>
+          <a:chOff x="0" y="0"/>
+          <a:chExt cx="0" cy="0"/>
+        </a:xfrm>
+      </p:grpSpPr>
+      <p:sp>
+        <p:nvSpPr>
+          <p:cNvPr id="2" name="幻灯片图像占位符 1"/>
+          <p:cNvSpPr>
+            <a:spLocks noGrp="1" noRot="1" noChangeAspect="1"/>
+          </p:cNvSpPr>
+          <p:nvPr>
+            <p:ph type="sldImg"/>
+          </p:nvPr>
+        </p:nvSpPr>
+        <p:spPr/>
+      </p:sp>
+      <p:sp>
+        <p:nvSpPr>
+          <p:cNvPr id="3" name="备注占位符 2"/>
+          <p:cNvSpPr>
+            <a:spLocks noGrp="1"/>
+          </p:cNvSpPr>
+          <p:nvPr>
+            <p:ph type="body" idx="1"/>
+          </p:nvPr>
+        </p:nvSpPr>
+        <p:spPr/>
+        <p:txBody>
+          <a:bodyPr/>
+          <a:lstStyle/>
+          <a:p>
+            <a:endParaRPr lang="zh-CN" altLang="en-US" dirty="0"/>
+          </a:p>
+        </p:txBody>
+      </p:sp>
+      <p:sp>
+        <p:nvSpPr>
+          <p:cNvPr id="4" name="灯片编号占位符 3"/>
+          <p:cNvSpPr>
+            <a:spLocks noGrp="1"/>
+          </p:cNvSpPr>
+          <p:nvPr>
+            <p:ph type="sldNum" sz="quarter" idx="5"/>
+          </p:nvPr>
+        </p:nvSpPr>
+        <p:spPr/>
+        <p:txBody>
+          <a:bodyPr/>
+          <a:lstStyle/>
+          <a:p>
+            <a:fld id="{A6837353-30EB-4A48-80EB-173D804AEFBD}" type="slidenum">
+              <a:rPr lang="zh-CN" altLang="en-US" smtClean="0"/>
+              <a:t>30</a:t>
+            </a:fld>
+            <a:endParaRPr lang="zh-CN" altLang="en-US"/>
+          </a:p>
+        </p:txBody>
+      </p:sp>
+    </p:spTree>
+    <p:extLst>
+      <p:ext uri="{BB962C8B-B14F-4D97-AF65-F5344CB8AC3E}">
+        <p14:creationId xmlns:p14="http://schemas.microsoft.com/office/powerpoint/2010/main" val="343345119"/>
+      </p:ext>
+    </p:extLst>
+  </p:cSld>
+  <p:clrMapOvr>
+    <a:masterClrMapping/>
+  </p:clrMapOvr>
+</p:notes>
+</file>
+
+<file path=ppt/notesSlides/notesSlide24.xml><?xml version="1.0" encoding="utf-8"?>
+<p:notes xmlns:a="http://schemas.openxmlformats.org/drawingml/2006/main" xmlns:r="http://schemas.openxmlformats.org/officeDocument/2006/relationships" xmlns:p="http://schemas.openxmlformats.org/presentationml/2006/main">
+  <p:cSld>
+    <p:spTree>
+      <p:nvGrpSpPr>
+        <p:cNvPr id="1" name=""/>
+        <p:cNvGrpSpPr/>
+        <p:nvPr/>
+      </p:nvGrpSpPr>
+      <p:grpSpPr>
+        <a:xfrm>
+          <a:off x="0" y="0"/>
+          <a:ext cx="0" cy="0"/>
+          <a:chOff x="0" y="0"/>
+          <a:chExt cx="0" cy="0"/>
+        </a:xfrm>
+      </p:grpSpPr>
+      <p:sp>
+        <p:nvSpPr>
+          <p:cNvPr id="2" name="幻灯片图像占位符 1"/>
+          <p:cNvSpPr>
+            <a:spLocks noGrp="1" noRot="1" noChangeAspect="1"/>
+          </p:cNvSpPr>
+          <p:nvPr>
+            <p:ph type="sldImg"/>
+          </p:nvPr>
+        </p:nvSpPr>
+        <p:spPr/>
+      </p:sp>
+      <p:sp>
+        <p:nvSpPr>
+          <p:cNvPr id="3" name="备注占位符 2"/>
+          <p:cNvSpPr>
+            <a:spLocks noGrp="1"/>
+          </p:cNvSpPr>
+          <p:nvPr>
+            <p:ph type="body" idx="1"/>
+          </p:nvPr>
+        </p:nvSpPr>
+        <p:spPr/>
+        <p:txBody>
+          <a:bodyPr/>
+          <a:lstStyle/>
+          <a:p>
+            <a:endParaRPr lang="zh-CN" altLang="en-US" dirty="0"/>
+          </a:p>
+        </p:txBody>
+      </p:sp>
+      <p:sp>
+        <p:nvSpPr>
+          <p:cNvPr id="4" name="灯片编号占位符 3"/>
+          <p:cNvSpPr>
+            <a:spLocks noGrp="1"/>
+          </p:cNvSpPr>
+          <p:nvPr>
+            <p:ph type="sldNum" sz="quarter" idx="5"/>
+          </p:nvPr>
+        </p:nvSpPr>
+        <p:spPr/>
+        <p:txBody>
+          <a:bodyPr/>
+          <a:lstStyle/>
+          <a:p>
+            <a:fld id="{A6837353-30EB-4A48-80EB-173D804AEFBD}" type="slidenum">
+              <a:rPr lang="zh-CN" altLang="en-US" smtClean="0"/>
+              <a:t>31</a:t>
+            </a:fld>
+            <a:endParaRPr lang="zh-CN" altLang="en-US"/>
+          </a:p>
+        </p:txBody>
+      </p:sp>
+    </p:spTree>
+    <p:extLst>
+      <p:ext uri="{BB962C8B-B14F-4D97-AF65-F5344CB8AC3E}">
+        <p14:creationId xmlns:p14="http://schemas.microsoft.com/office/powerpoint/2010/main" val="1429331234"/>
       </p:ext>
     </p:extLst>
   </p:cSld>
@@ -1968,7 +2565,7 @@
           <a:p>
             <a:fld id="{8035C5D1-AD16-4B01-871F-DE047A6CFB67}" type="datetimeFigureOut">
               <a:rPr lang="zh-CN" altLang="en-US" smtClean="0"/>
-              <a:t>2024-04-16</a:t>
+              <a:t>2024-04-17</a:t>
             </a:fld>
             <a:endParaRPr lang="zh-CN" altLang="en-US"/>
           </a:p>
@@ -2080,7 +2677,7 @@
           <a:p>
             <a:fld id="{8035C5D1-AD16-4B01-871F-DE047A6CFB67}" type="datetimeFigureOut">
               <a:rPr lang="zh-CN" altLang="en-US" smtClean="0"/>
-              <a:t>2024-04-16</a:t>
+              <a:t>2024-04-17</a:t>
             </a:fld>
             <a:endParaRPr lang="zh-CN" altLang="en-US"/>
           </a:p>
@@ -2197,7 +2794,7 @@
           <a:p>
             <a:fld id="{8035C5D1-AD16-4B01-871F-DE047A6CFB67}" type="datetimeFigureOut">
               <a:rPr lang="zh-CN" altLang="en-US" smtClean="0"/>
-              <a:t>2024-04-16</a:t>
+              <a:t>2024-04-17</a:t>
             </a:fld>
             <a:endParaRPr lang="zh-CN" altLang="en-US"/>
           </a:p>
@@ -2314,7 +2911,7 @@
           <a:p>
             <a:fld id="{8035C5D1-AD16-4B01-871F-DE047A6CFB67}" type="datetimeFigureOut">
               <a:rPr lang="zh-CN" altLang="en-US" smtClean="0"/>
-              <a:t>2024-04-16</a:t>
+              <a:t>2024-04-17</a:t>
             </a:fld>
             <a:endParaRPr lang="zh-CN" altLang="en-US"/>
           </a:p>
@@ -2431,7 +3028,7 @@
           <a:p>
             <a:fld id="{8035C5D1-AD16-4B01-871F-DE047A6CFB67}" type="datetimeFigureOut">
               <a:rPr lang="zh-CN" altLang="en-US" smtClean="0"/>
-              <a:t>2024-04-16</a:t>
+              <a:t>2024-04-17</a:t>
             </a:fld>
             <a:endParaRPr lang="zh-CN" altLang="en-US"/>
           </a:p>
@@ -2548,7 +3145,7 @@
           <a:p>
             <a:fld id="{8035C5D1-AD16-4B01-871F-DE047A6CFB67}" type="datetimeFigureOut">
               <a:rPr lang="zh-CN" altLang="en-US" smtClean="0"/>
-              <a:t>2024-04-16</a:t>
+              <a:t>2024-04-17</a:t>
             </a:fld>
             <a:endParaRPr lang="zh-CN" altLang="en-US"/>
           </a:p>
@@ -2665,7 +3262,7 @@
           <a:p>
             <a:fld id="{8035C5D1-AD16-4B01-871F-DE047A6CFB67}" type="datetimeFigureOut">
               <a:rPr lang="zh-CN" altLang="en-US" smtClean="0"/>
-              <a:t>2024-04-16</a:t>
+              <a:t>2024-04-17</a:t>
             </a:fld>
             <a:endParaRPr lang="zh-CN" altLang="en-US"/>
           </a:p>
@@ -3797,7 +4394,7 @@
           <a:p>
             <a:fld id="{8035C5D1-AD16-4B01-871F-DE047A6CFB67}" type="datetimeFigureOut">
               <a:rPr lang="zh-CN" altLang="en-US" smtClean="0"/>
-              <a:t>2024-04-16</a:t>
+              <a:t>2024-04-17</a:t>
             </a:fld>
             <a:endParaRPr lang="zh-CN" altLang="en-US"/>
           </a:p>
@@ -8977,7 +9574,7 @@
         <p:spPr>
           <a:xfrm>
             <a:off x="3275856" y="3014668"/>
-            <a:ext cx="2249334" cy="400110"/>
+            <a:ext cx="2707793" cy="400110"/>
           </a:xfrm>
           <a:prstGeom prst="rect">
             <a:avLst/>
@@ -9002,7 +9599,7 @@
                 <a:latin typeface="微软雅黑" panose="020B0503020204020204" pitchFamily="34" charset="-122"/>
                 <a:ea typeface="微软雅黑" panose="020B0503020204020204" pitchFamily="34" charset="-122"/>
               </a:rPr>
-              <a:t>03  JVM</a:t>
+              <a:t>03  </a:t>
             </a:r>
             <a:r>
               <a:rPr lang="zh-CN" altLang="en-US" sz="2000" b="1" dirty="0">
@@ -9017,7 +9614,7 @@
                 <a:latin typeface="微软雅黑" panose="020B0503020204020204" pitchFamily="34" charset="-122"/>
                 <a:ea typeface="微软雅黑" panose="020B0503020204020204" pitchFamily="34" charset="-122"/>
               </a:rPr>
-              <a:t>线程模型</a:t>
+              <a:t>操作系统线程模型</a:t>
             </a:r>
           </a:p>
         </p:txBody>
@@ -9037,6 +9634,66 @@
         <p:spPr>
           <a:xfrm>
             <a:off x="3275856" y="3818096"/>
+            <a:ext cx="2249334" cy="400110"/>
+          </a:xfrm>
+          <a:prstGeom prst="rect">
+            <a:avLst/>
+          </a:prstGeom>
+        </p:spPr>
+        <p:txBody>
+          <a:bodyPr wrap="none">
+            <a:spAutoFit/>
+          </a:bodyPr>
+          <a:lstStyle/>
+          <a:p>
+            <a:r>
+              <a:rPr lang="en-US" altLang="zh-CN" sz="2000" b="1" dirty="0">
+                <a:ln w="6350">
+                  <a:noFill/>
+                </a:ln>
+                <a:solidFill>
+                  <a:schemeClr val="bg1">
+                    <a:lumMod val="50000"/>
+                  </a:schemeClr>
+                </a:solidFill>
+                <a:latin typeface="微软雅黑" panose="020B0503020204020204" pitchFamily="34" charset="-122"/>
+                <a:ea typeface="微软雅黑" panose="020B0503020204020204" pitchFamily="34" charset="-122"/>
+              </a:rPr>
+              <a:t>04  JVM</a:t>
+            </a:r>
+            <a:r>
+              <a:rPr lang="zh-CN" altLang="en-US" sz="2000" b="1" dirty="0">
+                <a:ln w="6350">
+                  <a:noFill/>
+                </a:ln>
+                <a:solidFill>
+                  <a:schemeClr val="bg1">
+                    <a:lumMod val="50000"/>
+                  </a:schemeClr>
+                </a:solidFill>
+                <a:latin typeface="微软雅黑" panose="020B0503020204020204" pitchFamily="34" charset="-122"/>
+                <a:ea typeface="微软雅黑" panose="020B0503020204020204" pitchFamily="34" charset="-122"/>
+              </a:rPr>
+              <a:t>线程模型</a:t>
+            </a:r>
+          </a:p>
+        </p:txBody>
+      </p:sp>
+      <p:sp>
+        <p:nvSpPr>
+          <p:cNvPr id="12" name="矩形 11">
+            <a:extLst>
+              <a:ext uri="{FF2B5EF4-FFF2-40B4-BE49-F238E27FC236}">
+                <a16:creationId xmlns:a16="http://schemas.microsoft.com/office/drawing/2014/main" id="{E80201A5-9D50-4357-B47E-1EB78E25F6CF}"/>
+              </a:ext>
+            </a:extLst>
+          </p:cNvPr>
+          <p:cNvSpPr/>
+          <p:nvPr/>
+        </p:nvSpPr>
+        <p:spPr>
+          <a:xfrm>
+            <a:off x="3269872" y="4515966"/>
             <a:ext cx="2194832" cy="400110"/>
           </a:xfrm>
           <a:prstGeom prst="rect">
@@ -9062,7 +9719,7 @@
                 <a:latin typeface="微软雅黑" panose="020B0503020204020204" pitchFamily="34" charset="-122"/>
                 <a:ea typeface="微软雅黑" panose="020B0503020204020204" pitchFamily="34" charset="-122"/>
               </a:rPr>
-              <a:t>04  </a:t>
+              <a:t>05  </a:t>
             </a:r>
             <a:r>
               <a:rPr lang="zh-CN" altLang="en-US" sz="2000" b="1" dirty="0">
@@ -10537,24 +11194,14 @@
               <a:buNone/>
             </a:pPr>
             <a:r>
-              <a:rPr lang="en-US" altLang="zh-CN" sz="2000" dirty="0">
+              <a:rPr lang="zh-CN" altLang="en-US" sz="2000" dirty="0">
                 <a:solidFill>
                   <a:schemeClr val="accent1"/>
                 </a:solidFill>
                 <a:latin typeface="微软雅黑" pitchFamily="34" charset="-122"/>
                 <a:ea typeface="微软雅黑" pitchFamily="34" charset="-122"/>
               </a:rPr>
-              <a:t>JVM</a:t>
-            </a:r>
-            <a:r>
-              <a:rPr lang="zh-CN" altLang="en-US" sz="2000" dirty="0">
-                <a:solidFill>
-                  <a:schemeClr val="accent1"/>
-                </a:solidFill>
-                <a:latin typeface="微软雅黑" pitchFamily="34" charset="-122"/>
-                <a:ea typeface="微软雅黑" pitchFamily="34" charset="-122"/>
-              </a:rPr>
-              <a:t>线程模型</a:t>
+              <a:t>操作系统线程模型</a:t>
             </a:r>
           </a:p>
         </p:txBody>
@@ -10772,7 +11419,7 @@
         </p:nvSpPr>
         <p:spPr>
           <a:xfrm>
-            <a:off x="1367644" y="4810797"/>
+            <a:off x="1367644" y="4659982"/>
             <a:ext cx="6408712" cy="307777"/>
           </a:xfrm>
           <a:prstGeom prst="rect">
@@ -10922,10 +11569,5569 @@
           </a:p>
         </p:txBody>
       </p:sp>
+      <p:sp>
+        <p:nvSpPr>
+          <p:cNvPr id="11" name="矩形 10">
+            <a:extLst>
+              <a:ext uri="{FF2B5EF4-FFF2-40B4-BE49-F238E27FC236}">
+                <a16:creationId xmlns:a16="http://schemas.microsoft.com/office/drawing/2014/main" id="{4A84B612-DFC7-46A9-8598-38CAC7F1FB68}"/>
+              </a:ext>
+            </a:extLst>
+          </p:cNvPr>
+          <p:cNvSpPr/>
+          <p:nvPr/>
+        </p:nvSpPr>
+        <p:spPr>
+          <a:xfrm>
+            <a:off x="356356" y="825074"/>
+            <a:ext cx="1468992" cy="338554"/>
+          </a:xfrm>
+          <a:prstGeom prst="rect">
+            <a:avLst/>
+          </a:prstGeom>
+        </p:spPr>
+        <p:txBody>
+          <a:bodyPr wrap="none">
+            <a:spAutoFit/>
+          </a:bodyPr>
+          <a:lstStyle/>
+          <a:p>
+            <a:r>
+              <a:rPr lang="zh-CN" altLang="en-US" sz="1600" dirty="0">
+                <a:ln w="6350">
+                  <a:noFill/>
+                </a:ln>
+                <a:solidFill>
+                  <a:schemeClr val="bg1">
+                    <a:lumMod val="50000"/>
+                  </a:schemeClr>
+                </a:solidFill>
+                <a:latin typeface="微软雅黑" panose="020B0503020204020204" pitchFamily="34" charset="-122"/>
+                <a:ea typeface="微软雅黑" panose="020B0503020204020204" pitchFamily="34" charset="-122"/>
+              </a:rPr>
+              <a:t>内核线程模型</a:t>
+            </a:r>
+          </a:p>
+        </p:txBody>
+      </p:sp>
     </p:spTree>
     <p:extLst>
       <p:ext uri="{BB962C8B-B14F-4D97-AF65-F5344CB8AC3E}">
         <p14:creationId xmlns:p14="http://schemas.microsoft.com/office/powerpoint/2010/main" val="1476186503"/>
+      </p:ext>
+    </p:extLst>
+  </p:cSld>
+  <p:clrMapOvr>
+    <a:masterClrMapping/>
+  </p:clrMapOvr>
+  <p:timing>
+    <p:tnLst>
+      <p:par>
+        <p:cTn id="1" dur="indefinite" restart="never" nodeType="tmRoot">
+          <p:childTnLst>
+            <p:seq concurrent="1" nextAc="seek">
+              <p:cTn id="2" dur="indefinite" nodeType="mainSeq">
+                <p:childTnLst>
+                  <p:par>
+                    <p:cTn id="3" fill="hold">
+                      <p:stCondLst>
+                        <p:cond delay="indefinite"/>
+                      </p:stCondLst>
+                      <p:childTnLst>
+                        <p:par>
+                          <p:cTn id="4" fill="hold">
+                            <p:stCondLst>
+                              <p:cond delay="0"/>
+                            </p:stCondLst>
+                            <p:childTnLst>
+                              <p:par>
+                                <p:cTn id="5" presetID="1" presetClass="entr" presetSubtype="0" fill="hold" grpId="0" nodeType="clickEffect">
+                                  <p:stCondLst>
+                                    <p:cond delay="0"/>
+                                  </p:stCondLst>
+                                  <p:childTnLst>
+                                    <p:set>
+                                      <p:cBhvr>
+                                        <p:cTn id="6" dur="1" fill="hold">
+                                          <p:stCondLst>
+                                            <p:cond delay="0"/>
+                                          </p:stCondLst>
+                                        </p:cTn>
+                                        <p:tgtEl>
+                                          <p:spTgt spid="10"/>
+                                        </p:tgtEl>
+                                        <p:attrNameLst>
+                                          <p:attrName>style.visibility</p:attrName>
+                                        </p:attrNameLst>
+                                      </p:cBhvr>
+                                      <p:to>
+                                        <p:strVal val="visible"/>
+                                      </p:to>
+                                    </p:set>
+                                  </p:childTnLst>
+                                </p:cTn>
+                              </p:par>
+                            </p:childTnLst>
+                          </p:cTn>
+                        </p:par>
+                      </p:childTnLst>
+                    </p:cTn>
+                  </p:par>
+                </p:childTnLst>
+              </p:cTn>
+              <p:prevCondLst>
+                <p:cond evt="onPrev" delay="0">
+                  <p:tgtEl>
+                    <p:sldTgt/>
+                  </p:tgtEl>
+                </p:cond>
+              </p:prevCondLst>
+              <p:nextCondLst>
+                <p:cond evt="onNext" delay="0">
+                  <p:tgtEl>
+                    <p:sldTgt/>
+                  </p:tgtEl>
+                </p:cond>
+              </p:nextCondLst>
+            </p:seq>
+          </p:childTnLst>
+        </p:cTn>
+      </p:par>
+    </p:tnLst>
+    <p:bldLst>
+      <p:bldP spid="10" grpId="0"/>
+    </p:bldLst>
+  </p:timing>
+</p:sld>
+</file>
+
+<file path=ppt/slides/slide23.xml><?xml version="1.0" encoding="utf-8"?>
+<p:sld xmlns:a="http://schemas.openxmlformats.org/drawingml/2006/main" xmlns:r="http://schemas.openxmlformats.org/officeDocument/2006/relationships" xmlns:p="http://schemas.openxmlformats.org/presentationml/2006/main">
+  <p:cSld>
+    <p:spTree>
+      <p:nvGrpSpPr>
+        <p:cNvPr id="1" name=""/>
+        <p:cNvGrpSpPr/>
+        <p:nvPr/>
+      </p:nvGrpSpPr>
+      <p:grpSpPr>
+        <a:xfrm>
+          <a:off x="0" y="0"/>
+          <a:ext cx="0" cy="0"/>
+          <a:chOff x="0" y="0"/>
+          <a:chExt cx="0" cy="0"/>
+        </a:xfrm>
+      </p:grpSpPr>
+      <p:sp>
+        <p:nvSpPr>
+          <p:cNvPr id="47" name="Rectangle 39"/>
+          <p:cNvSpPr>
+            <a:spLocks noChangeArrowheads="1"/>
+          </p:cNvSpPr>
+          <p:nvPr/>
+        </p:nvSpPr>
+        <p:spPr bwMode="auto">
+          <a:xfrm>
+            <a:off x="416159" y="278281"/>
+            <a:ext cx="4011825" cy="307777"/>
+          </a:xfrm>
+          <a:prstGeom prst="rect">
+            <a:avLst/>
+          </a:prstGeom>
+          <a:noFill/>
+          <a:ln>
+            <a:noFill/>
+          </a:ln>
+          <a:extLst>
+            <a:ext uri="{909E8E84-426E-40DD-AFC4-6F175D3DCCD1}">
+              <a14:hiddenFill xmlns:a14="http://schemas.microsoft.com/office/drawing/2010/main">
+                <a:solidFill>
+                  <a:srgbClr val="FFFFFF"/>
+                </a:solidFill>
+              </a14:hiddenFill>
+            </a:ext>
+            <a:ext uri="{91240B29-F687-4F45-9708-019B960494DF}">
+              <a14:hiddenLine xmlns:a14="http://schemas.microsoft.com/office/drawing/2010/main" w="9525">
+                <a:solidFill>
+                  <a:srgbClr val="000000"/>
+                </a:solidFill>
+                <a:miter lim="800000"/>
+                <a:headEnd/>
+                <a:tailEnd/>
+              </a14:hiddenLine>
+            </a:ext>
+          </a:extLst>
+        </p:spPr>
+        <p:txBody>
+          <a:bodyPr wrap="square" lIns="0" tIns="0" rIns="0" bIns="0">
+            <a:spAutoFit/>
+          </a:bodyPr>
+          <a:lstStyle/>
+          <a:p>
+            <a:pPr>
+              <a:buFont typeface="Arial" pitchFamily="34" charset="0"/>
+              <a:buNone/>
+            </a:pPr>
+            <a:r>
+              <a:rPr lang="zh-CN" altLang="en-US" sz="2000" dirty="0">
+                <a:solidFill>
+                  <a:schemeClr val="accent1"/>
+                </a:solidFill>
+                <a:latin typeface="微软雅黑" pitchFamily="34" charset="-122"/>
+                <a:ea typeface="微软雅黑" pitchFamily="34" charset="-122"/>
+              </a:rPr>
+              <a:t>操作系统线程模型</a:t>
+            </a:r>
+          </a:p>
+        </p:txBody>
+      </p:sp>
+      <p:grpSp>
+        <p:nvGrpSpPr>
+          <p:cNvPr id="48" name="组合 47"/>
+          <p:cNvGrpSpPr/>
+          <p:nvPr/>
+        </p:nvGrpSpPr>
+        <p:grpSpPr>
+          <a:xfrm>
+            <a:off x="416158" y="699542"/>
+            <a:ext cx="899592" cy="56017"/>
+            <a:chOff x="0" y="2842590"/>
+            <a:chExt cx="7054752" cy="89199"/>
+          </a:xfrm>
+        </p:grpSpPr>
+        <p:sp>
+          <p:nvSpPr>
+            <p:cNvPr id="49" name="矩形 48"/>
+            <p:cNvSpPr/>
+            <p:nvPr/>
+          </p:nvSpPr>
+          <p:spPr>
+            <a:xfrm>
+              <a:off x="0" y="2842590"/>
+              <a:ext cx="1763688" cy="89199"/>
+            </a:xfrm>
+            <a:prstGeom prst="rect">
+              <a:avLst/>
+            </a:prstGeom>
+            <a:solidFill>
+              <a:schemeClr val="accent1"/>
+            </a:solidFill>
+            <a:ln>
+              <a:noFill/>
+            </a:ln>
+          </p:spPr>
+          <p:style>
+            <a:lnRef idx="2">
+              <a:schemeClr val="accent1">
+                <a:shade val="50000"/>
+              </a:schemeClr>
+            </a:lnRef>
+            <a:fillRef idx="1">
+              <a:schemeClr val="accent1"/>
+            </a:fillRef>
+            <a:effectRef idx="0">
+              <a:schemeClr val="accent1"/>
+            </a:effectRef>
+            <a:fontRef idx="minor">
+              <a:schemeClr val="lt1"/>
+            </a:fontRef>
+          </p:style>
+          <p:txBody>
+            <a:bodyPr rtlCol="0" anchor="ctr"/>
+            <a:lstStyle/>
+            <a:p>
+              <a:pPr algn="ctr"/>
+              <a:endParaRPr lang="zh-CN" altLang="en-US"/>
+            </a:p>
+          </p:txBody>
+        </p:sp>
+        <p:sp>
+          <p:nvSpPr>
+            <p:cNvPr id="50" name="矩形 49"/>
+            <p:cNvSpPr/>
+            <p:nvPr/>
+          </p:nvSpPr>
+          <p:spPr>
+            <a:xfrm>
+              <a:off x="1763688" y="2842590"/>
+              <a:ext cx="1763688" cy="89199"/>
+            </a:xfrm>
+            <a:prstGeom prst="rect">
+              <a:avLst/>
+            </a:prstGeom>
+            <a:solidFill>
+              <a:schemeClr val="accent2"/>
+            </a:solidFill>
+            <a:ln>
+              <a:noFill/>
+            </a:ln>
+          </p:spPr>
+          <p:style>
+            <a:lnRef idx="2">
+              <a:schemeClr val="accent1">
+                <a:shade val="50000"/>
+              </a:schemeClr>
+            </a:lnRef>
+            <a:fillRef idx="1">
+              <a:schemeClr val="accent1"/>
+            </a:fillRef>
+            <a:effectRef idx="0">
+              <a:schemeClr val="accent1"/>
+            </a:effectRef>
+            <a:fontRef idx="minor">
+              <a:schemeClr val="lt1"/>
+            </a:fontRef>
+          </p:style>
+          <p:txBody>
+            <a:bodyPr rtlCol="0" anchor="ctr"/>
+            <a:lstStyle/>
+            <a:p>
+              <a:pPr algn="ctr"/>
+              <a:endParaRPr lang="zh-CN" altLang="en-US"/>
+            </a:p>
+          </p:txBody>
+        </p:sp>
+        <p:sp>
+          <p:nvSpPr>
+            <p:cNvPr id="51" name="矩形 50"/>
+            <p:cNvSpPr/>
+            <p:nvPr/>
+          </p:nvSpPr>
+          <p:spPr>
+            <a:xfrm>
+              <a:off x="3527376" y="2842590"/>
+              <a:ext cx="1763688" cy="89199"/>
+            </a:xfrm>
+            <a:prstGeom prst="rect">
+              <a:avLst/>
+            </a:prstGeom>
+            <a:solidFill>
+              <a:schemeClr val="accent3"/>
+            </a:solidFill>
+            <a:ln>
+              <a:noFill/>
+            </a:ln>
+          </p:spPr>
+          <p:style>
+            <a:lnRef idx="2">
+              <a:schemeClr val="accent1">
+                <a:shade val="50000"/>
+              </a:schemeClr>
+            </a:lnRef>
+            <a:fillRef idx="1">
+              <a:schemeClr val="accent1"/>
+            </a:fillRef>
+            <a:effectRef idx="0">
+              <a:schemeClr val="accent1"/>
+            </a:effectRef>
+            <a:fontRef idx="minor">
+              <a:schemeClr val="lt1"/>
+            </a:fontRef>
+          </p:style>
+          <p:txBody>
+            <a:bodyPr rtlCol="0" anchor="ctr"/>
+            <a:lstStyle/>
+            <a:p>
+              <a:pPr algn="ctr"/>
+              <a:endParaRPr lang="zh-CN" altLang="en-US"/>
+            </a:p>
+          </p:txBody>
+        </p:sp>
+        <p:sp>
+          <p:nvSpPr>
+            <p:cNvPr id="52" name="矩形 51"/>
+            <p:cNvSpPr/>
+            <p:nvPr/>
+          </p:nvSpPr>
+          <p:spPr>
+            <a:xfrm>
+              <a:off x="5291064" y="2842590"/>
+              <a:ext cx="1763688" cy="89199"/>
+            </a:xfrm>
+            <a:prstGeom prst="rect">
+              <a:avLst/>
+            </a:prstGeom>
+            <a:solidFill>
+              <a:schemeClr val="accent4"/>
+            </a:solidFill>
+            <a:ln>
+              <a:noFill/>
+            </a:ln>
+          </p:spPr>
+          <p:style>
+            <a:lnRef idx="2">
+              <a:schemeClr val="accent1">
+                <a:shade val="50000"/>
+              </a:schemeClr>
+            </a:lnRef>
+            <a:fillRef idx="1">
+              <a:schemeClr val="accent1"/>
+            </a:fillRef>
+            <a:effectRef idx="0">
+              <a:schemeClr val="accent1"/>
+            </a:effectRef>
+            <a:fontRef idx="minor">
+              <a:schemeClr val="lt1"/>
+            </a:fontRef>
+          </p:style>
+          <p:txBody>
+            <a:bodyPr rtlCol="0" anchor="ctr"/>
+            <a:lstStyle/>
+            <a:p>
+              <a:pPr algn="ctr"/>
+              <a:endParaRPr lang="zh-CN" altLang="en-US"/>
+            </a:p>
+          </p:txBody>
+        </p:sp>
+      </p:grpSp>
+      <p:sp>
+        <p:nvSpPr>
+          <p:cNvPr id="10" name="文本框 9">
+            <a:extLst>
+              <a:ext uri="{FF2B5EF4-FFF2-40B4-BE49-F238E27FC236}">
+                <a16:creationId xmlns:a16="http://schemas.microsoft.com/office/drawing/2014/main" id="{CCA04B5A-E327-4C20-B3FC-0479BED8C0BD}"/>
+              </a:ext>
+            </a:extLst>
+          </p:cNvPr>
+          <p:cNvSpPr txBox="1"/>
+          <p:nvPr/>
+        </p:nvSpPr>
+        <p:spPr>
+          <a:xfrm>
+            <a:off x="1367644" y="4659982"/>
+            <a:ext cx="6408712" cy="307777"/>
+          </a:xfrm>
+          <a:prstGeom prst="rect">
+            <a:avLst/>
+          </a:prstGeom>
+          <a:noFill/>
+        </p:spPr>
+        <p:txBody>
+          <a:bodyPr wrap="square">
+            <a:spAutoFit/>
+          </a:bodyPr>
+          <a:lstStyle/>
+          <a:p>
+            <a:r>
+              <a:rPr lang="zh-CN" altLang="en-US" sz="1400" dirty="0">
+                <a:ln w="6350">
+                  <a:noFill/>
+                </a:ln>
+                <a:solidFill>
+                  <a:schemeClr val="accent4"/>
+                </a:solidFill>
+                <a:latin typeface="微软雅黑" panose="020B0503020204020204" pitchFamily="34" charset="-122"/>
+                <a:ea typeface="微软雅黑" panose="020B0503020204020204" pitchFamily="34" charset="-122"/>
+              </a:rPr>
+              <a:t>用户线程模型又叫多对一模型，这里的多对一是指用户线程和进程是多对一。</a:t>
+            </a:r>
+          </a:p>
+        </p:txBody>
+      </p:sp>
+      <p:pic>
+        <p:nvPicPr>
+          <p:cNvPr id="4098" name="Picture 2">
+            <a:extLst>
+              <a:ext uri="{FF2B5EF4-FFF2-40B4-BE49-F238E27FC236}">
+                <a16:creationId xmlns:a16="http://schemas.microsoft.com/office/drawing/2014/main" id="{0CEC7674-1A45-447B-B853-69F95D76C562}"/>
+              </a:ext>
+            </a:extLst>
+          </p:cNvPr>
+          <p:cNvPicPr>
+            <a:picLocks noChangeAspect="1" noChangeArrowheads="1"/>
+          </p:cNvPicPr>
+          <p:nvPr/>
+        </p:nvPicPr>
+        <p:blipFill>
+          <a:blip r:embed="rId3">
+            <a:extLst>
+              <a:ext uri="{28A0092B-C50C-407E-A947-70E740481C1C}">
+                <a14:useLocalDpi xmlns:a14="http://schemas.microsoft.com/office/drawing/2010/main" val="0"/>
+              </a:ext>
+            </a:extLst>
+          </a:blip>
+          <a:srcRect/>
+          <a:stretch/>
+        </p:blipFill>
+        <p:spPr bwMode="auto">
+          <a:xfrm>
+            <a:off x="2146882" y="816017"/>
+            <a:ext cx="4724517" cy="3511466"/>
+          </a:xfrm>
+          <a:prstGeom prst="rect">
+            <a:avLst/>
+          </a:prstGeom>
+          <a:noFill/>
+          <a:extLst>
+            <a:ext uri="{909E8E84-426E-40DD-AFC4-6F175D3DCCD1}">
+              <a14:hiddenFill xmlns:a14="http://schemas.microsoft.com/office/drawing/2010/main">
+                <a:solidFill>
+                  <a:srgbClr val="FFFFFF"/>
+                </a:solidFill>
+              </a14:hiddenFill>
+            </a:ext>
+          </a:extLst>
+        </p:spPr>
+      </p:pic>
+      <p:sp>
+        <p:nvSpPr>
+          <p:cNvPr id="12" name="文本框 11">
+            <a:extLst>
+              <a:ext uri="{FF2B5EF4-FFF2-40B4-BE49-F238E27FC236}">
+                <a16:creationId xmlns:a16="http://schemas.microsoft.com/office/drawing/2014/main" id="{3EDA44F9-09A8-428A-BED4-02C54D1C23DA}"/>
+              </a:ext>
+            </a:extLst>
+          </p:cNvPr>
+          <p:cNvSpPr txBox="1"/>
+          <p:nvPr/>
+        </p:nvSpPr>
+        <p:spPr>
+          <a:xfrm>
+            <a:off x="2051720" y="4371950"/>
+            <a:ext cx="2232248" cy="200055"/>
+          </a:xfrm>
+          <a:prstGeom prst="rect">
+            <a:avLst/>
+          </a:prstGeom>
+          <a:noFill/>
+        </p:spPr>
+        <p:txBody>
+          <a:bodyPr wrap="square">
+            <a:spAutoFit/>
+          </a:bodyPr>
+          <a:lstStyle/>
+          <a:p>
+            <a:r>
+              <a:rPr lang="zh-CN" altLang="en-US" sz="700" dirty="0">
+                <a:ln w="6350">
+                  <a:noFill/>
+                </a:ln>
+                <a:solidFill>
+                  <a:schemeClr val="accent1">
+                    <a:lumMod val="60000"/>
+                    <a:lumOff val="40000"/>
+                  </a:schemeClr>
+                </a:solidFill>
+                <a:latin typeface="微软雅黑" panose="020B0503020204020204" pitchFamily="34" charset="-122"/>
+                <a:ea typeface="微软雅黑" panose="020B0503020204020204" pitchFamily="34" charset="-122"/>
+              </a:rPr>
+              <a:t>图片来源：操作系统概念第七版中文版</a:t>
+            </a:r>
+          </a:p>
+        </p:txBody>
+      </p:sp>
+      <p:sp>
+        <p:nvSpPr>
+          <p:cNvPr id="11" name="矩形 10">
+            <a:extLst>
+              <a:ext uri="{FF2B5EF4-FFF2-40B4-BE49-F238E27FC236}">
+                <a16:creationId xmlns:a16="http://schemas.microsoft.com/office/drawing/2014/main" id="{5E07C53B-684F-4441-9D9B-7D6EC2B9ECF2}"/>
+              </a:ext>
+            </a:extLst>
+          </p:cNvPr>
+          <p:cNvSpPr/>
+          <p:nvPr/>
+        </p:nvSpPr>
+        <p:spPr>
+          <a:xfrm>
+            <a:off x="356356" y="825074"/>
+            <a:ext cx="1468992" cy="338554"/>
+          </a:xfrm>
+          <a:prstGeom prst="rect">
+            <a:avLst/>
+          </a:prstGeom>
+        </p:spPr>
+        <p:txBody>
+          <a:bodyPr wrap="none">
+            <a:spAutoFit/>
+          </a:bodyPr>
+          <a:lstStyle/>
+          <a:p>
+            <a:r>
+              <a:rPr lang="zh-CN" altLang="en-US" sz="1600" dirty="0">
+                <a:ln w="6350">
+                  <a:noFill/>
+                </a:ln>
+                <a:solidFill>
+                  <a:schemeClr val="bg1">
+                    <a:lumMod val="50000"/>
+                  </a:schemeClr>
+                </a:solidFill>
+                <a:latin typeface="微软雅黑" panose="020B0503020204020204" pitchFamily="34" charset="-122"/>
+                <a:ea typeface="微软雅黑" panose="020B0503020204020204" pitchFamily="34" charset="-122"/>
+              </a:rPr>
+              <a:t>用户线程模型</a:t>
+            </a:r>
+          </a:p>
+        </p:txBody>
+      </p:sp>
+    </p:spTree>
+    <p:extLst>
+      <p:ext uri="{BB962C8B-B14F-4D97-AF65-F5344CB8AC3E}">
+        <p14:creationId xmlns:p14="http://schemas.microsoft.com/office/powerpoint/2010/main" val="1632525736"/>
+      </p:ext>
+    </p:extLst>
+  </p:cSld>
+  <p:clrMapOvr>
+    <a:masterClrMapping/>
+  </p:clrMapOvr>
+  <p:timing>
+    <p:tnLst>
+      <p:par>
+        <p:cTn id="1" dur="indefinite" restart="never" nodeType="tmRoot">
+          <p:childTnLst>
+            <p:seq concurrent="1" nextAc="seek">
+              <p:cTn id="2" dur="indefinite" nodeType="mainSeq">
+                <p:childTnLst>
+                  <p:par>
+                    <p:cTn id="3" fill="hold">
+                      <p:stCondLst>
+                        <p:cond delay="indefinite"/>
+                      </p:stCondLst>
+                      <p:childTnLst>
+                        <p:par>
+                          <p:cTn id="4" fill="hold">
+                            <p:stCondLst>
+                              <p:cond delay="0"/>
+                            </p:stCondLst>
+                            <p:childTnLst>
+                              <p:par>
+                                <p:cTn id="5" presetID="1" presetClass="entr" presetSubtype="0" fill="hold" grpId="0" nodeType="clickEffect">
+                                  <p:stCondLst>
+                                    <p:cond delay="0"/>
+                                  </p:stCondLst>
+                                  <p:childTnLst>
+                                    <p:set>
+                                      <p:cBhvr>
+                                        <p:cTn id="6" dur="1" fill="hold">
+                                          <p:stCondLst>
+                                            <p:cond delay="0"/>
+                                          </p:stCondLst>
+                                        </p:cTn>
+                                        <p:tgtEl>
+                                          <p:spTgt spid="10"/>
+                                        </p:tgtEl>
+                                        <p:attrNameLst>
+                                          <p:attrName>style.visibility</p:attrName>
+                                        </p:attrNameLst>
+                                      </p:cBhvr>
+                                      <p:to>
+                                        <p:strVal val="visible"/>
+                                      </p:to>
+                                    </p:set>
+                                  </p:childTnLst>
+                                </p:cTn>
+                              </p:par>
+                            </p:childTnLst>
+                          </p:cTn>
+                        </p:par>
+                      </p:childTnLst>
+                    </p:cTn>
+                  </p:par>
+                </p:childTnLst>
+              </p:cTn>
+              <p:prevCondLst>
+                <p:cond evt="onPrev" delay="0">
+                  <p:tgtEl>
+                    <p:sldTgt/>
+                  </p:tgtEl>
+                </p:cond>
+              </p:prevCondLst>
+              <p:nextCondLst>
+                <p:cond evt="onNext" delay="0">
+                  <p:tgtEl>
+                    <p:sldTgt/>
+                  </p:tgtEl>
+                </p:cond>
+              </p:nextCondLst>
+            </p:seq>
+          </p:childTnLst>
+        </p:cTn>
+      </p:par>
+    </p:tnLst>
+    <p:bldLst>
+      <p:bldP spid="10" grpId="0"/>
+    </p:bldLst>
+  </p:timing>
+</p:sld>
+</file>
+
+<file path=ppt/slides/slide24.xml><?xml version="1.0" encoding="utf-8"?>
+<p:sld xmlns:a="http://schemas.openxmlformats.org/drawingml/2006/main" xmlns:r="http://schemas.openxmlformats.org/officeDocument/2006/relationships" xmlns:p="http://schemas.openxmlformats.org/presentationml/2006/main">
+  <p:cSld>
+    <p:spTree>
+      <p:nvGrpSpPr>
+        <p:cNvPr id="1" name=""/>
+        <p:cNvGrpSpPr/>
+        <p:nvPr/>
+      </p:nvGrpSpPr>
+      <p:grpSpPr>
+        <a:xfrm>
+          <a:off x="0" y="0"/>
+          <a:ext cx="0" cy="0"/>
+          <a:chOff x="0" y="0"/>
+          <a:chExt cx="0" cy="0"/>
+        </a:xfrm>
+      </p:grpSpPr>
+      <p:sp>
+        <p:nvSpPr>
+          <p:cNvPr id="47" name="Rectangle 39"/>
+          <p:cNvSpPr>
+            <a:spLocks noChangeArrowheads="1"/>
+          </p:cNvSpPr>
+          <p:nvPr/>
+        </p:nvSpPr>
+        <p:spPr bwMode="auto">
+          <a:xfrm>
+            <a:off x="416159" y="278281"/>
+            <a:ext cx="4011825" cy="307777"/>
+          </a:xfrm>
+          <a:prstGeom prst="rect">
+            <a:avLst/>
+          </a:prstGeom>
+          <a:noFill/>
+          <a:ln>
+            <a:noFill/>
+          </a:ln>
+          <a:extLst>
+            <a:ext uri="{909E8E84-426E-40DD-AFC4-6F175D3DCCD1}">
+              <a14:hiddenFill xmlns:a14="http://schemas.microsoft.com/office/drawing/2010/main">
+                <a:solidFill>
+                  <a:srgbClr val="FFFFFF"/>
+                </a:solidFill>
+              </a14:hiddenFill>
+            </a:ext>
+            <a:ext uri="{91240B29-F687-4F45-9708-019B960494DF}">
+              <a14:hiddenLine xmlns:a14="http://schemas.microsoft.com/office/drawing/2010/main" w="9525">
+                <a:solidFill>
+                  <a:srgbClr val="000000"/>
+                </a:solidFill>
+                <a:miter lim="800000"/>
+                <a:headEnd/>
+                <a:tailEnd/>
+              </a14:hiddenLine>
+            </a:ext>
+          </a:extLst>
+        </p:spPr>
+        <p:txBody>
+          <a:bodyPr wrap="square" lIns="0" tIns="0" rIns="0" bIns="0">
+            <a:spAutoFit/>
+          </a:bodyPr>
+          <a:lstStyle/>
+          <a:p>
+            <a:pPr>
+              <a:buFont typeface="Arial" pitchFamily="34" charset="0"/>
+              <a:buNone/>
+            </a:pPr>
+            <a:r>
+              <a:rPr lang="zh-CN" altLang="en-US" sz="2000" dirty="0">
+                <a:solidFill>
+                  <a:schemeClr val="accent1"/>
+                </a:solidFill>
+                <a:latin typeface="微软雅黑" pitchFamily="34" charset="-122"/>
+                <a:ea typeface="微软雅黑" pitchFamily="34" charset="-122"/>
+              </a:rPr>
+              <a:t>操作系统线程模型</a:t>
+            </a:r>
+          </a:p>
+        </p:txBody>
+      </p:sp>
+      <p:grpSp>
+        <p:nvGrpSpPr>
+          <p:cNvPr id="48" name="组合 47"/>
+          <p:cNvGrpSpPr/>
+          <p:nvPr/>
+        </p:nvGrpSpPr>
+        <p:grpSpPr>
+          <a:xfrm>
+            <a:off x="416158" y="699542"/>
+            <a:ext cx="899592" cy="56017"/>
+            <a:chOff x="0" y="2842590"/>
+            <a:chExt cx="7054752" cy="89199"/>
+          </a:xfrm>
+        </p:grpSpPr>
+        <p:sp>
+          <p:nvSpPr>
+            <p:cNvPr id="49" name="矩形 48"/>
+            <p:cNvSpPr/>
+            <p:nvPr/>
+          </p:nvSpPr>
+          <p:spPr>
+            <a:xfrm>
+              <a:off x="0" y="2842590"/>
+              <a:ext cx="1763688" cy="89199"/>
+            </a:xfrm>
+            <a:prstGeom prst="rect">
+              <a:avLst/>
+            </a:prstGeom>
+            <a:solidFill>
+              <a:schemeClr val="accent1"/>
+            </a:solidFill>
+            <a:ln>
+              <a:noFill/>
+            </a:ln>
+          </p:spPr>
+          <p:style>
+            <a:lnRef idx="2">
+              <a:schemeClr val="accent1">
+                <a:shade val="50000"/>
+              </a:schemeClr>
+            </a:lnRef>
+            <a:fillRef idx="1">
+              <a:schemeClr val="accent1"/>
+            </a:fillRef>
+            <a:effectRef idx="0">
+              <a:schemeClr val="accent1"/>
+            </a:effectRef>
+            <a:fontRef idx="minor">
+              <a:schemeClr val="lt1"/>
+            </a:fontRef>
+          </p:style>
+          <p:txBody>
+            <a:bodyPr rtlCol="0" anchor="ctr"/>
+            <a:lstStyle/>
+            <a:p>
+              <a:pPr algn="ctr"/>
+              <a:endParaRPr lang="zh-CN" altLang="en-US"/>
+            </a:p>
+          </p:txBody>
+        </p:sp>
+        <p:sp>
+          <p:nvSpPr>
+            <p:cNvPr id="50" name="矩形 49"/>
+            <p:cNvSpPr/>
+            <p:nvPr/>
+          </p:nvSpPr>
+          <p:spPr>
+            <a:xfrm>
+              <a:off x="1763688" y="2842590"/>
+              <a:ext cx="1763688" cy="89199"/>
+            </a:xfrm>
+            <a:prstGeom prst="rect">
+              <a:avLst/>
+            </a:prstGeom>
+            <a:solidFill>
+              <a:schemeClr val="accent2"/>
+            </a:solidFill>
+            <a:ln>
+              <a:noFill/>
+            </a:ln>
+          </p:spPr>
+          <p:style>
+            <a:lnRef idx="2">
+              <a:schemeClr val="accent1">
+                <a:shade val="50000"/>
+              </a:schemeClr>
+            </a:lnRef>
+            <a:fillRef idx="1">
+              <a:schemeClr val="accent1"/>
+            </a:fillRef>
+            <a:effectRef idx="0">
+              <a:schemeClr val="accent1"/>
+            </a:effectRef>
+            <a:fontRef idx="minor">
+              <a:schemeClr val="lt1"/>
+            </a:fontRef>
+          </p:style>
+          <p:txBody>
+            <a:bodyPr rtlCol="0" anchor="ctr"/>
+            <a:lstStyle/>
+            <a:p>
+              <a:pPr algn="ctr"/>
+              <a:endParaRPr lang="zh-CN" altLang="en-US"/>
+            </a:p>
+          </p:txBody>
+        </p:sp>
+        <p:sp>
+          <p:nvSpPr>
+            <p:cNvPr id="51" name="矩形 50"/>
+            <p:cNvSpPr/>
+            <p:nvPr/>
+          </p:nvSpPr>
+          <p:spPr>
+            <a:xfrm>
+              <a:off x="3527376" y="2842590"/>
+              <a:ext cx="1763688" cy="89199"/>
+            </a:xfrm>
+            <a:prstGeom prst="rect">
+              <a:avLst/>
+            </a:prstGeom>
+            <a:solidFill>
+              <a:schemeClr val="accent3"/>
+            </a:solidFill>
+            <a:ln>
+              <a:noFill/>
+            </a:ln>
+          </p:spPr>
+          <p:style>
+            <a:lnRef idx="2">
+              <a:schemeClr val="accent1">
+                <a:shade val="50000"/>
+              </a:schemeClr>
+            </a:lnRef>
+            <a:fillRef idx="1">
+              <a:schemeClr val="accent1"/>
+            </a:fillRef>
+            <a:effectRef idx="0">
+              <a:schemeClr val="accent1"/>
+            </a:effectRef>
+            <a:fontRef idx="minor">
+              <a:schemeClr val="lt1"/>
+            </a:fontRef>
+          </p:style>
+          <p:txBody>
+            <a:bodyPr rtlCol="0" anchor="ctr"/>
+            <a:lstStyle/>
+            <a:p>
+              <a:pPr algn="ctr"/>
+              <a:endParaRPr lang="zh-CN" altLang="en-US"/>
+            </a:p>
+          </p:txBody>
+        </p:sp>
+        <p:sp>
+          <p:nvSpPr>
+            <p:cNvPr id="52" name="矩形 51"/>
+            <p:cNvSpPr/>
+            <p:nvPr/>
+          </p:nvSpPr>
+          <p:spPr>
+            <a:xfrm>
+              <a:off x="5291064" y="2842590"/>
+              <a:ext cx="1763688" cy="89199"/>
+            </a:xfrm>
+            <a:prstGeom prst="rect">
+              <a:avLst/>
+            </a:prstGeom>
+            <a:solidFill>
+              <a:schemeClr val="accent4"/>
+            </a:solidFill>
+            <a:ln>
+              <a:noFill/>
+            </a:ln>
+          </p:spPr>
+          <p:style>
+            <a:lnRef idx="2">
+              <a:schemeClr val="accent1">
+                <a:shade val="50000"/>
+              </a:schemeClr>
+            </a:lnRef>
+            <a:fillRef idx="1">
+              <a:schemeClr val="accent1"/>
+            </a:fillRef>
+            <a:effectRef idx="0">
+              <a:schemeClr val="accent1"/>
+            </a:effectRef>
+            <a:fontRef idx="minor">
+              <a:schemeClr val="lt1"/>
+            </a:fontRef>
+          </p:style>
+          <p:txBody>
+            <a:bodyPr rtlCol="0" anchor="ctr"/>
+            <a:lstStyle/>
+            <a:p>
+              <a:pPr algn="ctr"/>
+              <a:endParaRPr lang="zh-CN" altLang="en-US"/>
+            </a:p>
+          </p:txBody>
+        </p:sp>
+      </p:grpSp>
+      <p:sp>
+        <p:nvSpPr>
+          <p:cNvPr id="10" name="文本框 9">
+            <a:extLst>
+              <a:ext uri="{FF2B5EF4-FFF2-40B4-BE49-F238E27FC236}">
+                <a16:creationId xmlns:a16="http://schemas.microsoft.com/office/drawing/2014/main" id="{CCA04B5A-E327-4C20-B3FC-0479BED8C0BD}"/>
+              </a:ext>
+            </a:extLst>
+          </p:cNvPr>
+          <p:cNvSpPr txBox="1"/>
+          <p:nvPr/>
+        </p:nvSpPr>
+        <p:spPr>
+          <a:xfrm>
+            <a:off x="1367644" y="4659982"/>
+            <a:ext cx="6408712" cy="307777"/>
+          </a:xfrm>
+          <a:prstGeom prst="rect">
+            <a:avLst/>
+          </a:prstGeom>
+          <a:noFill/>
+        </p:spPr>
+        <p:txBody>
+          <a:bodyPr wrap="square">
+            <a:spAutoFit/>
+          </a:bodyPr>
+          <a:lstStyle/>
+          <a:p>
+            <a:r>
+              <a:rPr lang="zh-CN" altLang="en-US" sz="1400" dirty="0">
+                <a:ln w="6350">
+                  <a:noFill/>
+                </a:ln>
+                <a:solidFill>
+                  <a:schemeClr val="accent4"/>
+                </a:solidFill>
+                <a:latin typeface="微软雅黑" panose="020B0503020204020204" pitchFamily="34" charset="-122"/>
+                <a:ea typeface="微软雅黑" panose="020B0503020204020204" pitchFamily="34" charset="-122"/>
+              </a:rPr>
+              <a:t>用户线程模型又叫多对多模型，这里的多对多是指用户线程和</a:t>
+            </a:r>
+            <a:r>
+              <a:rPr lang="en-US" altLang="zh-CN" sz="1400" dirty="0">
+                <a:ln w="6350">
+                  <a:noFill/>
+                </a:ln>
+                <a:solidFill>
+                  <a:schemeClr val="accent4"/>
+                </a:solidFill>
+                <a:latin typeface="微软雅黑" panose="020B0503020204020204" pitchFamily="34" charset="-122"/>
+                <a:ea typeface="微软雅黑" panose="020B0503020204020204" pitchFamily="34" charset="-122"/>
+              </a:rPr>
+              <a:t>LWP</a:t>
+            </a:r>
+            <a:r>
+              <a:rPr lang="zh-CN" altLang="en-US" sz="1400" dirty="0">
+                <a:ln w="6350">
+                  <a:noFill/>
+                </a:ln>
+                <a:solidFill>
+                  <a:schemeClr val="accent4"/>
+                </a:solidFill>
+                <a:latin typeface="微软雅黑" panose="020B0503020204020204" pitchFamily="34" charset="-122"/>
+                <a:ea typeface="微软雅黑" panose="020B0503020204020204" pitchFamily="34" charset="-122"/>
+              </a:rPr>
+              <a:t>是多对多。</a:t>
+            </a:r>
+          </a:p>
+        </p:txBody>
+      </p:sp>
+      <p:pic>
+        <p:nvPicPr>
+          <p:cNvPr id="4098" name="Picture 2">
+            <a:extLst>
+              <a:ext uri="{FF2B5EF4-FFF2-40B4-BE49-F238E27FC236}">
+                <a16:creationId xmlns:a16="http://schemas.microsoft.com/office/drawing/2014/main" id="{0CEC7674-1A45-447B-B853-69F95D76C562}"/>
+              </a:ext>
+            </a:extLst>
+          </p:cNvPr>
+          <p:cNvPicPr>
+            <a:picLocks noChangeAspect="1" noChangeArrowheads="1"/>
+          </p:cNvPicPr>
+          <p:nvPr/>
+        </p:nvPicPr>
+        <p:blipFill>
+          <a:blip r:embed="rId3">
+            <a:extLst>
+              <a:ext uri="{28A0092B-C50C-407E-A947-70E740481C1C}">
+                <a14:useLocalDpi xmlns:a14="http://schemas.microsoft.com/office/drawing/2010/main" val="0"/>
+              </a:ext>
+            </a:extLst>
+          </a:blip>
+          <a:srcRect/>
+          <a:stretch/>
+        </p:blipFill>
+        <p:spPr bwMode="auto">
+          <a:xfrm>
+            <a:off x="2146882" y="882711"/>
+            <a:ext cx="4724517" cy="3378077"/>
+          </a:xfrm>
+          <a:prstGeom prst="rect">
+            <a:avLst/>
+          </a:prstGeom>
+          <a:noFill/>
+          <a:extLst>
+            <a:ext uri="{909E8E84-426E-40DD-AFC4-6F175D3DCCD1}">
+              <a14:hiddenFill xmlns:a14="http://schemas.microsoft.com/office/drawing/2010/main">
+                <a:solidFill>
+                  <a:srgbClr val="FFFFFF"/>
+                </a:solidFill>
+              </a14:hiddenFill>
+            </a:ext>
+          </a:extLst>
+        </p:spPr>
+      </p:pic>
+      <p:sp>
+        <p:nvSpPr>
+          <p:cNvPr id="12" name="文本框 11">
+            <a:extLst>
+              <a:ext uri="{FF2B5EF4-FFF2-40B4-BE49-F238E27FC236}">
+                <a16:creationId xmlns:a16="http://schemas.microsoft.com/office/drawing/2014/main" id="{3EDA44F9-09A8-428A-BED4-02C54D1C23DA}"/>
+              </a:ext>
+            </a:extLst>
+          </p:cNvPr>
+          <p:cNvSpPr txBox="1"/>
+          <p:nvPr/>
+        </p:nvSpPr>
+        <p:spPr>
+          <a:xfrm>
+            <a:off x="2051720" y="4371950"/>
+            <a:ext cx="2232248" cy="200055"/>
+          </a:xfrm>
+          <a:prstGeom prst="rect">
+            <a:avLst/>
+          </a:prstGeom>
+          <a:noFill/>
+        </p:spPr>
+        <p:txBody>
+          <a:bodyPr wrap="square">
+            <a:spAutoFit/>
+          </a:bodyPr>
+          <a:lstStyle/>
+          <a:p>
+            <a:r>
+              <a:rPr lang="zh-CN" altLang="en-US" sz="700" dirty="0">
+                <a:ln w="6350">
+                  <a:noFill/>
+                </a:ln>
+                <a:solidFill>
+                  <a:schemeClr val="accent1">
+                    <a:lumMod val="60000"/>
+                    <a:lumOff val="40000"/>
+                  </a:schemeClr>
+                </a:solidFill>
+                <a:latin typeface="微软雅黑" panose="020B0503020204020204" pitchFamily="34" charset="-122"/>
+                <a:ea typeface="微软雅黑" panose="020B0503020204020204" pitchFamily="34" charset="-122"/>
+              </a:rPr>
+              <a:t>图片来源：操作系统概念第七版中文版</a:t>
+            </a:r>
+          </a:p>
+        </p:txBody>
+      </p:sp>
+      <p:sp>
+        <p:nvSpPr>
+          <p:cNvPr id="11" name="矩形 10">
+            <a:extLst>
+              <a:ext uri="{FF2B5EF4-FFF2-40B4-BE49-F238E27FC236}">
+                <a16:creationId xmlns:a16="http://schemas.microsoft.com/office/drawing/2014/main" id="{5E07C53B-684F-4441-9D9B-7D6EC2B9ECF2}"/>
+              </a:ext>
+            </a:extLst>
+          </p:cNvPr>
+          <p:cNvSpPr/>
+          <p:nvPr/>
+        </p:nvSpPr>
+        <p:spPr>
+          <a:xfrm>
+            <a:off x="356356" y="825074"/>
+            <a:ext cx="1468992" cy="338554"/>
+          </a:xfrm>
+          <a:prstGeom prst="rect">
+            <a:avLst/>
+          </a:prstGeom>
+        </p:spPr>
+        <p:txBody>
+          <a:bodyPr wrap="none">
+            <a:spAutoFit/>
+          </a:bodyPr>
+          <a:lstStyle/>
+          <a:p>
+            <a:r>
+              <a:rPr lang="zh-CN" altLang="en-US" sz="1600" dirty="0">
+                <a:ln w="6350">
+                  <a:noFill/>
+                </a:ln>
+                <a:solidFill>
+                  <a:schemeClr val="bg1">
+                    <a:lumMod val="50000"/>
+                  </a:schemeClr>
+                </a:solidFill>
+                <a:latin typeface="微软雅黑" panose="020B0503020204020204" pitchFamily="34" charset="-122"/>
+                <a:ea typeface="微软雅黑" panose="020B0503020204020204" pitchFamily="34" charset="-122"/>
+              </a:rPr>
+              <a:t>混合线程模型</a:t>
+            </a:r>
+          </a:p>
+        </p:txBody>
+      </p:sp>
+    </p:spTree>
+    <p:extLst>
+      <p:ext uri="{BB962C8B-B14F-4D97-AF65-F5344CB8AC3E}">
+        <p14:creationId xmlns:p14="http://schemas.microsoft.com/office/powerpoint/2010/main" val="3438619691"/>
+      </p:ext>
+    </p:extLst>
+  </p:cSld>
+  <p:clrMapOvr>
+    <a:masterClrMapping/>
+  </p:clrMapOvr>
+  <p:timing>
+    <p:tnLst>
+      <p:par>
+        <p:cTn id="1" dur="indefinite" restart="never" nodeType="tmRoot">
+          <p:childTnLst>
+            <p:seq concurrent="1" nextAc="seek">
+              <p:cTn id="2" dur="indefinite" nodeType="mainSeq">
+                <p:childTnLst>
+                  <p:par>
+                    <p:cTn id="3" fill="hold">
+                      <p:stCondLst>
+                        <p:cond delay="indefinite"/>
+                      </p:stCondLst>
+                      <p:childTnLst>
+                        <p:par>
+                          <p:cTn id="4" fill="hold">
+                            <p:stCondLst>
+                              <p:cond delay="0"/>
+                            </p:stCondLst>
+                            <p:childTnLst>
+                              <p:par>
+                                <p:cTn id="5" presetID="1" presetClass="entr" presetSubtype="0" fill="hold" grpId="0" nodeType="clickEffect">
+                                  <p:stCondLst>
+                                    <p:cond delay="0"/>
+                                  </p:stCondLst>
+                                  <p:childTnLst>
+                                    <p:set>
+                                      <p:cBhvr>
+                                        <p:cTn id="6" dur="1" fill="hold">
+                                          <p:stCondLst>
+                                            <p:cond delay="0"/>
+                                          </p:stCondLst>
+                                        </p:cTn>
+                                        <p:tgtEl>
+                                          <p:spTgt spid="10"/>
+                                        </p:tgtEl>
+                                        <p:attrNameLst>
+                                          <p:attrName>style.visibility</p:attrName>
+                                        </p:attrNameLst>
+                                      </p:cBhvr>
+                                      <p:to>
+                                        <p:strVal val="visible"/>
+                                      </p:to>
+                                    </p:set>
+                                  </p:childTnLst>
+                                </p:cTn>
+                              </p:par>
+                            </p:childTnLst>
+                          </p:cTn>
+                        </p:par>
+                      </p:childTnLst>
+                    </p:cTn>
+                  </p:par>
+                </p:childTnLst>
+              </p:cTn>
+              <p:prevCondLst>
+                <p:cond evt="onPrev" delay="0">
+                  <p:tgtEl>
+                    <p:sldTgt/>
+                  </p:tgtEl>
+                </p:cond>
+              </p:prevCondLst>
+              <p:nextCondLst>
+                <p:cond evt="onNext" delay="0">
+                  <p:tgtEl>
+                    <p:sldTgt/>
+                  </p:tgtEl>
+                </p:cond>
+              </p:nextCondLst>
+            </p:seq>
+          </p:childTnLst>
+        </p:cTn>
+      </p:par>
+    </p:tnLst>
+    <p:bldLst>
+      <p:bldP spid="10" grpId="0"/>
+    </p:bldLst>
+  </p:timing>
+</p:sld>
+</file>
+
+<file path=ppt/slides/slide25.xml><?xml version="1.0" encoding="utf-8"?>
+<p:sld xmlns:a="http://schemas.openxmlformats.org/drawingml/2006/main" xmlns:r="http://schemas.openxmlformats.org/officeDocument/2006/relationships" xmlns:p="http://schemas.openxmlformats.org/presentationml/2006/main">
+  <p:cSld>
+    <p:spTree>
+      <p:nvGrpSpPr>
+        <p:cNvPr id="1" name=""/>
+        <p:cNvGrpSpPr/>
+        <p:nvPr/>
+      </p:nvGrpSpPr>
+      <p:grpSpPr>
+        <a:xfrm>
+          <a:off x="0" y="0"/>
+          <a:ext cx="0" cy="0"/>
+          <a:chOff x="0" y="0"/>
+          <a:chExt cx="0" cy="0"/>
+        </a:xfrm>
+      </p:grpSpPr>
+      <p:sp>
+        <p:nvSpPr>
+          <p:cNvPr id="39" name="矩形 38"/>
+          <p:cNvSpPr/>
+          <p:nvPr/>
+        </p:nvSpPr>
+        <p:spPr>
+          <a:xfrm>
+            <a:off x="5364088" y="2070506"/>
+            <a:ext cx="3049570" cy="400110"/>
+          </a:xfrm>
+          <a:prstGeom prst="rect">
+            <a:avLst/>
+          </a:prstGeom>
+        </p:spPr>
+        <p:txBody>
+          <a:bodyPr wrap="square">
+            <a:spAutoFit/>
+          </a:bodyPr>
+          <a:lstStyle/>
+          <a:p>
+            <a:r>
+              <a:rPr lang="en-US" altLang="zh-CN" sz="2000" b="1" dirty="0">
+                <a:ln w="6350">
+                  <a:noFill/>
+                </a:ln>
+                <a:solidFill>
+                  <a:schemeClr val="bg1">
+                    <a:lumMod val="50000"/>
+                  </a:schemeClr>
+                </a:solidFill>
+                <a:latin typeface="微软雅黑" panose="020B0503020204020204" pitchFamily="34" charset="-122"/>
+                <a:ea typeface="微软雅黑" panose="020B0503020204020204" pitchFamily="34" charset="-122"/>
+              </a:rPr>
+              <a:t>JVM</a:t>
+            </a:r>
+            <a:r>
+              <a:rPr lang="zh-CN" altLang="en-US" sz="2000" b="1" dirty="0">
+                <a:ln w="6350">
+                  <a:noFill/>
+                </a:ln>
+                <a:solidFill>
+                  <a:schemeClr val="bg1">
+                    <a:lumMod val="50000"/>
+                  </a:schemeClr>
+                </a:solidFill>
+                <a:latin typeface="微软雅黑" panose="020B0503020204020204" pitchFamily="34" charset="-122"/>
+                <a:ea typeface="微软雅黑" panose="020B0503020204020204" pitchFamily="34" charset="-122"/>
+              </a:rPr>
+              <a:t>线程模型</a:t>
+            </a:r>
+            <a:endParaRPr lang="zh-CN" altLang="en-US" sz="2000" b="1" dirty="0">
+              <a:ln w="6350">
+                <a:noFill/>
+              </a:ln>
+              <a:solidFill>
+                <a:schemeClr val="tx1">
+                  <a:lumMod val="50000"/>
+                  <a:lumOff val="50000"/>
+                </a:schemeClr>
+              </a:solidFill>
+              <a:latin typeface="Impact" pitchFamily="34" charset="0"/>
+              <a:ea typeface="微软雅黑" pitchFamily="34" charset="-122"/>
+            </a:endParaRPr>
+          </a:p>
+        </p:txBody>
+      </p:sp>
+      <p:sp>
+        <p:nvSpPr>
+          <p:cNvPr id="41" name="矩形 40"/>
+          <p:cNvSpPr/>
+          <p:nvPr/>
+        </p:nvSpPr>
+        <p:spPr>
+          <a:xfrm>
+            <a:off x="4573570" y="1790523"/>
+            <a:ext cx="790518" cy="769441"/>
+          </a:xfrm>
+          <a:prstGeom prst="rect">
+            <a:avLst/>
+          </a:prstGeom>
+        </p:spPr>
+        <p:txBody>
+          <a:bodyPr wrap="square">
+            <a:spAutoFit/>
+          </a:bodyPr>
+          <a:lstStyle/>
+          <a:p>
+            <a:pPr algn="ctr"/>
+            <a:r>
+              <a:rPr lang="en-US" altLang="zh-CN" sz="4400" dirty="0">
+                <a:ln w="6350">
+                  <a:noFill/>
+                </a:ln>
+                <a:solidFill>
+                  <a:schemeClr val="bg1">
+                    <a:lumMod val="50000"/>
+                  </a:schemeClr>
+                </a:solidFill>
+                <a:latin typeface="Impact" pitchFamily="34" charset="0"/>
+                <a:ea typeface="微软雅黑" pitchFamily="34" charset="-122"/>
+              </a:rPr>
+              <a:t>04</a:t>
+            </a:r>
+            <a:endParaRPr lang="zh-CN" altLang="en-US" sz="4400" dirty="0">
+              <a:ln w="6350">
+                <a:noFill/>
+              </a:ln>
+              <a:solidFill>
+                <a:schemeClr val="bg1">
+                  <a:lumMod val="50000"/>
+                </a:schemeClr>
+              </a:solidFill>
+              <a:latin typeface="Impact" pitchFamily="34" charset="0"/>
+              <a:ea typeface="微软雅黑" pitchFamily="34" charset="-122"/>
+            </a:endParaRPr>
+          </a:p>
+        </p:txBody>
+      </p:sp>
+      <p:grpSp>
+        <p:nvGrpSpPr>
+          <p:cNvPr id="47" name="组合 46"/>
+          <p:cNvGrpSpPr/>
+          <p:nvPr/>
+        </p:nvGrpSpPr>
+        <p:grpSpPr>
+          <a:xfrm>
+            <a:off x="0" y="2517744"/>
+            <a:ext cx="9144000" cy="54006"/>
+            <a:chOff x="2190216" y="0"/>
+            <a:chExt cx="7128792" cy="108012"/>
+          </a:xfrm>
+        </p:grpSpPr>
+        <p:sp>
+          <p:nvSpPr>
+            <p:cNvPr id="50" name="矩形 49"/>
+            <p:cNvSpPr/>
+            <p:nvPr/>
+          </p:nvSpPr>
+          <p:spPr>
+            <a:xfrm>
+              <a:off x="2190216" y="0"/>
+              <a:ext cx="1188132" cy="108012"/>
+            </a:xfrm>
+            <a:prstGeom prst="rect">
+              <a:avLst/>
+            </a:prstGeom>
+            <a:solidFill>
+              <a:schemeClr val="accent1"/>
+            </a:solidFill>
+            <a:ln>
+              <a:noFill/>
+            </a:ln>
+          </p:spPr>
+          <p:style>
+            <a:lnRef idx="2">
+              <a:schemeClr val="accent1">
+                <a:shade val="50000"/>
+              </a:schemeClr>
+            </a:lnRef>
+            <a:fillRef idx="1">
+              <a:schemeClr val="accent1"/>
+            </a:fillRef>
+            <a:effectRef idx="0">
+              <a:schemeClr val="accent1"/>
+            </a:effectRef>
+            <a:fontRef idx="minor">
+              <a:schemeClr val="lt1"/>
+            </a:fontRef>
+          </p:style>
+          <p:txBody>
+            <a:bodyPr rtlCol="0" anchor="ctr"/>
+            <a:lstStyle/>
+            <a:p>
+              <a:pPr algn="ctr"/>
+              <a:endParaRPr lang="zh-CN" altLang="en-US"/>
+            </a:p>
+          </p:txBody>
+        </p:sp>
+        <p:sp>
+          <p:nvSpPr>
+            <p:cNvPr id="53" name="矩形 52"/>
+            <p:cNvSpPr/>
+            <p:nvPr/>
+          </p:nvSpPr>
+          <p:spPr>
+            <a:xfrm>
+              <a:off x="3378348" y="0"/>
+              <a:ext cx="1188132" cy="108012"/>
+            </a:xfrm>
+            <a:prstGeom prst="rect">
+              <a:avLst/>
+            </a:prstGeom>
+            <a:solidFill>
+              <a:schemeClr val="accent2"/>
+            </a:solidFill>
+            <a:ln>
+              <a:noFill/>
+            </a:ln>
+          </p:spPr>
+          <p:style>
+            <a:lnRef idx="2">
+              <a:schemeClr val="accent1">
+                <a:shade val="50000"/>
+              </a:schemeClr>
+            </a:lnRef>
+            <a:fillRef idx="1">
+              <a:schemeClr val="accent1"/>
+            </a:fillRef>
+            <a:effectRef idx="0">
+              <a:schemeClr val="accent1"/>
+            </a:effectRef>
+            <a:fontRef idx="minor">
+              <a:schemeClr val="lt1"/>
+            </a:fontRef>
+          </p:style>
+          <p:txBody>
+            <a:bodyPr rtlCol="0" anchor="ctr"/>
+            <a:lstStyle/>
+            <a:p>
+              <a:pPr algn="ctr"/>
+              <a:endParaRPr lang="zh-CN" altLang="en-US"/>
+            </a:p>
+          </p:txBody>
+        </p:sp>
+        <p:sp>
+          <p:nvSpPr>
+            <p:cNvPr id="56" name="矩形 55"/>
+            <p:cNvSpPr/>
+            <p:nvPr/>
+          </p:nvSpPr>
+          <p:spPr>
+            <a:xfrm>
+              <a:off x="4566480" y="0"/>
+              <a:ext cx="1188132" cy="108012"/>
+            </a:xfrm>
+            <a:prstGeom prst="rect">
+              <a:avLst/>
+            </a:prstGeom>
+            <a:solidFill>
+              <a:schemeClr val="accent3"/>
+            </a:solidFill>
+            <a:ln>
+              <a:noFill/>
+            </a:ln>
+          </p:spPr>
+          <p:style>
+            <a:lnRef idx="2">
+              <a:schemeClr val="accent1">
+                <a:shade val="50000"/>
+              </a:schemeClr>
+            </a:lnRef>
+            <a:fillRef idx="1">
+              <a:schemeClr val="accent1"/>
+            </a:fillRef>
+            <a:effectRef idx="0">
+              <a:schemeClr val="accent1"/>
+            </a:effectRef>
+            <a:fontRef idx="minor">
+              <a:schemeClr val="lt1"/>
+            </a:fontRef>
+          </p:style>
+          <p:txBody>
+            <a:bodyPr rtlCol="0" anchor="ctr"/>
+            <a:lstStyle/>
+            <a:p>
+              <a:pPr algn="ctr"/>
+              <a:endParaRPr lang="zh-CN" altLang="en-US"/>
+            </a:p>
+          </p:txBody>
+        </p:sp>
+        <p:sp>
+          <p:nvSpPr>
+            <p:cNvPr id="57" name="矩形 56"/>
+            <p:cNvSpPr/>
+            <p:nvPr/>
+          </p:nvSpPr>
+          <p:spPr>
+            <a:xfrm>
+              <a:off x="5754612" y="0"/>
+              <a:ext cx="1188132" cy="108012"/>
+            </a:xfrm>
+            <a:prstGeom prst="rect">
+              <a:avLst/>
+            </a:prstGeom>
+            <a:solidFill>
+              <a:schemeClr val="accent4"/>
+            </a:solidFill>
+            <a:ln>
+              <a:noFill/>
+            </a:ln>
+          </p:spPr>
+          <p:style>
+            <a:lnRef idx="2">
+              <a:schemeClr val="accent1">
+                <a:shade val="50000"/>
+              </a:schemeClr>
+            </a:lnRef>
+            <a:fillRef idx="1">
+              <a:schemeClr val="accent1"/>
+            </a:fillRef>
+            <a:effectRef idx="0">
+              <a:schemeClr val="accent1"/>
+            </a:effectRef>
+            <a:fontRef idx="minor">
+              <a:schemeClr val="lt1"/>
+            </a:fontRef>
+          </p:style>
+          <p:txBody>
+            <a:bodyPr rtlCol="0" anchor="ctr"/>
+            <a:lstStyle/>
+            <a:p>
+              <a:pPr algn="ctr"/>
+              <a:endParaRPr lang="zh-CN" altLang="en-US"/>
+            </a:p>
+          </p:txBody>
+        </p:sp>
+        <p:sp>
+          <p:nvSpPr>
+            <p:cNvPr id="58" name="矩形 57"/>
+            <p:cNvSpPr/>
+            <p:nvPr/>
+          </p:nvSpPr>
+          <p:spPr>
+            <a:xfrm>
+              <a:off x="6942744" y="0"/>
+              <a:ext cx="1188132" cy="108012"/>
+            </a:xfrm>
+            <a:prstGeom prst="rect">
+              <a:avLst/>
+            </a:prstGeom>
+            <a:solidFill>
+              <a:schemeClr val="accent5"/>
+            </a:solidFill>
+            <a:ln>
+              <a:noFill/>
+            </a:ln>
+          </p:spPr>
+          <p:style>
+            <a:lnRef idx="2">
+              <a:schemeClr val="accent1">
+                <a:shade val="50000"/>
+              </a:schemeClr>
+            </a:lnRef>
+            <a:fillRef idx="1">
+              <a:schemeClr val="accent1"/>
+            </a:fillRef>
+            <a:effectRef idx="0">
+              <a:schemeClr val="accent1"/>
+            </a:effectRef>
+            <a:fontRef idx="minor">
+              <a:schemeClr val="lt1"/>
+            </a:fontRef>
+          </p:style>
+          <p:txBody>
+            <a:bodyPr rtlCol="0" anchor="ctr"/>
+            <a:lstStyle/>
+            <a:p>
+              <a:pPr algn="ctr"/>
+              <a:endParaRPr lang="zh-CN" altLang="en-US"/>
+            </a:p>
+          </p:txBody>
+        </p:sp>
+        <p:sp>
+          <p:nvSpPr>
+            <p:cNvPr id="74" name="矩形 73"/>
+            <p:cNvSpPr/>
+            <p:nvPr/>
+          </p:nvSpPr>
+          <p:spPr>
+            <a:xfrm>
+              <a:off x="8130876" y="0"/>
+              <a:ext cx="1188132" cy="108012"/>
+            </a:xfrm>
+            <a:prstGeom prst="rect">
+              <a:avLst/>
+            </a:prstGeom>
+            <a:solidFill>
+              <a:schemeClr val="accent6"/>
+            </a:solidFill>
+            <a:ln>
+              <a:noFill/>
+            </a:ln>
+          </p:spPr>
+          <p:style>
+            <a:lnRef idx="2">
+              <a:schemeClr val="accent1">
+                <a:shade val="50000"/>
+              </a:schemeClr>
+            </a:lnRef>
+            <a:fillRef idx="1">
+              <a:schemeClr val="accent1"/>
+            </a:fillRef>
+            <a:effectRef idx="0">
+              <a:schemeClr val="accent1"/>
+            </a:effectRef>
+            <a:fontRef idx="minor">
+              <a:schemeClr val="lt1"/>
+            </a:fontRef>
+          </p:style>
+          <p:txBody>
+            <a:bodyPr rtlCol="0" anchor="ctr"/>
+            <a:lstStyle/>
+            <a:p>
+              <a:pPr algn="ctr"/>
+              <a:endParaRPr lang="zh-CN" altLang="en-US"/>
+            </a:p>
+          </p:txBody>
+        </p:sp>
+      </p:grpSp>
+      <p:sp>
+        <p:nvSpPr>
+          <p:cNvPr id="2" name="文本框 1"/>
+          <p:cNvSpPr txBox="1"/>
+          <p:nvPr/>
+        </p:nvSpPr>
+        <p:spPr>
+          <a:xfrm>
+            <a:off x="6096000" y="411510"/>
+            <a:ext cx="2580456" cy="369332"/>
+          </a:xfrm>
+          <a:prstGeom prst="rect">
+            <a:avLst/>
+          </a:prstGeom>
+          <a:noFill/>
+        </p:spPr>
+        <p:txBody>
+          <a:bodyPr wrap="square" rtlCol="0">
+            <a:spAutoFit/>
+          </a:bodyPr>
+          <a:lstStyle/>
+          <a:p>
+            <a:r>
+              <a:rPr lang="en-US" altLang="zh-CN" dirty="0">
+                <a:solidFill>
+                  <a:srgbClr val="F2F2F2"/>
+                </a:solidFill>
+              </a:rPr>
+              <a:t>https://www.ypppt.com/</a:t>
+            </a:r>
+            <a:endParaRPr lang="zh-CN" altLang="en-US" dirty="0">
+              <a:solidFill>
+                <a:srgbClr val="F2F2F2"/>
+              </a:solidFill>
+            </a:endParaRPr>
+          </a:p>
+        </p:txBody>
+      </p:sp>
+      <p:sp>
+        <p:nvSpPr>
+          <p:cNvPr id="12" name="矩形 11">
+            <a:extLst>
+              <a:ext uri="{FF2B5EF4-FFF2-40B4-BE49-F238E27FC236}">
+                <a16:creationId xmlns:a16="http://schemas.microsoft.com/office/drawing/2014/main" id="{338FC8EC-E642-443B-BF55-488DC7198925}"/>
+              </a:ext>
+            </a:extLst>
+          </p:cNvPr>
+          <p:cNvSpPr/>
+          <p:nvPr/>
+        </p:nvSpPr>
+        <p:spPr>
+          <a:xfrm>
+            <a:off x="4573570" y="2676794"/>
+            <a:ext cx="2281394" cy="988476"/>
+          </a:xfrm>
+          <a:prstGeom prst="rect">
+            <a:avLst/>
+          </a:prstGeom>
+        </p:spPr>
+        <p:txBody>
+          <a:bodyPr wrap="none">
+            <a:spAutoFit/>
+          </a:bodyPr>
+          <a:lstStyle/>
+          <a:p>
+            <a:pPr marL="171450" indent="-171450">
+              <a:lnSpc>
+                <a:spcPct val="150000"/>
+              </a:lnSpc>
+              <a:buFont typeface="Wingdings" pitchFamily="2" charset="2"/>
+              <a:buChar char="ü"/>
+            </a:pPr>
+            <a:r>
+              <a:rPr lang="zh-CN" altLang="en-US" sz="1000" dirty="0">
+                <a:ln w="6350">
+                  <a:noFill/>
+                </a:ln>
+                <a:solidFill>
+                  <a:schemeClr val="bg1">
+                    <a:lumMod val="50000"/>
+                  </a:schemeClr>
+                </a:solidFill>
+                <a:latin typeface="微软雅黑" panose="020B0503020204020204" pitchFamily="34" charset="-122"/>
+                <a:ea typeface="微软雅黑" panose="020B0503020204020204" pitchFamily="34" charset="-122"/>
+              </a:rPr>
+              <a:t>多线程与多核</a:t>
+            </a:r>
+            <a:endParaRPr lang="en-US" altLang="zh-CN" sz="1000" dirty="0">
+              <a:ln w="6350">
+                <a:noFill/>
+              </a:ln>
+              <a:solidFill>
+                <a:schemeClr val="bg1">
+                  <a:lumMod val="50000"/>
+                </a:schemeClr>
+              </a:solidFill>
+              <a:latin typeface="微软雅黑" panose="020B0503020204020204" pitchFamily="34" charset="-122"/>
+              <a:ea typeface="微软雅黑" panose="020B0503020204020204" pitchFamily="34" charset="-122"/>
+            </a:endParaRPr>
+          </a:p>
+          <a:p>
+            <a:pPr marL="171450" indent="-171450">
+              <a:lnSpc>
+                <a:spcPct val="150000"/>
+              </a:lnSpc>
+              <a:buFont typeface="Wingdings" pitchFamily="2" charset="2"/>
+              <a:buChar char="ü"/>
+            </a:pPr>
+            <a:r>
+              <a:rPr lang="zh-CN" altLang="en-US" sz="1000" dirty="0">
+                <a:ln w="6350">
+                  <a:noFill/>
+                </a:ln>
+                <a:solidFill>
+                  <a:schemeClr val="bg1">
+                    <a:lumMod val="50000"/>
+                  </a:schemeClr>
+                </a:solidFill>
+                <a:latin typeface="微软雅黑" panose="020B0503020204020204" pitchFamily="34" charset="-122"/>
+                <a:ea typeface="微软雅黑" panose="020B0503020204020204" pitchFamily="34" charset="-122"/>
+              </a:rPr>
+              <a:t>内核线程、轻量级进程、用户线程</a:t>
+            </a:r>
+            <a:endParaRPr lang="en-US" altLang="zh-CN" sz="1000" dirty="0">
+              <a:ln w="6350">
+                <a:noFill/>
+              </a:ln>
+              <a:solidFill>
+                <a:schemeClr val="bg1">
+                  <a:lumMod val="50000"/>
+                </a:schemeClr>
+              </a:solidFill>
+              <a:latin typeface="微软雅黑" panose="020B0503020204020204" pitchFamily="34" charset="-122"/>
+              <a:ea typeface="微软雅黑" panose="020B0503020204020204" pitchFamily="34" charset="-122"/>
+            </a:endParaRPr>
+          </a:p>
+          <a:p>
+            <a:pPr marL="171450" indent="-171450">
+              <a:lnSpc>
+                <a:spcPct val="150000"/>
+              </a:lnSpc>
+              <a:buFont typeface="Wingdings" pitchFamily="2" charset="2"/>
+              <a:buChar char="ü"/>
+            </a:pPr>
+            <a:r>
+              <a:rPr lang="zh-CN" altLang="en-US" sz="1000" dirty="0">
+                <a:ln w="6350">
+                  <a:noFill/>
+                </a:ln>
+                <a:solidFill>
+                  <a:schemeClr val="bg1">
+                    <a:lumMod val="50000"/>
+                  </a:schemeClr>
+                </a:solidFill>
+                <a:latin typeface="微软雅黑" panose="020B0503020204020204" pitchFamily="34" charset="-122"/>
+                <a:ea typeface="微软雅黑" panose="020B0503020204020204" pitchFamily="34" charset="-122"/>
+              </a:rPr>
+              <a:t>操作系统的线程模型</a:t>
+            </a:r>
+            <a:endParaRPr lang="en-US" altLang="zh-CN" sz="1000" dirty="0">
+              <a:ln w="6350">
+                <a:noFill/>
+              </a:ln>
+              <a:solidFill>
+                <a:schemeClr val="bg1">
+                  <a:lumMod val="50000"/>
+                </a:schemeClr>
+              </a:solidFill>
+              <a:latin typeface="微软雅黑" panose="020B0503020204020204" pitchFamily="34" charset="-122"/>
+              <a:ea typeface="微软雅黑" panose="020B0503020204020204" pitchFamily="34" charset="-122"/>
+            </a:endParaRPr>
+          </a:p>
+          <a:p>
+            <a:pPr marL="171450" indent="-171450">
+              <a:lnSpc>
+                <a:spcPct val="150000"/>
+              </a:lnSpc>
+              <a:buFont typeface="Wingdings" pitchFamily="2" charset="2"/>
+              <a:buChar char="ü"/>
+            </a:pPr>
+            <a:r>
+              <a:rPr lang="en-US" altLang="zh-CN" sz="1000" dirty="0">
+                <a:ln w="6350">
+                  <a:noFill/>
+                </a:ln>
+                <a:solidFill>
+                  <a:schemeClr val="bg1">
+                    <a:lumMod val="50000"/>
+                  </a:schemeClr>
+                </a:solidFill>
+                <a:latin typeface="微软雅黑" panose="020B0503020204020204" pitchFamily="34" charset="-122"/>
+                <a:ea typeface="微软雅黑" panose="020B0503020204020204" pitchFamily="34" charset="-122"/>
+              </a:rPr>
+              <a:t>JVM</a:t>
+            </a:r>
+            <a:r>
+              <a:rPr lang="zh-CN" altLang="en-US" sz="1000" dirty="0">
+                <a:ln w="6350">
+                  <a:noFill/>
+                </a:ln>
+                <a:solidFill>
+                  <a:schemeClr val="bg1">
+                    <a:lumMod val="50000"/>
+                  </a:schemeClr>
+                </a:solidFill>
+                <a:latin typeface="微软雅黑" panose="020B0503020204020204" pitchFamily="34" charset="-122"/>
+                <a:ea typeface="微软雅黑" panose="020B0503020204020204" pitchFamily="34" charset="-122"/>
+              </a:rPr>
+              <a:t>线程模型</a:t>
+            </a:r>
+            <a:endParaRPr lang="en-US" altLang="zh-CN" sz="1000" dirty="0">
+              <a:ln w="6350">
+                <a:noFill/>
+              </a:ln>
+              <a:solidFill>
+                <a:schemeClr val="bg1">
+                  <a:lumMod val="50000"/>
+                </a:schemeClr>
+              </a:solidFill>
+              <a:latin typeface="微软雅黑" panose="020B0503020204020204" pitchFamily="34" charset="-122"/>
+              <a:ea typeface="微软雅黑" panose="020B0503020204020204" pitchFamily="34" charset="-122"/>
+            </a:endParaRPr>
+          </a:p>
+        </p:txBody>
+      </p:sp>
+    </p:spTree>
+    <p:extLst>
+      <p:ext uri="{BB962C8B-B14F-4D97-AF65-F5344CB8AC3E}">
+        <p14:creationId xmlns:p14="http://schemas.microsoft.com/office/powerpoint/2010/main" val="4215033750"/>
+      </p:ext>
+    </p:extLst>
+  </p:cSld>
+  <p:clrMapOvr>
+    <a:masterClrMapping/>
+  </p:clrMapOvr>
+</p:sld>
+</file>
+
+<file path=ppt/slides/slide26.xml><?xml version="1.0" encoding="utf-8"?>
+<p:sld xmlns:a="http://schemas.openxmlformats.org/drawingml/2006/main" xmlns:r="http://schemas.openxmlformats.org/officeDocument/2006/relationships" xmlns:p="http://schemas.openxmlformats.org/presentationml/2006/main">
+  <p:cSld>
+    <p:spTree>
+      <p:nvGrpSpPr>
+        <p:cNvPr id="1" name=""/>
+        <p:cNvGrpSpPr/>
+        <p:nvPr/>
+      </p:nvGrpSpPr>
+      <p:grpSpPr>
+        <a:xfrm>
+          <a:off x="0" y="0"/>
+          <a:ext cx="0" cy="0"/>
+          <a:chOff x="0" y="0"/>
+          <a:chExt cx="0" cy="0"/>
+        </a:xfrm>
+      </p:grpSpPr>
+      <p:sp>
+        <p:nvSpPr>
+          <p:cNvPr id="47" name="Rectangle 39"/>
+          <p:cNvSpPr>
+            <a:spLocks noChangeArrowheads="1"/>
+          </p:cNvSpPr>
+          <p:nvPr/>
+        </p:nvSpPr>
+        <p:spPr bwMode="auto">
+          <a:xfrm>
+            <a:off x="416159" y="278281"/>
+            <a:ext cx="4011825" cy="307777"/>
+          </a:xfrm>
+          <a:prstGeom prst="rect">
+            <a:avLst/>
+          </a:prstGeom>
+          <a:noFill/>
+          <a:ln>
+            <a:noFill/>
+          </a:ln>
+          <a:extLst>
+            <a:ext uri="{909E8E84-426E-40DD-AFC4-6F175D3DCCD1}">
+              <a14:hiddenFill xmlns:a14="http://schemas.microsoft.com/office/drawing/2010/main">
+                <a:solidFill>
+                  <a:srgbClr val="FFFFFF"/>
+                </a:solidFill>
+              </a14:hiddenFill>
+            </a:ext>
+            <a:ext uri="{91240B29-F687-4F45-9708-019B960494DF}">
+              <a14:hiddenLine xmlns:a14="http://schemas.microsoft.com/office/drawing/2010/main" w="9525">
+                <a:solidFill>
+                  <a:srgbClr val="000000"/>
+                </a:solidFill>
+                <a:miter lim="800000"/>
+                <a:headEnd/>
+                <a:tailEnd/>
+              </a14:hiddenLine>
+            </a:ext>
+          </a:extLst>
+        </p:spPr>
+        <p:txBody>
+          <a:bodyPr wrap="square" lIns="0" tIns="0" rIns="0" bIns="0">
+            <a:spAutoFit/>
+          </a:bodyPr>
+          <a:lstStyle/>
+          <a:p>
+            <a:pPr>
+              <a:buFont typeface="Arial" pitchFamily="34" charset="0"/>
+              <a:buNone/>
+            </a:pPr>
+            <a:r>
+              <a:rPr lang="en-US" altLang="zh-CN" sz="2000" dirty="0">
+                <a:solidFill>
+                  <a:schemeClr val="accent1"/>
+                </a:solidFill>
+                <a:latin typeface="微软雅黑" pitchFamily="34" charset="-122"/>
+                <a:ea typeface="微软雅黑" pitchFamily="34" charset="-122"/>
+              </a:rPr>
+              <a:t>JVM</a:t>
+            </a:r>
+            <a:r>
+              <a:rPr lang="zh-CN" altLang="en-US" sz="2000" dirty="0">
+                <a:solidFill>
+                  <a:schemeClr val="accent1"/>
+                </a:solidFill>
+                <a:latin typeface="微软雅黑" pitchFamily="34" charset="-122"/>
+                <a:ea typeface="微软雅黑" pitchFamily="34" charset="-122"/>
+              </a:rPr>
+              <a:t>线程模型</a:t>
+            </a:r>
+          </a:p>
+        </p:txBody>
+      </p:sp>
+      <p:grpSp>
+        <p:nvGrpSpPr>
+          <p:cNvPr id="48" name="组合 47"/>
+          <p:cNvGrpSpPr/>
+          <p:nvPr/>
+        </p:nvGrpSpPr>
+        <p:grpSpPr>
+          <a:xfrm>
+            <a:off x="416158" y="699542"/>
+            <a:ext cx="899592" cy="56017"/>
+            <a:chOff x="0" y="2842590"/>
+            <a:chExt cx="7054752" cy="89199"/>
+          </a:xfrm>
+        </p:grpSpPr>
+        <p:sp>
+          <p:nvSpPr>
+            <p:cNvPr id="49" name="矩形 48"/>
+            <p:cNvSpPr/>
+            <p:nvPr/>
+          </p:nvSpPr>
+          <p:spPr>
+            <a:xfrm>
+              <a:off x="0" y="2842590"/>
+              <a:ext cx="1763688" cy="89199"/>
+            </a:xfrm>
+            <a:prstGeom prst="rect">
+              <a:avLst/>
+            </a:prstGeom>
+            <a:solidFill>
+              <a:schemeClr val="accent1"/>
+            </a:solidFill>
+            <a:ln>
+              <a:noFill/>
+            </a:ln>
+          </p:spPr>
+          <p:style>
+            <a:lnRef idx="2">
+              <a:schemeClr val="accent1">
+                <a:shade val="50000"/>
+              </a:schemeClr>
+            </a:lnRef>
+            <a:fillRef idx="1">
+              <a:schemeClr val="accent1"/>
+            </a:fillRef>
+            <a:effectRef idx="0">
+              <a:schemeClr val="accent1"/>
+            </a:effectRef>
+            <a:fontRef idx="minor">
+              <a:schemeClr val="lt1"/>
+            </a:fontRef>
+          </p:style>
+          <p:txBody>
+            <a:bodyPr rtlCol="0" anchor="ctr"/>
+            <a:lstStyle/>
+            <a:p>
+              <a:pPr algn="ctr"/>
+              <a:endParaRPr lang="zh-CN" altLang="en-US"/>
+            </a:p>
+          </p:txBody>
+        </p:sp>
+        <p:sp>
+          <p:nvSpPr>
+            <p:cNvPr id="50" name="矩形 49"/>
+            <p:cNvSpPr/>
+            <p:nvPr/>
+          </p:nvSpPr>
+          <p:spPr>
+            <a:xfrm>
+              <a:off x="1763688" y="2842590"/>
+              <a:ext cx="1763688" cy="89199"/>
+            </a:xfrm>
+            <a:prstGeom prst="rect">
+              <a:avLst/>
+            </a:prstGeom>
+            <a:solidFill>
+              <a:schemeClr val="accent2"/>
+            </a:solidFill>
+            <a:ln>
+              <a:noFill/>
+            </a:ln>
+          </p:spPr>
+          <p:style>
+            <a:lnRef idx="2">
+              <a:schemeClr val="accent1">
+                <a:shade val="50000"/>
+              </a:schemeClr>
+            </a:lnRef>
+            <a:fillRef idx="1">
+              <a:schemeClr val="accent1"/>
+            </a:fillRef>
+            <a:effectRef idx="0">
+              <a:schemeClr val="accent1"/>
+            </a:effectRef>
+            <a:fontRef idx="minor">
+              <a:schemeClr val="lt1"/>
+            </a:fontRef>
+          </p:style>
+          <p:txBody>
+            <a:bodyPr rtlCol="0" anchor="ctr"/>
+            <a:lstStyle/>
+            <a:p>
+              <a:pPr algn="ctr"/>
+              <a:endParaRPr lang="zh-CN" altLang="en-US"/>
+            </a:p>
+          </p:txBody>
+        </p:sp>
+        <p:sp>
+          <p:nvSpPr>
+            <p:cNvPr id="51" name="矩形 50"/>
+            <p:cNvSpPr/>
+            <p:nvPr/>
+          </p:nvSpPr>
+          <p:spPr>
+            <a:xfrm>
+              <a:off x="3527376" y="2842590"/>
+              <a:ext cx="1763688" cy="89199"/>
+            </a:xfrm>
+            <a:prstGeom prst="rect">
+              <a:avLst/>
+            </a:prstGeom>
+            <a:solidFill>
+              <a:schemeClr val="accent3"/>
+            </a:solidFill>
+            <a:ln>
+              <a:noFill/>
+            </a:ln>
+          </p:spPr>
+          <p:style>
+            <a:lnRef idx="2">
+              <a:schemeClr val="accent1">
+                <a:shade val="50000"/>
+              </a:schemeClr>
+            </a:lnRef>
+            <a:fillRef idx="1">
+              <a:schemeClr val="accent1"/>
+            </a:fillRef>
+            <a:effectRef idx="0">
+              <a:schemeClr val="accent1"/>
+            </a:effectRef>
+            <a:fontRef idx="minor">
+              <a:schemeClr val="lt1"/>
+            </a:fontRef>
+          </p:style>
+          <p:txBody>
+            <a:bodyPr rtlCol="0" anchor="ctr"/>
+            <a:lstStyle/>
+            <a:p>
+              <a:pPr algn="ctr"/>
+              <a:endParaRPr lang="zh-CN" altLang="en-US"/>
+            </a:p>
+          </p:txBody>
+        </p:sp>
+        <p:sp>
+          <p:nvSpPr>
+            <p:cNvPr id="52" name="矩形 51"/>
+            <p:cNvSpPr/>
+            <p:nvPr/>
+          </p:nvSpPr>
+          <p:spPr>
+            <a:xfrm>
+              <a:off x="5291064" y="2842590"/>
+              <a:ext cx="1763688" cy="89199"/>
+            </a:xfrm>
+            <a:prstGeom prst="rect">
+              <a:avLst/>
+            </a:prstGeom>
+            <a:solidFill>
+              <a:schemeClr val="accent4"/>
+            </a:solidFill>
+            <a:ln>
+              <a:noFill/>
+            </a:ln>
+          </p:spPr>
+          <p:style>
+            <a:lnRef idx="2">
+              <a:schemeClr val="accent1">
+                <a:shade val="50000"/>
+              </a:schemeClr>
+            </a:lnRef>
+            <a:fillRef idx="1">
+              <a:schemeClr val="accent1"/>
+            </a:fillRef>
+            <a:effectRef idx="0">
+              <a:schemeClr val="accent1"/>
+            </a:effectRef>
+            <a:fontRef idx="minor">
+              <a:schemeClr val="lt1"/>
+            </a:fontRef>
+          </p:style>
+          <p:txBody>
+            <a:bodyPr rtlCol="0" anchor="ctr"/>
+            <a:lstStyle/>
+            <a:p>
+              <a:pPr algn="ctr"/>
+              <a:endParaRPr lang="zh-CN" altLang="en-US"/>
+            </a:p>
+          </p:txBody>
+        </p:sp>
+      </p:grpSp>
+      <p:sp>
+        <p:nvSpPr>
+          <p:cNvPr id="11" name="矩形 10">
+            <a:extLst>
+              <a:ext uri="{FF2B5EF4-FFF2-40B4-BE49-F238E27FC236}">
+                <a16:creationId xmlns:a16="http://schemas.microsoft.com/office/drawing/2014/main" id="{5E07C53B-684F-4441-9D9B-7D6EC2B9ECF2}"/>
+              </a:ext>
+            </a:extLst>
+          </p:cNvPr>
+          <p:cNvSpPr/>
+          <p:nvPr/>
+        </p:nvSpPr>
+        <p:spPr>
+          <a:xfrm>
+            <a:off x="388910" y="1203598"/>
+            <a:ext cx="1210588" cy="338554"/>
+          </a:xfrm>
+          <a:prstGeom prst="rect">
+            <a:avLst/>
+          </a:prstGeom>
+        </p:spPr>
+        <p:style>
+          <a:lnRef idx="2">
+            <a:schemeClr val="accent1"/>
+          </a:lnRef>
+          <a:fillRef idx="1">
+            <a:schemeClr val="lt1"/>
+          </a:fillRef>
+          <a:effectRef idx="0">
+            <a:schemeClr val="accent1"/>
+          </a:effectRef>
+          <a:fontRef idx="minor">
+            <a:schemeClr val="dk1"/>
+          </a:fontRef>
+        </p:style>
+        <p:txBody>
+          <a:bodyPr wrap="none">
+            <a:spAutoFit/>
+          </a:bodyPr>
+          <a:lstStyle/>
+          <a:p>
+            <a:r>
+              <a:rPr lang="en-US" altLang="zh-CN" sz="1600" dirty="0">
+                <a:ln w="6350">
+                  <a:noFill/>
+                </a:ln>
+                <a:solidFill>
+                  <a:schemeClr val="bg1">
+                    <a:lumMod val="50000"/>
+                  </a:schemeClr>
+                </a:solidFill>
+                <a:latin typeface="微软雅黑" panose="020B0503020204020204" pitchFamily="34" charset="-122"/>
+                <a:ea typeface="微软雅黑" panose="020B0503020204020204" pitchFamily="34" charset="-122"/>
+              </a:rPr>
+              <a:t>Jdk1.2</a:t>
+            </a:r>
+            <a:r>
+              <a:rPr lang="zh-CN" altLang="en-US" sz="1600" dirty="0">
+                <a:ln w="6350">
+                  <a:noFill/>
+                </a:ln>
+                <a:solidFill>
+                  <a:schemeClr val="bg1">
+                    <a:lumMod val="50000"/>
+                  </a:schemeClr>
+                </a:solidFill>
+                <a:latin typeface="微软雅黑" panose="020B0503020204020204" pitchFamily="34" charset="-122"/>
+                <a:ea typeface="微软雅黑" panose="020B0503020204020204" pitchFamily="34" charset="-122"/>
+              </a:rPr>
+              <a:t>之前</a:t>
+            </a:r>
+          </a:p>
+        </p:txBody>
+      </p:sp>
+      <p:sp>
+        <p:nvSpPr>
+          <p:cNvPr id="13" name="矩形 12">
+            <a:extLst>
+              <a:ext uri="{FF2B5EF4-FFF2-40B4-BE49-F238E27FC236}">
+                <a16:creationId xmlns:a16="http://schemas.microsoft.com/office/drawing/2014/main" id="{0F392990-94BA-46F1-99D0-D18906008756}"/>
+              </a:ext>
+            </a:extLst>
+          </p:cNvPr>
+          <p:cNvSpPr/>
+          <p:nvPr/>
+        </p:nvSpPr>
+        <p:spPr>
+          <a:xfrm>
+            <a:off x="388910" y="3075806"/>
+            <a:ext cx="1415772" cy="338554"/>
+          </a:xfrm>
+          <a:prstGeom prst="rect">
+            <a:avLst/>
+          </a:prstGeom>
+        </p:spPr>
+        <p:style>
+          <a:lnRef idx="2">
+            <a:schemeClr val="accent1"/>
+          </a:lnRef>
+          <a:fillRef idx="1">
+            <a:schemeClr val="lt1"/>
+          </a:fillRef>
+          <a:effectRef idx="0">
+            <a:schemeClr val="accent1"/>
+          </a:effectRef>
+          <a:fontRef idx="minor">
+            <a:schemeClr val="dk1"/>
+          </a:fontRef>
+        </p:style>
+        <p:txBody>
+          <a:bodyPr wrap="none">
+            <a:spAutoFit/>
+          </a:bodyPr>
+          <a:lstStyle/>
+          <a:p>
+            <a:r>
+              <a:rPr lang="en-US" altLang="zh-CN" sz="1600" dirty="0">
+                <a:ln w="6350">
+                  <a:noFill/>
+                </a:ln>
+                <a:solidFill>
+                  <a:schemeClr val="bg1">
+                    <a:lumMod val="50000"/>
+                  </a:schemeClr>
+                </a:solidFill>
+                <a:latin typeface="微软雅黑" panose="020B0503020204020204" pitchFamily="34" charset="-122"/>
+                <a:ea typeface="微软雅黑" panose="020B0503020204020204" pitchFamily="34" charset="-122"/>
+              </a:rPr>
+              <a:t>Jdk1.2</a:t>
+            </a:r>
+            <a:r>
+              <a:rPr lang="zh-CN" altLang="en-US" sz="1600" dirty="0">
+                <a:ln w="6350">
+                  <a:noFill/>
+                </a:ln>
+                <a:solidFill>
+                  <a:schemeClr val="bg1">
+                    <a:lumMod val="50000"/>
+                  </a:schemeClr>
+                </a:solidFill>
+                <a:latin typeface="微软雅黑" panose="020B0503020204020204" pitchFamily="34" charset="-122"/>
+                <a:ea typeface="微软雅黑" panose="020B0503020204020204" pitchFamily="34" charset="-122"/>
+              </a:rPr>
+              <a:t>及以后</a:t>
+            </a:r>
+          </a:p>
+        </p:txBody>
+      </p:sp>
+      <p:sp>
+        <p:nvSpPr>
+          <p:cNvPr id="14" name="矩形 13">
+            <a:extLst>
+              <a:ext uri="{FF2B5EF4-FFF2-40B4-BE49-F238E27FC236}">
+                <a16:creationId xmlns:a16="http://schemas.microsoft.com/office/drawing/2014/main" id="{D0C169E7-3389-4635-9F7B-4D1DCE708524}"/>
+              </a:ext>
+            </a:extLst>
+          </p:cNvPr>
+          <p:cNvSpPr/>
+          <p:nvPr/>
+        </p:nvSpPr>
+        <p:spPr>
+          <a:xfrm>
+            <a:off x="659461" y="1863525"/>
+            <a:ext cx="7537046" cy="910890"/>
+          </a:xfrm>
+          <a:prstGeom prst="rect">
+            <a:avLst/>
+          </a:prstGeom>
+        </p:spPr>
+        <p:txBody>
+          <a:bodyPr wrap="square">
+            <a:spAutoFit/>
+          </a:bodyPr>
+          <a:lstStyle/>
+          <a:p>
+            <a:pPr>
+              <a:lnSpc>
+                <a:spcPts val="2200"/>
+              </a:lnSpc>
+            </a:pPr>
+            <a:r>
+              <a:rPr lang="en-US" altLang="zh-CN" sz="1400" dirty="0">
+                <a:ln w="6350">
+                  <a:noFill/>
+                </a:ln>
+                <a:solidFill>
+                  <a:schemeClr val="bg1">
+                    <a:lumMod val="50000"/>
+                  </a:schemeClr>
+                </a:solidFill>
+                <a:latin typeface="微软雅黑" panose="020B0503020204020204" pitchFamily="34" charset="-122"/>
+                <a:ea typeface="微软雅黑" panose="020B0503020204020204" pitchFamily="34" charset="-122"/>
+              </a:rPr>
+              <a:t>JVM</a:t>
+            </a:r>
+            <a:r>
+              <a:rPr lang="zh-CN" altLang="en-US" sz="1400" dirty="0">
+                <a:ln w="6350">
+                  <a:noFill/>
+                </a:ln>
+                <a:solidFill>
+                  <a:schemeClr val="bg1">
+                    <a:lumMod val="50000"/>
+                  </a:schemeClr>
+                </a:solidFill>
+                <a:latin typeface="微软雅黑" panose="020B0503020204020204" pitchFamily="34" charset="-122"/>
+                <a:ea typeface="微软雅黑" panose="020B0503020204020204" pitchFamily="34" charset="-122"/>
+              </a:rPr>
+              <a:t>使用一种叫 “绿色线程” 的用户线程实现</a:t>
+            </a:r>
+            <a:r>
+              <a:rPr lang="en-US" altLang="zh-CN" sz="1400" dirty="0">
+                <a:ln w="6350">
+                  <a:noFill/>
+                </a:ln>
+                <a:solidFill>
+                  <a:schemeClr val="bg1">
+                    <a:lumMod val="50000"/>
+                  </a:schemeClr>
+                </a:solidFill>
+                <a:latin typeface="微软雅黑" panose="020B0503020204020204" pitchFamily="34" charset="-122"/>
+                <a:ea typeface="微软雅黑" panose="020B0503020204020204" pitchFamily="34" charset="-122"/>
+              </a:rPr>
+              <a:t>JVM</a:t>
+            </a:r>
+            <a:r>
+              <a:rPr lang="zh-CN" altLang="en-US" sz="1400" dirty="0">
+                <a:ln w="6350">
+                  <a:noFill/>
+                </a:ln>
+                <a:solidFill>
+                  <a:schemeClr val="bg1">
+                    <a:lumMod val="50000"/>
+                  </a:schemeClr>
+                </a:solidFill>
+                <a:latin typeface="微软雅黑" panose="020B0503020204020204" pitchFamily="34" charset="-122"/>
+                <a:ea typeface="微软雅黑" panose="020B0503020204020204" pitchFamily="34" charset="-122"/>
+              </a:rPr>
+              <a:t>线程。</a:t>
+            </a:r>
+            <a:r>
+              <a:rPr lang="zh-CN" altLang="en-US" sz="1400" dirty="0">
+                <a:ln w="6350">
+                  <a:noFill/>
+                </a:ln>
+                <a:solidFill>
+                  <a:schemeClr val="accent4"/>
+                </a:solidFill>
+                <a:latin typeface="微软雅黑" panose="020B0503020204020204" pitchFamily="34" charset="-122"/>
+                <a:ea typeface="微软雅黑" panose="020B0503020204020204" pitchFamily="34" charset="-122"/>
+              </a:rPr>
+              <a:t>绿色线程是指由虚拟机调度，而不是本地的操作系统调度的线程</a:t>
+            </a:r>
+            <a:r>
+              <a:rPr lang="zh-CN" altLang="en-US" sz="1400" dirty="0">
+                <a:ln w="6350">
+                  <a:noFill/>
+                </a:ln>
+                <a:solidFill>
+                  <a:schemeClr val="bg1">
+                    <a:lumMod val="50000"/>
+                  </a:schemeClr>
+                </a:solidFill>
+                <a:latin typeface="微软雅黑" panose="020B0503020204020204" pitchFamily="34" charset="-122"/>
+                <a:ea typeface="微软雅黑" panose="020B0503020204020204" pitchFamily="34" charset="-122"/>
+              </a:rPr>
+              <a:t>，对应</a:t>
+            </a:r>
+            <a:r>
+              <a:rPr lang="zh-CN" altLang="en-US" sz="1400" dirty="0">
+                <a:ln w="6350">
+                  <a:noFill/>
+                </a:ln>
+                <a:solidFill>
+                  <a:schemeClr val="accent6"/>
+                </a:solidFill>
+                <a:latin typeface="微软雅黑" panose="020B0503020204020204" pitchFamily="34" charset="-122"/>
+                <a:ea typeface="微软雅黑" panose="020B0503020204020204" pitchFamily="34" charset="-122"/>
+              </a:rPr>
+              <a:t>多对一</a:t>
+            </a:r>
+            <a:r>
+              <a:rPr lang="zh-CN" altLang="en-US" sz="1400" dirty="0">
+                <a:ln w="6350">
+                  <a:noFill/>
+                </a:ln>
+                <a:solidFill>
+                  <a:schemeClr val="bg1">
+                    <a:lumMod val="50000"/>
+                  </a:schemeClr>
+                </a:solidFill>
+                <a:latin typeface="微软雅黑" panose="020B0503020204020204" pitchFamily="34" charset="-122"/>
+                <a:ea typeface="微软雅黑" panose="020B0503020204020204" pitchFamily="34" charset="-122"/>
+              </a:rPr>
+              <a:t>模型，它可以在本来不支持多线程的操作系统上实现多线程。</a:t>
+            </a:r>
+          </a:p>
+        </p:txBody>
+      </p:sp>
+      <p:sp>
+        <p:nvSpPr>
+          <p:cNvPr id="15" name="矩形 14">
+            <a:extLst>
+              <a:ext uri="{FF2B5EF4-FFF2-40B4-BE49-F238E27FC236}">
+                <a16:creationId xmlns:a16="http://schemas.microsoft.com/office/drawing/2014/main" id="{B26A29B9-8F84-4AE8-8F1A-CE141FC356F7}"/>
+              </a:ext>
+            </a:extLst>
+          </p:cNvPr>
+          <p:cNvSpPr/>
+          <p:nvPr/>
+        </p:nvSpPr>
+        <p:spPr>
+          <a:xfrm>
+            <a:off x="659461" y="3800843"/>
+            <a:ext cx="7537046" cy="910890"/>
+          </a:xfrm>
+          <a:prstGeom prst="rect">
+            <a:avLst/>
+          </a:prstGeom>
+        </p:spPr>
+        <p:txBody>
+          <a:bodyPr wrap="square">
+            <a:spAutoFit/>
+          </a:bodyPr>
+          <a:lstStyle/>
+          <a:p>
+            <a:pPr>
+              <a:lnSpc>
+                <a:spcPts val="2200"/>
+              </a:lnSpc>
+            </a:pPr>
+            <a:r>
+              <a:rPr lang="en-US" altLang="zh-CN" sz="1400" dirty="0">
+                <a:ln w="6350">
+                  <a:noFill/>
+                </a:ln>
+                <a:solidFill>
+                  <a:schemeClr val="bg1">
+                    <a:lumMod val="50000"/>
+                  </a:schemeClr>
+                </a:solidFill>
+                <a:latin typeface="微软雅黑" panose="020B0503020204020204" pitchFamily="34" charset="-122"/>
+                <a:ea typeface="微软雅黑" panose="020B0503020204020204" pitchFamily="34" charset="-122"/>
+              </a:rPr>
+              <a:t>JVM</a:t>
+            </a:r>
+            <a:r>
+              <a:rPr lang="zh-CN" altLang="en-US" sz="1400" dirty="0">
+                <a:ln w="6350">
+                  <a:noFill/>
+                </a:ln>
+                <a:solidFill>
+                  <a:schemeClr val="bg1">
+                    <a:lumMod val="50000"/>
+                  </a:schemeClr>
+                </a:solidFill>
+                <a:latin typeface="微软雅黑" panose="020B0503020204020204" pitchFamily="34" charset="-122"/>
+                <a:ea typeface="微软雅黑" panose="020B0503020204020204" pitchFamily="34" charset="-122"/>
+              </a:rPr>
+              <a:t>采用内核线程来实现 </a:t>
+            </a:r>
+            <a:r>
+              <a:rPr lang="en-US" altLang="zh-CN" sz="1400" dirty="0">
+                <a:ln w="6350">
+                  <a:noFill/>
+                </a:ln>
+                <a:solidFill>
+                  <a:schemeClr val="bg1">
+                    <a:lumMod val="50000"/>
+                  </a:schemeClr>
+                </a:solidFill>
+                <a:latin typeface="微软雅黑" panose="020B0503020204020204" pitchFamily="34" charset="-122"/>
+                <a:ea typeface="微软雅黑" panose="020B0503020204020204" pitchFamily="34" charset="-122"/>
+              </a:rPr>
+              <a:t>Java </a:t>
+            </a:r>
+            <a:r>
+              <a:rPr lang="zh-CN" altLang="en-US" sz="1400" dirty="0">
+                <a:ln w="6350">
+                  <a:noFill/>
+                </a:ln>
+                <a:solidFill>
+                  <a:schemeClr val="bg1">
+                    <a:lumMod val="50000"/>
+                  </a:schemeClr>
+                </a:solidFill>
+                <a:latin typeface="微软雅黑" panose="020B0503020204020204" pitchFamily="34" charset="-122"/>
+                <a:ea typeface="微软雅黑" panose="020B0503020204020204" pitchFamily="34" charset="-122"/>
+              </a:rPr>
+              <a:t>线程。内核线程是操作系统内核直接支持的线程，它由内核的线程调度器对内核线程进行控制和分配，程序一般不直接使用内核线程，而是使用它的高级接口：</a:t>
+            </a:r>
+            <a:r>
+              <a:rPr lang="zh-CN" altLang="en-US" sz="1400" dirty="0">
+                <a:ln w="6350">
+                  <a:noFill/>
+                </a:ln>
+                <a:solidFill>
+                  <a:schemeClr val="accent4"/>
+                </a:solidFill>
+                <a:latin typeface="微软雅黑" panose="020B0503020204020204" pitchFamily="34" charset="-122"/>
+                <a:ea typeface="微软雅黑" panose="020B0503020204020204" pitchFamily="34" charset="-122"/>
+              </a:rPr>
+              <a:t>轻量级线程</a:t>
+            </a:r>
+            <a:r>
+              <a:rPr lang="zh-CN" altLang="en-US" sz="1400" dirty="0">
+                <a:ln w="6350">
+                  <a:noFill/>
+                </a:ln>
+                <a:solidFill>
+                  <a:schemeClr val="bg1">
+                    <a:lumMod val="50000"/>
+                  </a:schemeClr>
+                </a:solidFill>
+                <a:latin typeface="微软雅黑" panose="020B0503020204020204" pitchFamily="34" charset="-122"/>
+                <a:ea typeface="微软雅黑" panose="020B0503020204020204" pitchFamily="34" charset="-122"/>
+              </a:rPr>
+              <a:t>。每个轻量级线程都由一个内核线程与其对应，</a:t>
+            </a:r>
+            <a:r>
+              <a:rPr lang="zh-CN" altLang="en-US" sz="1400" dirty="0">
+                <a:ln w="6350">
+                  <a:noFill/>
+                </a:ln>
+                <a:solidFill>
+                  <a:schemeClr val="accent4"/>
+                </a:solidFill>
+                <a:latin typeface="微软雅黑" panose="020B0503020204020204" pitchFamily="34" charset="-122"/>
+                <a:ea typeface="微软雅黑" panose="020B0503020204020204" pitchFamily="34" charset="-122"/>
+              </a:rPr>
+              <a:t>所以也叫做 </a:t>
+            </a:r>
+            <a:r>
+              <a:rPr lang="en-US" altLang="zh-CN" sz="1400" dirty="0">
+                <a:ln w="6350">
+                  <a:noFill/>
+                </a:ln>
+                <a:solidFill>
+                  <a:schemeClr val="accent4"/>
+                </a:solidFill>
+                <a:latin typeface="微软雅黑" panose="020B0503020204020204" pitchFamily="34" charset="-122"/>
+                <a:ea typeface="微软雅黑" panose="020B0503020204020204" pitchFamily="34" charset="-122"/>
+              </a:rPr>
+              <a:t>1:1 </a:t>
+            </a:r>
+            <a:r>
+              <a:rPr lang="zh-CN" altLang="en-US" sz="1400" dirty="0">
+                <a:ln w="6350">
+                  <a:noFill/>
+                </a:ln>
+                <a:solidFill>
+                  <a:schemeClr val="accent4"/>
+                </a:solidFill>
+                <a:latin typeface="微软雅黑" panose="020B0503020204020204" pitchFamily="34" charset="-122"/>
+                <a:ea typeface="微软雅黑" panose="020B0503020204020204" pitchFamily="34" charset="-122"/>
+              </a:rPr>
+              <a:t>的线程模型</a:t>
+            </a:r>
+            <a:r>
+              <a:rPr lang="zh-CN" altLang="en-US" sz="1400" dirty="0">
+                <a:ln w="6350">
+                  <a:noFill/>
+                </a:ln>
+                <a:solidFill>
+                  <a:schemeClr val="bg1">
+                    <a:lumMod val="50000"/>
+                  </a:schemeClr>
+                </a:solidFill>
+                <a:latin typeface="微软雅黑" panose="020B0503020204020204" pitchFamily="34" charset="-122"/>
+                <a:ea typeface="微软雅黑" panose="020B0503020204020204" pitchFamily="34" charset="-122"/>
+              </a:rPr>
+              <a:t>。</a:t>
+            </a:r>
+          </a:p>
+        </p:txBody>
+      </p:sp>
+    </p:spTree>
+    <p:extLst>
+      <p:ext uri="{BB962C8B-B14F-4D97-AF65-F5344CB8AC3E}">
+        <p14:creationId xmlns:p14="http://schemas.microsoft.com/office/powerpoint/2010/main" val="2284497857"/>
+      </p:ext>
+    </p:extLst>
+  </p:cSld>
+  <p:clrMapOvr>
+    <a:masterClrMapping/>
+  </p:clrMapOvr>
+  <p:timing>
+    <p:tnLst>
+      <p:par>
+        <p:cTn id="1" dur="indefinite" restart="never" nodeType="tmRoot">
+          <p:childTnLst>
+            <p:seq concurrent="1" nextAc="seek">
+              <p:cTn id="2" dur="indefinite" nodeType="mainSeq">
+                <p:childTnLst>
+                  <p:par>
+                    <p:cTn id="3" fill="hold">
+                      <p:stCondLst>
+                        <p:cond delay="indefinite"/>
+                      </p:stCondLst>
+                      <p:childTnLst>
+                        <p:par>
+                          <p:cTn id="4" fill="hold">
+                            <p:stCondLst>
+                              <p:cond delay="0"/>
+                            </p:stCondLst>
+                            <p:childTnLst>
+                              <p:par>
+                                <p:cTn id="5" presetID="1" presetClass="entr" presetSubtype="0" fill="hold" grpId="0" nodeType="clickEffect">
+                                  <p:stCondLst>
+                                    <p:cond delay="0"/>
+                                  </p:stCondLst>
+                                  <p:childTnLst>
+                                    <p:set>
+                                      <p:cBhvr>
+                                        <p:cTn id="6" dur="1" fill="hold">
+                                          <p:stCondLst>
+                                            <p:cond delay="0"/>
+                                          </p:stCondLst>
+                                        </p:cTn>
+                                        <p:tgtEl>
+                                          <p:spTgt spid="14"/>
+                                        </p:tgtEl>
+                                        <p:attrNameLst>
+                                          <p:attrName>style.visibility</p:attrName>
+                                        </p:attrNameLst>
+                                      </p:cBhvr>
+                                      <p:to>
+                                        <p:strVal val="visible"/>
+                                      </p:to>
+                                    </p:set>
+                                  </p:childTnLst>
+                                </p:cTn>
+                              </p:par>
+                            </p:childTnLst>
+                          </p:cTn>
+                        </p:par>
+                      </p:childTnLst>
+                    </p:cTn>
+                  </p:par>
+                  <p:par>
+                    <p:cTn id="7" fill="hold">
+                      <p:stCondLst>
+                        <p:cond delay="indefinite"/>
+                      </p:stCondLst>
+                      <p:childTnLst>
+                        <p:par>
+                          <p:cTn id="8" fill="hold">
+                            <p:stCondLst>
+                              <p:cond delay="0"/>
+                            </p:stCondLst>
+                            <p:childTnLst>
+                              <p:par>
+                                <p:cTn id="9" presetID="10" presetClass="entr" presetSubtype="0" fill="hold" grpId="0" nodeType="clickEffect">
+                                  <p:stCondLst>
+                                    <p:cond delay="0"/>
+                                  </p:stCondLst>
+                                  <p:childTnLst>
+                                    <p:set>
+                                      <p:cBhvr>
+                                        <p:cTn id="10" dur="1" fill="hold">
+                                          <p:stCondLst>
+                                            <p:cond delay="0"/>
+                                          </p:stCondLst>
+                                        </p:cTn>
+                                        <p:tgtEl>
+                                          <p:spTgt spid="15"/>
+                                        </p:tgtEl>
+                                        <p:attrNameLst>
+                                          <p:attrName>style.visibility</p:attrName>
+                                        </p:attrNameLst>
+                                      </p:cBhvr>
+                                      <p:to>
+                                        <p:strVal val="visible"/>
+                                      </p:to>
+                                    </p:set>
+                                    <p:animEffect transition="in" filter="fade">
+                                      <p:cBhvr>
+                                        <p:cTn id="11" dur="500"/>
+                                        <p:tgtEl>
+                                          <p:spTgt spid="15"/>
+                                        </p:tgtEl>
+                                      </p:cBhvr>
+                                    </p:animEffect>
+                                  </p:childTnLst>
+                                </p:cTn>
+                              </p:par>
+                            </p:childTnLst>
+                          </p:cTn>
+                        </p:par>
+                      </p:childTnLst>
+                    </p:cTn>
+                  </p:par>
+                </p:childTnLst>
+              </p:cTn>
+              <p:prevCondLst>
+                <p:cond evt="onPrev" delay="0">
+                  <p:tgtEl>
+                    <p:sldTgt/>
+                  </p:tgtEl>
+                </p:cond>
+              </p:prevCondLst>
+              <p:nextCondLst>
+                <p:cond evt="onNext" delay="0">
+                  <p:tgtEl>
+                    <p:sldTgt/>
+                  </p:tgtEl>
+                </p:cond>
+              </p:nextCondLst>
+            </p:seq>
+          </p:childTnLst>
+        </p:cTn>
+      </p:par>
+    </p:tnLst>
+    <p:bldLst>
+      <p:bldP spid="14" grpId="0"/>
+      <p:bldP spid="15" grpId="0"/>
+    </p:bldLst>
+  </p:timing>
+</p:sld>
+</file>
+
+<file path=ppt/slides/slide27.xml><?xml version="1.0" encoding="utf-8"?>
+<p:sld xmlns:a="http://schemas.openxmlformats.org/drawingml/2006/main" xmlns:r="http://schemas.openxmlformats.org/officeDocument/2006/relationships" xmlns:p="http://schemas.openxmlformats.org/presentationml/2006/main">
+  <p:cSld>
+    <p:spTree>
+      <p:nvGrpSpPr>
+        <p:cNvPr id="1" name=""/>
+        <p:cNvGrpSpPr/>
+        <p:nvPr/>
+      </p:nvGrpSpPr>
+      <p:grpSpPr>
+        <a:xfrm>
+          <a:off x="0" y="0"/>
+          <a:ext cx="0" cy="0"/>
+          <a:chOff x="0" y="0"/>
+          <a:chExt cx="0" cy="0"/>
+        </a:xfrm>
+      </p:grpSpPr>
+      <p:sp>
+        <p:nvSpPr>
+          <p:cNvPr id="39" name="矩形 38"/>
+          <p:cNvSpPr/>
+          <p:nvPr/>
+        </p:nvSpPr>
+        <p:spPr>
+          <a:xfrm>
+            <a:off x="5364088" y="2070506"/>
+            <a:ext cx="3049570" cy="400110"/>
+          </a:xfrm>
+          <a:prstGeom prst="rect">
+            <a:avLst/>
+          </a:prstGeom>
+        </p:spPr>
+        <p:txBody>
+          <a:bodyPr wrap="square">
+            <a:spAutoFit/>
+          </a:bodyPr>
+          <a:lstStyle/>
+          <a:p>
+            <a:r>
+              <a:rPr lang="zh-CN" altLang="en-US" sz="2000" b="1" dirty="0">
+                <a:ln w="6350">
+                  <a:noFill/>
+                </a:ln>
+                <a:solidFill>
+                  <a:schemeClr val="bg1">
+                    <a:lumMod val="50000"/>
+                  </a:schemeClr>
+                </a:solidFill>
+                <a:latin typeface="微软雅黑" panose="020B0503020204020204" pitchFamily="34" charset="-122"/>
+                <a:ea typeface="微软雅黑" panose="020B0503020204020204" pitchFamily="34" charset="-122"/>
+              </a:rPr>
+              <a:t>其他面试问题</a:t>
+            </a:r>
+            <a:endParaRPr lang="zh-CN" altLang="en-US" sz="2000" b="1" dirty="0">
+              <a:ln w="6350">
+                <a:noFill/>
+              </a:ln>
+              <a:solidFill>
+                <a:schemeClr val="tx1">
+                  <a:lumMod val="50000"/>
+                  <a:lumOff val="50000"/>
+                </a:schemeClr>
+              </a:solidFill>
+              <a:latin typeface="Impact" pitchFamily="34" charset="0"/>
+              <a:ea typeface="微软雅黑" pitchFamily="34" charset="-122"/>
+            </a:endParaRPr>
+          </a:p>
+        </p:txBody>
+      </p:sp>
+      <p:sp>
+        <p:nvSpPr>
+          <p:cNvPr id="41" name="矩形 40"/>
+          <p:cNvSpPr/>
+          <p:nvPr/>
+        </p:nvSpPr>
+        <p:spPr>
+          <a:xfrm>
+            <a:off x="4573570" y="1790523"/>
+            <a:ext cx="790518" cy="769441"/>
+          </a:xfrm>
+          <a:prstGeom prst="rect">
+            <a:avLst/>
+          </a:prstGeom>
+        </p:spPr>
+        <p:txBody>
+          <a:bodyPr wrap="square">
+            <a:spAutoFit/>
+          </a:bodyPr>
+          <a:lstStyle/>
+          <a:p>
+            <a:pPr algn="ctr"/>
+            <a:r>
+              <a:rPr lang="en-US" altLang="zh-CN" sz="4400" dirty="0">
+                <a:ln w="6350">
+                  <a:noFill/>
+                </a:ln>
+                <a:solidFill>
+                  <a:schemeClr val="bg1">
+                    <a:lumMod val="50000"/>
+                  </a:schemeClr>
+                </a:solidFill>
+                <a:latin typeface="Impact" pitchFamily="34" charset="0"/>
+                <a:ea typeface="微软雅黑" pitchFamily="34" charset="-122"/>
+              </a:rPr>
+              <a:t>05</a:t>
+            </a:r>
+            <a:endParaRPr lang="zh-CN" altLang="en-US" sz="4400" dirty="0">
+              <a:ln w="6350">
+                <a:noFill/>
+              </a:ln>
+              <a:solidFill>
+                <a:schemeClr val="bg1">
+                  <a:lumMod val="50000"/>
+                </a:schemeClr>
+              </a:solidFill>
+              <a:latin typeface="Impact" pitchFamily="34" charset="0"/>
+              <a:ea typeface="微软雅黑" pitchFamily="34" charset="-122"/>
+            </a:endParaRPr>
+          </a:p>
+        </p:txBody>
+      </p:sp>
+      <p:grpSp>
+        <p:nvGrpSpPr>
+          <p:cNvPr id="47" name="组合 46"/>
+          <p:cNvGrpSpPr/>
+          <p:nvPr/>
+        </p:nvGrpSpPr>
+        <p:grpSpPr>
+          <a:xfrm>
+            <a:off x="0" y="2517744"/>
+            <a:ext cx="9144000" cy="54006"/>
+            <a:chOff x="2190216" y="0"/>
+            <a:chExt cx="7128792" cy="108012"/>
+          </a:xfrm>
+        </p:grpSpPr>
+        <p:sp>
+          <p:nvSpPr>
+            <p:cNvPr id="50" name="矩形 49"/>
+            <p:cNvSpPr/>
+            <p:nvPr/>
+          </p:nvSpPr>
+          <p:spPr>
+            <a:xfrm>
+              <a:off x="2190216" y="0"/>
+              <a:ext cx="1188132" cy="108012"/>
+            </a:xfrm>
+            <a:prstGeom prst="rect">
+              <a:avLst/>
+            </a:prstGeom>
+            <a:solidFill>
+              <a:schemeClr val="accent1"/>
+            </a:solidFill>
+            <a:ln>
+              <a:noFill/>
+            </a:ln>
+          </p:spPr>
+          <p:style>
+            <a:lnRef idx="2">
+              <a:schemeClr val="accent1">
+                <a:shade val="50000"/>
+              </a:schemeClr>
+            </a:lnRef>
+            <a:fillRef idx="1">
+              <a:schemeClr val="accent1"/>
+            </a:fillRef>
+            <a:effectRef idx="0">
+              <a:schemeClr val="accent1"/>
+            </a:effectRef>
+            <a:fontRef idx="minor">
+              <a:schemeClr val="lt1"/>
+            </a:fontRef>
+          </p:style>
+          <p:txBody>
+            <a:bodyPr rtlCol="0" anchor="ctr"/>
+            <a:lstStyle/>
+            <a:p>
+              <a:pPr algn="ctr"/>
+              <a:endParaRPr lang="zh-CN" altLang="en-US"/>
+            </a:p>
+          </p:txBody>
+        </p:sp>
+        <p:sp>
+          <p:nvSpPr>
+            <p:cNvPr id="53" name="矩形 52"/>
+            <p:cNvSpPr/>
+            <p:nvPr/>
+          </p:nvSpPr>
+          <p:spPr>
+            <a:xfrm>
+              <a:off x="3378348" y="0"/>
+              <a:ext cx="1188132" cy="108012"/>
+            </a:xfrm>
+            <a:prstGeom prst="rect">
+              <a:avLst/>
+            </a:prstGeom>
+            <a:solidFill>
+              <a:schemeClr val="accent2"/>
+            </a:solidFill>
+            <a:ln>
+              <a:noFill/>
+            </a:ln>
+          </p:spPr>
+          <p:style>
+            <a:lnRef idx="2">
+              <a:schemeClr val="accent1">
+                <a:shade val="50000"/>
+              </a:schemeClr>
+            </a:lnRef>
+            <a:fillRef idx="1">
+              <a:schemeClr val="accent1"/>
+            </a:fillRef>
+            <a:effectRef idx="0">
+              <a:schemeClr val="accent1"/>
+            </a:effectRef>
+            <a:fontRef idx="minor">
+              <a:schemeClr val="lt1"/>
+            </a:fontRef>
+          </p:style>
+          <p:txBody>
+            <a:bodyPr rtlCol="0" anchor="ctr"/>
+            <a:lstStyle/>
+            <a:p>
+              <a:pPr algn="ctr"/>
+              <a:endParaRPr lang="zh-CN" altLang="en-US"/>
+            </a:p>
+          </p:txBody>
+        </p:sp>
+        <p:sp>
+          <p:nvSpPr>
+            <p:cNvPr id="56" name="矩形 55"/>
+            <p:cNvSpPr/>
+            <p:nvPr/>
+          </p:nvSpPr>
+          <p:spPr>
+            <a:xfrm>
+              <a:off x="4566480" y="0"/>
+              <a:ext cx="1188132" cy="108012"/>
+            </a:xfrm>
+            <a:prstGeom prst="rect">
+              <a:avLst/>
+            </a:prstGeom>
+            <a:solidFill>
+              <a:schemeClr val="accent3"/>
+            </a:solidFill>
+            <a:ln>
+              <a:noFill/>
+            </a:ln>
+          </p:spPr>
+          <p:style>
+            <a:lnRef idx="2">
+              <a:schemeClr val="accent1">
+                <a:shade val="50000"/>
+              </a:schemeClr>
+            </a:lnRef>
+            <a:fillRef idx="1">
+              <a:schemeClr val="accent1"/>
+            </a:fillRef>
+            <a:effectRef idx="0">
+              <a:schemeClr val="accent1"/>
+            </a:effectRef>
+            <a:fontRef idx="minor">
+              <a:schemeClr val="lt1"/>
+            </a:fontRef>
+          </p:style>
+          <p:txBody>
+            <a:bodyPr rtlCol="0" anchor="ctr"/>
+            <a:lstStyle/>
+            <a:p>
+              <a:pPr algn="ctr"/>
+              <a:endParaRPr lang="zh-CN" altLang="en-US"/>
+            </a:p>
+          </p:txBody>
+        </p:sp>
+        <p:sp>
+          <p:nvSpPr>
+            <p:cNvPr id="57" name="矩形 56"/>
+            <p:cNvSpPr/>
+            <p:nvPr/>
+          </p:nvSpPr>
+          <p:spPr>
+            <a:xfrm>
+              <a:off x="5754612" y="0"/>
+              <a:ext cx="1188132" cy="108012"/>
+            </a:xfrm>
+            <a:prstGeom prst="rect">
+              <a:avLst/>
+            </a:prstGeom>
+            <a:solidFill>
+              <a:schemeClr val="accent4"/>
+            </a:solidFill>
+            <a:ln>
+              <a:noFill/>
+            </a:ln>
+          </p:spPr>
+          <p:style>
+            <a:lnRef idx="2">
+              <a:schemeClr val="accent1">
+                <a:shade val="50000"/>
+              </a:schemeClr>
+            </a:lnRef>
+            <a:fillRef idx="1">
+              <a:schemeClr val="accent1"/>
+            </a:fillRef>
+            <a:effectRef idx="0">
+              <a:schemeClr val="accent1"/>
+            </a:effectRef>
+            <a:fontRef idx="minor">
+              <a:schemeClr val="lt1"/>
+            </a:fontRef>
+          </p:style>
+          <p:txBody>
+            <a:bodyPr rtlCol="0" anchor="ctr"/>
+            <a:lstStyle/>
+            <a:p>
+              <a:pPr algn="ctr"/>
+              <a:endParaRPr lang="zh-CN" altLang="en-US"/>
+            </a:p>
+          </p:txBody>
+        </p:sp>
+        <p:sp>
+          <p:nvSpPr>
+            <p:cNvPr id="58" name="矩形 57"/>
+            <p:cNvSpPr/>
+            <p:nvPr/>
+          </p:nvSpPr>
+          <p:spPr>
+            <a:xfrm>
+              <a:off x="6942744" y="0"/>
+              <a:ext cx="1188132" cy="108012"/>
+            </a:xfrm>
+            <a:prstGeom prst="rect">
+              <a:avLst/>
+            </a:prstGeom>
+            <a:solidFill>
+              <a:schemeClr val="accent5"/>
+            </a:solidFill>
+            <a:ln>
+              <a:noFill/>
+            </a:ln>
+          </p:spPr>
+          <p:style>
+            <a:lnRef idx="2">
+              <a:schemeClr val="accent1">
+                <a:shade val="50000"/>
+              </a:schemeClr>
+            </a:lnRef>
+            <a:fillRef idx="1">
+              <a:schemeClr val="accent1"/>
+            </a:fillRef>
+            <a:effectRef idx="0">
+              <a:schemeClr val="accent1"/>
+            </a:effectRef>
+            <a:fontRef idx="minor">
+              <a:schemeClr val="lt1"/>
+            </a:fontRef>
+          </p:style>
+          <p:txBody>
+            <a:bodyPr rtlCol="0" anchor="ctr"/>
+            <a:lstStyle/>
+            <a:p>
+              <a:pPr algn="ctr"/>
+              <a:endParaRPr lang="zh-CN" altLang="en-US"/>
+            </a:p>
+          </p:txBody>
+        </p:sp>
+        <p:sp>
+          <p:nvSpPr>
+            <p:cNvPr id="74" name="矩形 73"/>
+            <p:cNvSpPr/>
+            <p:nvPr/>
+          </p:nvSpPr>
+          <p:spPr>
+            <a:xfrm>
+              <a:off x="8130876" y="0"/>
+              <a:ext cx="1188132" cy="108012"/>
+            </a:xfrm>
+            <a:prstGeom prst="rect">
+              <a:avLst/>
+            </a:prstGeom>
+            <a:solidFill>
+              <a:schemeClr val="accent6"/>
+            </a:solidFill>
+            <a:ln>
+              <a:noFill/>
+            </a:ln>
+          </p:spPr>
+          <p:style>
+            <a:lnRef idx="2">
+              <a:schemeClr val="accent1">
+                <a:shade val="50000"/>
+              </a:schemeClr>
+            </a:lnRef>
+            <a:fillRef idx="1">
+              <a:schemeClr val="accent1"/>
+            </a:fillRef>
+            <a:effectRef idx="0">
+              <a:schemeClr val="accent1"/>
+            </a:effectRef>
+            <a:fontRef idx="minor">
+              <a:schemeClr val="lt1"/>
+            </a:fontRef>
+          </p:style>
+          <p:txBody>
+            <a:bodyPr rtlCol="0" anchor="ctr"/>
+            <a:lstStyle/>
+            <a:p>
+              <a:pPr algn="ctr"/>
+              <a:endParaRPr lang="zh-CN" altLang="en-US"/>
+            </a:p>
+          </p:txBody>
+        </p:sp>
+      </p:grpSp>
+      <p:sp>
+        <p:nvSpPr>
+          <p:cNvPr id="2" name="文本框 1"/>
+          <p:cNvSpPr txBox="1"/>
+          <p:nvPr/>
+        </p:nvSpPr>
+        <p:spPr>
+          <a:xfrm>
+            <a:off x="6096000" y="411510"/>
+            <a:ext cx="2580456" cy="369332"/>
+          </a:xfrm>
+          <a:prstGeom prst="rect">
+            <a:avLst/>
+          </a:prstGeom>
+          <a:noFill/>
+        </p:spPr>
+        <p:txBody>
+          <a:bodyPr wrap="square" rtlCol="0">
+            <a:spAutoFit/>
+          </a:bodyPr>
+          <a:lstStyle/>
+          <a:p>
+            <a:r>
+              <a:rPr lang="en-US" altLang="zh-CN" dirty="0">
+                <a:solidFill>
+                  <a:srgbClr val="F2F2F2"/>
+                </a:solidFill>
+              </a:rPr>
+              <a:t>https://www.ypppt.com/</a:t>
+            </a:r>
+            <a:endParaRPr lang="zh-CN" altLang="en-US" dirty="0">
+              <a:solidFill>
+                <a:srgbClr val="F2F2F2"/>
+              </a:solidFill>
+            </a:endParaRPr>
+          </a:p>
+        </p:txBody>
+      </p:sp>
+      <p:sp>
+        <p:nvSpPr>
+          <p:cNvPr id="12" name="矩形 11">
+            <a:extLst>
+              <a:ext uri="{FF2B5EF4-FFF2-40B4-BE49-F238E27FC236}">
+                <a16:creationId xmlns:a16="http://schemas.microsoft.com/office/drawing/2014/main" id="{338FC8EC-E642-443B-BF55-488DC7198925}"/>
+              </a:ext>
+            </a:extLst>
+          </p:cNvPr>
+          <p:cNvSpPr/>
+          <p:nvPr/>
+        </p:nvSpPr>
+        <p:spPr>
+          <a:xfrm>
+            <a:off x="4573570" y="2676794"/>
+            <a:ext cx="2666114" cy="988476"/>
+          </a:xfrm>
+          <a:prstGeom prst="rect">
+            <a:avLst/>
+          </a:prstGeom>
+        </p:spPr>
+        <p:txBody>
+          <a:bodyPr wrap="none">
+            <a:spAutoFit/>
+          </a:bodyPr>
+          <a:lstStyle/>
+          <a:p>
+            <a:pPr marL="171450" indent="-171450">
+              <a:lnSpc>
+                <a:spcPct val="150000"/>
+              </a:lnSpc>
+              <a:buFont typeface="Wingdings" pitchFamily="2" charset="2"/>
+              <a:buChar char="ü"/>
+            </a:pPr>
+            <a:r>
+              <a:rPr lang="zh-CN" altLang="en-US" sz="1000" dirty="0">
+                <a:ln w="6350">
+                  <a:noFill/>
+                </a:ln>
+                <a:solidFill>
+                  <a:schemeClr val="bg1">
+                    <a:lumMod val="50000"/>
+                  </a:schemeClr>
+                </a:solidFill>
+                <a:latin typeface="微软雅黑" panose="020B0503020204020204" pitchFamily="34" charset="-122"/>
+                <a:ea typeface="微软雅黑" panose="020B0503020204020204" pitchFamily="34" charset="-122"/>
+              </a:rPr>
+              <a:t>堆和栈有啥区别？</a:t>
+            </a:r>
+            <a:endParaRPr lang="en-US" altLang="zh-CN" sz="1000" dirty="0">
+              <a:ln w="6350">
+                <a:noFill/>
+              </a:ln>
+              <a:solidFill>
+                <a:schemeClr val="bg1">
+                  <a:lumMod val="50000"/>
+                </a:schemeClr>
+              </a:solidFill>
+              <a:latin typeface="微软雅黑" panose="020B0503020204020204" pitchFamily="34" charset="-122"/>
+              <a:ea typeface="微软雅黑" panose="020B0503020204020204" pitchFamily="34" charset="-122"/>
+            </a:endParaRPr>
+          </a:p>
+          <a:p>
+            <a:pPr marL="171450" indent="-171450">
+              <a:lnSpc>
+                <a:spcPct val="150000"/>
+              </a:lnSpc>
+              <a:buFont typeface="Wingdings" pitchFamily="2" charset="2"/>
+              <a:buChar char="ü"/>
+            </a:pPr>
+            <a:r>
+              <a:rPr lang="zh-CN" altLang="en-US" sz="1000" dirty="0">
+                <a:ln w="6350">
+                  <a:noFill/>
+                </a:ln>
+                <a:solidFill>
+                  <a:schemeClr val="bg1">
+                    <a:lumMod val="50000"/>
+                  </a:schemeClr>
+                </a:solidFill>
+                <a:latin typeface="微软雅黑" panose="020B0503020204020204" pitchFamily="34" charset="-122"/>
+                <a:ea typeface="微软雅黑" panose="020B0503020204020204" pitchFamily="34" charset="-122"/>
+              </a:rPr>
+              <a:t>什么时候会出现堆栈溢出呢？如何排查？</a:t>
+            </a:r>
+            <a:endParaRPr lang="en-US" altLang="zh-CN" sz="1000" dirty="0">
+              <a:ln w="6350">
+                <a:noFill/>
+              </a:ln>
+              <a:solidFill>
+                <a:schemeClr val="bg1">
+                  <a:lumMod val="50000"/>
+                </a:schemeClr>
+              </a:solidFill>
+              <a:latin typeface="微软雅黑" panose="020B0503020204020204" pitchFamily="34" charset="-122"/>
+              <a:ea typeface="微软雅黑" panose="020B0503020204020204" pitchFamily="34" charset="-122"/>
+            </a:endParaRPr>
+          </a:p>
+          <a:p>
+            <a:pPr marL="171450" indent="-171450">
+              <a:lnSpc>
+                <a:spcPct val="150000"/>
+              </a:lnSpc>
+              <a:buFont typeface="Wingdings" pitchFamily="2" charset="2"/>
+              <a:buChar char="ü"/>
+            </a:pPr>
+            <a:r>
+              <a:rPr lang="zh-CN" altLang="en-US" sz="1000" dirty="0">
+                <a:ln w="6350">
+                  <a:noFill/>
+                </a:ln>
+                <a:solidFill>
+                  <a:schemeClr val="bg1">
+                    <a:lumMod val="50000"/>
+                  </a:schemeClr>
+                </a:solidFill>
+                <a:latin typeface="微软雅黑" panose="020B0503020204020204" pitchFamily="34" charset="-122"/>
+                <a:ea typeface="微软雅黑" panose="020B0503020204020204" pitchFamily="34" charset="-122"/>
+              </a:rPr>
+              <a:t>对象一定是在堆在分配的吗？</a:t>
+            </a:r>
+            <a:endParaRPr lang="en-US" altLang="zh-CN" sz="1000" dirty="0">
+              <a:ln w="6350">
+                <a:noFill/>
+              </a:ln>
+              <a:solidFill>
+                <a:schemeClr val="bg1">
+                  <a:lumMod val="50000"/>
+                </a:schemeClr>
+              </a:solidFill>
+              <a:latin typeface="微软雅黑" panose="020B0503020204020204" pitchFamily="34" charset="-122"/>
+              <a:ea typeface="微软雅黑" panose="020B0503020204020204" pitchFamily="34" charset="-122"/>
+            </a:endParaRPr>
+          </a:p>
+          <a:p>
+            <a:pPr marL="171450" indent="-171450">
+              <a:lnSpc>
+                <a:spcPct val="150000"/>
+              </a:lnSpc>
+              <a:buFont typeface="Wingdings" pitchFamily="2" charset="2"/>
+              <a:buChar char="ü"/>
+            </a:pPr>
+            <a:r>
+              <a:rPr lang="zh-CN" altLang="en-US" sz="1000" dirty="0">
+                <a:ln w="6350">
+                  <a:noFill/>
+                </a:ln>
+                <a:solidFill>
+                  <a:schemeClr val="bg1">
+                    <a:lumMod val="50000"/>
+                  </a:schemeClr>
+                </a:solidFill>
+                <a:latin typeface="微软雅黑" panose="020B0503020204020204" pitchFamily="34" charset="-122"/>
+                <a:ea typeface="微软雅黑" panose="020B0503020204020204" pitchFamily="34" charset="-122"/>
+              </a:rPr>
+              <a:t>常量池了解吗，有啥用？</a:t>
+            </a:r>
+            <a:endParaRPr lang="en-US" altLang="zh-CN" sz="1000" dirty="0">
+              <a:ln w="6350">
+                <a:noFill/>
+              </a:ln>
+              <a:solidFill>
+                <a:schemeClr val="bg1">
+                  <a:lumMod val="50000"/>
+                </a:schemeClr>
+              </a:solidFill>
+              <a:latin typeface="微软雅黑" panose="020B0503020204020204" pitchFamily="34" charset="-122"/>
+              <a:ea typeface="微软雅黑" panose="020B0503020204020204" pitchFamily="34" charset="-122"/>
+            </a:endParaRPr>
+          </a:p>
+        </p:txBody>
+      </p:sp>
+    </p:spTree>
+    <p:extLst>
+      <p:ext uri="{BB962C8B-B14F-4D97-AF65-F5344CB8AC3E}">
+        <p14:creationId xmlns:p14="http://schemas.microsoft.com/office/powerpoint/2010/main" val="1553273991"/>
+      </p:ext>
+    </p:extLst>
+  </p:cSld>
+  <p:clrMapOvr>
+    <a:masterClrMapping/>
+  </p:clrMapOvr>
+</p:sld>
+</file>
+
+<file path=ppt/slides/slide28.xml><?xml version="1.0" encoding="utf-8"?>
+<p:sld xmlns:a="http://schemas.openxmlformats.org/drawingml/2006/main" xmlns:r="http://schemas.openxmlformats.org/officeDocument/2006/relationships" xmlns:p="http://schemas.openxmlformats.org/presentationml/2006/main">
+  <p:cSld>
+    <p:spTree>
+      <p:nvGrpSpPr>
+        <p:cNvPr id="1" name=""/>
+        <p:cNvGrpSpPr/>
+        <p:nvPr/>
+      </p:nvGrpSpPr>
+      <p:grpSpPr>
+        <a:xfrm>
+          <a:off x="0" y="0"/>
+          <a:ext cx="0" cy="0"/>
+          <a:chOff x="0" y="0"/>
+          <a:chExt cx="0" cy="0"/>
+        </a:xfrm>
+      </p:grpSpPr>
+      <p:sp>
+        <p:nvSpPr>
+          <p:cNvPr id="47" name="Rectangle 39"/>
+          <p:cNvSpPr>
+            <a:spLocks noChangeArrowheads="1"/>
+          </p:cNvSpPr>
+          <p:nvPr/>
+        </p:nvSpPr>
+        <p:spPr bwMode="auto">
+          <a:xfrm>
+            <a:off x="416159" y="278281"/>
+            <a:ext cx="4011825" cy="307777"/>
+          </a:xfrm>
+          <a:prstGeom prst="rect">
+            <a:avLst/>
+          </a:prstGeom>
+          <a:noFill/>
+          <a:ln>
+            <a:noFill/>
+          </a:ln>
+          <a:extLst>
+            <a:ext uri="{909E8E84-426E-40DD-AFC4-6F175D3DCCD1}">
+              <a14:hiddenFill xmlns:a14="http://schemas.microsoft.com/office/drawing/2010/main">
+                <a:solidFill>
+                  <a:srgbClr val="FFFFFF"/>
+                </a:solidFill>
+              </a14:hiddenFill>
+            </a:ext>
+            <a:ext uri="{91240B29-F687-4F45-9708-019B960494DF}">
+              <a14:hiddenLine xmlns:a14="http://schemas.microsoft.com/office/drawing/2010/main" w="9525">
+                <a:solidFill>
+                  <a:srgbClr val="000000"/>
+                </a:solidFill>
+                <a:miter lim="800000"/>
+                <a:headEnd/>
+                <a:tailEnd/>
+              </a14:hiddenLine>
+            </a:ext>
+          </a:extLst>
+        </p:spPr>
+        <p:txBody>
+          <a:bodyPr wrap="square" lIns="0" tIns="0" rIns="0" bIns="0">
+            <a:spAutoFit/>
+          </a:bodyPr>
+          <a:lstStyle/>
+          <a:p>
+            <a:pPr>
+              <a:buFont typeface="Arial" pitchFamily="34" charset="0"/>
+              <a:buNone/>
+            </a:pPr>
+            <a:r>
+              <a:rPr lang="zh-CN" altLang="en-US" sz="2000" dirty="0">
+                <a:solidFill>
+                  <a:schemeClr val="accent1"/>
+                </a:solidFill>
+                <a:latin typeface="微软雅黑" pitchFamily="34" charset="-122"/>
+                <a:ea typeface="微软雅黑" pitchFamily="34" charset="-122"/>
+              </a:rPr>
+              <a:t>堆和栈有啥区别？</a:t>
+            </a:r>
+          </a:p>
+        </p:txBody>
+      </p:sp>
+      <p:grpSp>
+        <p:nvGrpSpPr>
+          <p:cNvPr id="48" name="组合 47"/>
+          <p:cNvGrpSpPr/>
+          <p:nvPr/>
+        </p:nvGrpSpPr>
+        <p:grpSpPr>
+          <a:xfrm>
+            <a:off x="416158" y="699542"/>
+            <a:ext cx="899592" cy="56017"/>
+            <a:chOff x="0" y="2842590"/>
+            <a:chExt cx="7054752" cy="89199"/>
+          </a:xfrm>
+        </p:grpSpPr>
+        <p:sp>
+          <p:nvSpPr>
+            <p:cNvPr id="49" name="矩形 48"/>
+            <p:cNvSpPr/>
+            <p:nvPr/>
+          </p:nvSpPr>
+          <p:spPr>
+            <a:xfrm>
+              <a:off x="0" y="2842590"/>
+              <a:ext cx="1763688" cy="89199"/>
+            </a:xfrm>
+            <a:prstGeom prst="rect">
+              <a:avLst/>
+            </a:prstGeom>
+            <a:solidFill>
+              <a:schemeClr val="accent1"/>
+            </a:solidFill>
+            <a:ln>
+              <a:noFill/>
+            </a:ln>
+          </p:spPr>
+          <p:style>
+            <a:lnRef idx="2">
+              <a:schemeClr val="accent1">
+                <a:shade val="50000"/>
+              </a:schemeClr>
+            </a:lnRef>
+            <a:fillRef idx="1">
+              <a:schemeClr val="accent1"/>
+            </a:fillRef>
+            <a:effectRef idx="0">
+              <a:schemeClr val="accent1"/>
+            </a:effectRef>
+            <a:fontRef idx="minor">
+              <a:schemeClr val="lt1"/>
+            </a:fontRef>
+          </p:style>
+          <p:txBody>
+            <a:bodyPr rtlCol="0" anchor="ctr"/>
+            <a:lstStyle/>
+            <a:p>
+              <a:pPr algn="ctr"/>
+              <a:endParaRPr lang="zh-CN" altLang="en-US"/>
+            </a:p>
+          </p:txBody>
+        </p:sp>
+        <p:sp>
+          <p:nvSpPr>
+            <p:cNvPr id="50" name="矩形 49"/>
+            <p:cNvSpPr/>
+            <p:nvPr/>
+          </p:nvSpPr>
+          <p:spPr>
+            <a:xfrm>
+              <a:off x="1763688" y="2842590"/>
+              <a:ext cx="1763688" cy="89199"/>
+            </a:xfrm>
+            <a:prstGeom prst="rect">
+              <a:avLst/>
+            </a:prstGeom>
+            <a:solidFill>
+              <a:schemeClr val="accent2"/>
+            </a:solidFill>
+            <a:ln>
+              <a:noFill/>
+            </a:ln>
+          </p:spPr>
+          <p:style>
+            <a:lnRef idx="2">
+              <a:schemeClr val="accent1">
+                <a:shade val="50000"/>
+              </a:schemeClr>
+            </a:lnRef>
+            <a:fillRef idx="1">
+              <a:schemeClr val="accent1"/>
+            </a:fillRef>
+            <a:effectRef idx="0">
+              <a:schemeClr val="accent1"/>
+            </a:effectRef>
+            <a:fontRef idx="minor">
+              <a:schemeClr val="lt1"/>
+            </a:fontRef>
+          </p:style>
+          <p:txBody>
+            <a:bodyPr rtlCol="0" anchor="ctr"/>
+            <a:lstStyle/>
+            <a:p>
+              <a:pPr algn="ctr"/>
+              <a:endParaRPr lang="zh-CN" altLang="en-US"/>
+            </a:p>
+          </p:txBody>
+        </p:sp>
+        <p:sp>
+          <p:nvSpPr>
+            <p:cNvPr id="51" name="矩形 50"/>
+            <p:cNvSpPr/>
+            <p:nvPr/>
+          </p:nvSpPr>
+          <p:spPr>
+            <a:xfrm>
+              <a:off x="3527376" y="2842590"/>
+              <a:ext cx="1763688" cy="89199"/>
+            </a:xfrm>
+            <a:prstGeom prst="rect">
+              <a:avLst/>
+            </a:prstGeom>
+            <a:solidFill>
+              <a:schemeClr val="accent3"/>
+            </a:solidFill>
+            <a:ln>
+              <a:noFill/>
+            </a:ln>
+          </p:spPr>
+          <p:style>
+            <a:lnRef idx="2">
+              <a:schemeClr val="accent1">
+                <a:shade val="50000"/>
+              </a:schemeClr>
+            </a:lnRef>
+            <a:fillRef idx="1">
+              <a:schemeClr val="accent1"/>
+            </a:fillRef>
+            <a:effectRef idx="0">
+              <a:schemeClr val="accent1"/>
+            </a:effectRef>
+            <a:fontRef idx="minor">
+              <a:schemeClr val="lt1"/>
+            </a:fontRef>
+          </p:style>
+          <p:txBody>
+            <a:bodyPr rtlCol="0" anchor="ctr"/>
+            <a:lstStyle/>
+            <a:p>
+              <a:pPr algn="ctr"/>
+              <a:endParaRPr lang="zh-CN" altLang="en-US"/>
+            </a:p>
+          </p:txBody>
+        </p:sp>
+        <p:sp>
+          <p:nvSpPr>
+            <p:cNvPr id="52" name="矩形 51"/>
+            <p:cNvSpPr/>
+            <p:nvPr/>
+          </p:nvSpPr>
+          <p:spPr>
+            <a:xfrm>
+              <a:off x="5291064" y="2842590"/>
+              <a:ext cx="1763688" cy="89199"/>
+            </a:xfrm>
+            <a:prstGeom prst="rect">
+              <a:avLst/>
+            </a:prstGeom>
+            <a:solidFill>
+              <a:schemeClr val="accent4"/>
+            </a:solidFill>
+            <a:ln>
+              <a:noFill/>
+            </a:ln>
+          </p:spPr>
+          <p:style>
+            <a:lnRef idx="2">
+              <a:schemeClr val="accent1">
+                <a:shade val="50000"/>
+              </a:schemeClr>
+            </a:lnRef>
+            <a:fillRef idx="1">
+              <a:schemeClr val="accent1"/>
+            </a:fillRef>
+            <a:effectRef idx="0">
+              <a:schemeClr val="accent1"/>
+            </a:effectRef>
+            <a:fontRef idx="minor">
+              <a:schemeClr val="lt1"/>
+            </a:fontRef>
+          </p:style>
+          <p:txBody>
+            <a:bodyPr rtlCol="0" anchor="ctr"/>
+            <a:lstStyle/>
+            <a:p>
+              <a:pPr algn="ctr"/>
+              <a:endParaRPr lang="zh-CN" altLang="en-US"/>
+            </a:p>
+          </p:txBody>
+        </p:sp>
+      </p:grpSp>
+      <p:graphicFrame>
+        <p:nvGraphicFramePr>
+          <p:cNvPr id="3" name="表格 3">
+            <a:extLst>
+              <a:ext uri="{FF2B5EF4-FFF2-40B4-BE49-F238E27FC236}">
+                <a16:creationId xmlns:a16="http://schemas.microsoft.com/office/drawing/2014/main" id="{831A40DB-6CB6-4CFA-81D2-94EF09A3051C}"/>
+              </a:ext>
+            </a:extLst>
+          </p:cNvPr>
+          <p:cNvGraphicFramePr>
+            <a:graphicFrameLocks noGrp="1"/>
+          </p:cNvGraphicFramePr>
+          <p:nvPr>
+            <p:extLst>
+              <p:ext uri="{D42A27DB-BD31-4B8C-83A1-F6EECF244321}">
+                <p14:modId xmlns:p14="http://schemas.microsoft.com/office/powerpoint/2010/main" val="2411172765"/>
+              </p:ext>
+            </p:extLst>
+          </p:nvPr>
+        </p:nvGraphicFramePr>
+        <p:xfrm>
+          <a:off x="528607" y="1275606"/>
+          <a:ext cx="8219856" cy="2745975"/>
+        </p:xfrm>
+        <a:graphic>
+          <a:graphicData uri="http://schemas.openxmlformats.org/drawingml/2006/table">
+            <a:tbl>
+              <a:tblPr firstRow="1" bandRow="1">
+                <a:tableStyleId>{2D5ABB26-0587-4C30-8999-92F81FD0307C}</a:tableStyleId>
+              </a:tblPr>
+              <a:tblGrid>
+                <a:gridCol w="1008112">
+                  <a:extLst>
+                    <a:ext uri="{9D8B030D-6E8A-4147-A177-3AD203B41FA5}">
+                      <a16:colId xmlns:a16="http://schemas.microsoft.com/office/drawing/2014/main" val="3074722771"/>
+                    </a:ext>
+                  </a:extLst>
+                </a:gridCol>
+                <a:gridCol w="4471792">
+                  <a:extLst>
+                    <a:ext uri="{9D8B030D-6E8A-4147-A177-3AD203B41FA5}">
+                      <a16:colId xmlns:a16="http://schemas.microsoft.com/office/drawing/2014/main" val="1383315002"/>
+                    </a:ext>
+                  </a:extLst>
+                </a:gridCol>
+                <a:gridCol w="2739952">
+                  <a:extLst>
+                    <a:ext uri="{9D8B030D-6E8A-4147-A177-3AD203B41FA5}">
+                      <a16:colId xmlns:a16="http://schemas.microsoft.com/office/drawing/2014/main" val="1499940441"/>
+                    </a:ext>
+                  </a:extLst>
+                </a:gridCol>
+              </a:tblGrid>
+              <a:tr h="671485">
+                <a:tc>
+                  <a:txBody>
+                    <a:bodyPr/>
+                    <a:lstStyle/>
+                    <a:p>
+                      <a:pPr algn="ctr"/>
+                      <a:r>
+                        <a:rPr lang="zh-CN" altLang="en-US" sz="1400" dirty="0"/>
+                        <a:t>区别</a:t>
+                      </a:r>
+                    </a:p>
+                  </a:txBody>
+                  <a:tcPr anchor="ctr">
+                    <a:lnL w="12700" cap="flat" cmpd="sng" algn="ctr">
+                      <a:solidFill>
+                        <a:schemeClr val="tx1"/>
+                      </a:solidFill>
+                      <a:prstDash val="solid"/>
+                      <a:round/>
+                      <a:headEnd type="none" w="med" len="med"/>
+                      <a:tailEnd type="none" w="med" len="med"/>
+                    </a:lnL>
+                    <a:lnR w="12700" cap="flat" cmpd="sng" algn="ctr">
+                      <a:solidFill>
+                        <a:schemeClr val="tx1"/>
+                      </a:solidFill>
+                      <a:prstDash val="solid"/>
+                      <a:round/>
+                      <a:headEnd type="none" w="med" len="med"/>
+                      <a:tailEnd type="none" w="med" len="med"/>
+                    </a:lnR>
+                    <a:lnT w="12700" cap="flat" cmpd="sng" algn="ctr">
+                      <a:solidFill>
+                        <a:schemeClr val="tx1"/>
+                      </a:solidFill>
+                      <a:prstDash val="solid"/>
+                      <a:round/>
+                      <a:headEnd type="none" w="med" len="med"/>
+                      <a:tailEnd type="none" w="med" len="med"/>
+                    </a:lnT>
+                    <a:lnB w="12700" cap="flat" cmpd="sng" algn="ctr">
+                      <a:solidFill>
+                        <a:schemeClr val="tx1"/>
+                      </a:solidFill>
+                      <a:prstDash val="solid"/>
+                      <a:round/>
+                      <a:headEnd type="none" w="med" len="med"/>
+                      <a:tailEnd type="none" w="med" len="med"/>
+                    </a:lnB>
+                    <a:solidFill>
+                      <a:schemeClr val="accent2">
+                        <a:lumMod val="20000"/>
+                        <a:lumOff val="80000"/>
+                      </a:schemeClr>
+                    </a:solidFill>
+                  </a:tcPr>
+                </a:tc>
+                <a:tc>
+                  <a:txBody>
+                    <a:bodyPr/>
+                    <a:lstStyle/>
+                    <a:p>
+                      <a:pPr algn="ctr"/>
+                      <a:r>
+                        <a:rPr lang="zh-CN" altLang="en-US" sz="1400" dirty="0"/>
+                        <a:t>堆</a:t>
+                      </a:r>
+                    </a:p>
+                  </a:txBody>
+                  <a:tcPr anchor="ctr">
+                    <a:lnL w="12700" cap="flat" cmpd="sng" algn="ctr">
+                      <a:solidFill>
+                        <a:schemeClr val="tx1"/>
+                      </a:solidFill>
+                      <a:prstDash val="solid"/>
+                      <a:round/>
+                      <a:headEnd type="none" w="med" len="med"/>
+                      <a:tailEnd type="none" w="med" len="med"/>
+                    </a:lnL>
+                    <a:lnR w="12700" cap="flat" cmpd="sng" algn="ctr">
+                      <a:solidFill>
+                        <a:schemeClr val="tx1"/>
+                      </a:solidFill>
+                      <a:prstDash val="solid"/>
+                      <a:round/>
+                      <a:headEnd type="none" w="med" len="med"/>
+                      <a:tailEnd type="none" w="med" len="med"/>
+                    </a:lnR>
+                    <a:lnT w="12700" cap="flat" cmpd="sng" algn="ctr">
+                      <a:solidFill>
+                        <a:schemeClr val="tx1"/>
+                      </a:solidFill>
+                      <a:prstDash val="solid"/>
+                      <a:round/>
+                      <a:headEnd type="none" w="med" len="med"/>
+                      <a:tailEnd type="none" w="med" len="med"/>
+                    </a:lnT>
+                    <a:lnB w="12700" cap="flat" cmpd="sng" algn="ctr">
+                      <a:solidFill>
+                        <a:schemeClr val="tx1"/>
+                      </a:solidFill>
+                      <a:prstDash val="solid"/>
+                      <a:round/>
+                      <a:headEnd type="none" w="med" len="med"/>
+                      <a:tailEnd type="none" w="med" len="med"/>
+                    </a:lnB>
+                    <a:solidFill>
+                      <a:schemeClr val="accent2">
+                        <a:lumMod val="20000"/>
+                        <a:lumOff val="80000"/>
+                      </a:schemeClr>
+                    </a:solidFill>
+                  </a:tcPr>
+                </a:tc>
+                <a:tc>
+                  <a:txBody>
+                    <a:bodyPr/>
+                    <a:lstStyle/>
+                    <a:p>
+                      <a:pPr algn="ctr"/>
+                      <a:r>
+                        <a:rPr lang="zh-CN" altLang="en-US" sz="1400" dirty="0"/>
+                        <a:t>栈</a:t>
+                      </a:r>
+                    </a:p>
+                  </a:txBody>
+                  <a:tcPr anchor="ctr">
+                    <a:lnL w="12700" cap="flat" cmpd="sng" algn="ctr">
+                      <a:solidFill>
+                        <a:schemeClr val="tx1"/>
+                      </a:solidFill>
+                      <a:prstDash val="solid"/>
+                      <a:round/>
+                      <a:headEnd type="none" w="med" len="med"/>
+                      <a:tailEnd type="none" w="med" len="med"/>
+                    </a:lnL>
+                    <a:lnR w="12700" cap="flat" cmpd="sng" algn="ctr">
+                      <a:solidFill>
+                        <a:schemeClr val="tx1"/>
+                      </a:solidFill>
+                      <a:prstDash val="solid"/>
+                      <a:round/>
+                      <a:headEnd type="none" w="med" len="med"/>
+                      <a:tailEnd type="none" w="med" len="med"/>
+                    </a:lnR>
+                    <a:lnT w="12700" cap="flat" cmpd="sng" algn="ctr">
+                      <a:solidFill>
+                        <a:schemeClr val="tx1"/>
+                      </a:solidFill>
+                      <a:prstDash val="solid"/>
+                      <a:round/>
+                      <a:headEnd type="none" w="med" len="med"/>
+                      <a:tailEnd type="none" w="med" len="med"/>
+                    </a:lnT>
+                    <a:lnB w="12700" cap="flat" cmpd="sng" algn="ctr">
+                      <a:solidFill>
+                        <a:schemeClr val="tx1"/>
+                      </a:solidFill>
+                      <a:prstDash val="solid"/>
+                      <a:round/>
+                      <a:headEnd type="none" w="med" len="med"/>
+                      <a:tailEnd type="none" w="med" len="med"/>
+                    </a:lnB>
+                    <a:solidFill>
+                      <a:schemeClr val="accent2">
+                        <a:lumMod val="20000"/>
+                        <a:lumOff val="80000"/>
+                      </a:schemeClr>
+                    </a:solidFill>
+                  </a:tcPr>
+                </a:tc>
+                <a:extLst>
+                  <a:ext uri="{0D108BD9-81ED-4DB2-BD59-A6C34878D82A}">
+                    <a16:rowId xmlns:a16="http://schemas.microsoft.com/office/drawing/2014/main" val="2026153430"/>
+                  </a:ext>
+                </a:extLst>
+              </a:tr>
+              <a:tr h="671485">
+                <a:tc>
+                  <a:txBody>
+                    <a:bodyPr/>
+                    <a:lstStyle/>
+                    <a:p>
+                      <a:pPr algn="ctr"/>
+                      <a:r>
+                        <a:rPr lang="zh-CN" altLang="en-US" sz="1400" dirty="0"/>
+                        <a:t>存储内容</a:t>
+                      </a:r>
+                    </a:p>
+                  </a:txBody>
+                  <a:tcPr anchor="ctr">
+                    <a:lnL w="12700" cap="flat" cmpd="sng" algn="ctr">
+                      <a:solidFill>
+                        <a:schemeClr val="tx1"/>
+                      </a:solidFill>
+                      <a:prstDash val="solid"/>
+                      <a:round/>
+                      <a:headEnd type="none" w="med" len="med"/>
+                      <a:tailEnd type="none" w="med" len="med"/>
+                    </a:lnL>
+                    <a:lnR w="12700" cap="flat" cmpd="sng" algn="ctr">
+                      <a:solidFill>
+                        <a:schemeClr val="tx1"/>
+                      </a:solidFill>
+                      <a:prstDash val="solid"/>
+                      <a:round/>
+                      <a:headEnd type="none" w="med" len="med"/>
+                      <a:tailEnd type="none" w="med" len="med"/>
+                    </a:lnR>
+                    <a:lnT w="12700" cap="flat" cmpd="sng" algn="ctr">
+                      <a:solidFill>
+                        <a:schemeClr val="tx1"/>
+                      </a:solidFill>
+                      <a:prstDash val="solid"/>
+                      <a:round/>
+                      <a:headEnd type="none" w="med" len="med"/>
+                      <a:tailEnd type="none" w="med" len="med"/>
+                    </a:lnT>
+                    <a:lnB w="12700" cap="flat" cmpd="sng" algn="ctr">
+                      <a:solidFill>
+                        <a:schemeClr val="tx1"/>
+                      </a:solidFill>
+                      <a:prstDash val="solid"/>
+                      <a:round/>
+                      <a:headEnd type="none" w="med" len="med"/>
+                      <a:tailEnd type="none" w="med" len="med"/>
+                    </a:lnB>
+                  </a:tcPr>
+                </a:tc>
+                <a:tc>
+                  <a:txBody>
+                    <a:bodyPr/>
+                    <a:lstStyle/>
+                    <a:p>
+                      <a:pPr marL="285750" indent="-285750" algn="l" defTabSz="914400" rtl="0" eaLnBrk="1" latinLnBrk="0" hangingPunct="1">
+                        <a:buFont typeface="Wingdings" panose="05000000000000000000" pitchFamily="2" charset="2"/>
+                        <a:buChar char="l"/>
+                      </a:pPr>
+                      <a:r>
+                        <a:rPr lang="zh-CN" altLang="en-US" sz="1400" kern="1200" dirty="0">
+                          <a:solidFill>
+                            <a:schemeClr val="tx1"/>
+                          </a:solidFill>
+                          <a:latin typeface="+mn-lt"/>
+                          <a:ea typeface="+mn-ea"/>
+                          <a:cs typeface="+mn-cs"/>
+                        </a:rPr>
+                        <a:t>存储对象实例和数组等动态分配的内容。</a:t>
+                      </a:r>
+                      <a:endParaRPr lang="en-US" altLang="zh-CN" sz="1400" kern="1200" dirty="0">
+                        <a:solidFill>
+                          <a:schemeClr val="tx1"/>
+                        </a:solidFill>
+                        <a:latin typeface="+mn-lt"/>
+                        <a:ea typeface="+mn-ea"/>
+                        <a:cs typeface="+mn-cs"/>
+                      </a:endParaRPr>
+                    </a:p>
+                    <a:p>
+                      <a:pPr marL="285750" indent="-285750" algn="l" defTabSz="914400" rtl="0" eaLnBrk="1" latinLnBrk="0" hangingPunct="1">
+                        <a:buFont typeface="Wingdings" panose="05000000000000000000" pitchFamily="2" charset="2"/>
+                        <a:buChar char="l"/>
+                      </a:pPr>
+                      <a:r>
+                        <a:rPr lang="zh-CN" altLang="en-US" sz="1400" kern="1200" dirty="0">
+                          <a:solidFill>
+                            <a:schemeClr val="tx1"/>
+                          </a:solidFill>
+                          <a:latin typeface="+mn-lt"/>
+                          <a:ea typeface="+mn-ea"/>
+                          <a:cs typeface="+mn-cs"/>
+                        </a:rPr>
+                        <a:t>分配的内存由垃圾回收器自动回收，防止内存泄漏</a:t>
+                      </a:r>
+                    </a:p>
+                  </a:txBody>
+                  <a:tcPr anchor="ctr">
+                    <a:lnL w="12700" cap="flat" cmpd="sng" algn="ctr">
+                      <a:solidFill>
+                        <a:schemeClr val="tx1"/>
+                      </a:solidFill>
+                      <a:prstDash val="solid"/>
+                      <a:round/>
+                      <a:headEnd type="none" w="med" len="med"/>
+                      <a:tailEnd type="none" w="med" len="med"/>
+                    </a:lnL>
+                    <a:lnR w="12700" cap="flat" cmpd="sng" algn="ctr">
+                      <a:solidFill>
+                        <a:schemeClr val="tx1"/>
+                      </a:solidFill>
+                      <a:prstDash val="solid"/>
+                      <a:round/>
+                      <a:headEnd type="none" w="med" len="med"/>
+                      <a:tailEnd type="none" w="med" len="med"/>
+                    </a:lnR>
+                    <a:lnT w="12700" cap="flat" cmpd="sng" algn="ctr">
+                      <a:solidFill>
+                        <a:schemeClr val="tx1"/>
+                      </a:solidFill>
+                      <a:prstDash val="solid"/>
+                      <a:round/>
+                      <a:headEnd type="none" w="med" len="med"/>
+                      <a:tailEnd type="none" w="med" len="med"/>
+                    </a:lnT>
+                    <a:lnB w="12700" cap="flat" cmpd="sng" algn="ctr">
+                      <a:solidFill>
+                        <a:schemeClr val="tx1"/>
+                      </a:solidFill>
+                      <a:prstDash val="solid"/>
+                      <a:round/>
+                      <a:headEnd type="none" w="med" len="med"/>
+                      <a:tailEnd type="none" w="med" len="med"/>
+                    </a:lnB>
+                  </a:tcPr>
+                </a:tc>
+                <a:tc>
+                  <a:txBody>
+                    <a:bodyPr/>
+                    <a:lstStyle/>
+                    <a:p>
+                      <a:pPr marL="0" algn="l" defTabSz="914400" rtl="0" eaLnBrk="1" latinLnBrk="0" hangingPunct="1"/>
+                      <a:r>
+                        <a:rPr lang="zh-CN" altLang="en-US" sz="1400" kern="1200" dirty="0">
+                          <a:solidFill>
+                            <a:schemeClr val="tx1"/>
+                          </a:solidFill>
+                          <a:latin typeface="+mn-lt"/>
+                          <a:ea typeface="+mn-ea"/>
+                          <a:cs typeface="+mn-cs"/>
+                        </a:rPr>
+                        <a:t>存储方法调用时的栈帧，栈帧里面有方法调用上下文，局部变量表等信息。</a:t>
+                      </a:r>
+                    </a:p>
+                  </a:txBody>
+                  <a:tcPr anchor="ctr">
+                    <a:lnL w="12700" cap="flat" cmpd="sng" algn="ctr">
+                      <a:solidFill>
+                        <a:schemeClr val="tx1"/>
+                      </a:solidFill>
+                      <a:prstDash val="solid"/>
+                      <a:round/>
+                      <a:headEnd type="none" w="med" len="med"/>
+                      <a:tailEnd type="none" w="med" len="med"/>
+                    </a:lnL>
+                    <a:lnR w="12700" cap="flat" cmpd="sng" algn="ctr">
+                      <a:solidFill>
+                        <a:schemeClr val="tx1"/>
+                      </a:solidFill>
+                      <a:prstDash val="solid"/>
+                      <a:round/>
+                      <a:headEnd type="none" w="med" len="med"/>
+                      <a:tailEnd type="none" w="med" len="med"/>
+                    </a:lnR>
+                    <a:lnT w="12700" cap="flat" cmpd="sng" algn="ctr">
+                      <a:solidFill>
+                        <a:schemeClr val="tx1"/>
+                      </a:solidFill>
+                      <a:prstDash val="solid"/>
+                      <a:round/>
+                      <a:headEnd type="none" w="med" len="med"/>
+                      <a:tailEnd type="none" w="med" len="med"/>
+                    </a:lnT>
+                    <a:lnB w="12700" cap="flat" cmpd="sng" algn="ctr">
+                      <a:solidFill>
+                        <a:schemeClr val="tx1"/>
+                      </a:solidFill>
+                      <a:prstDash val="solid"/>
+                      <a:round/>
+                      <a:headEnd type="none" w="med" len="med"/>
+                      <a:tailEnd type="none" w="med" len="med"/>
+                    </a:lnB>
+                  </a:tcPr>
+                </a:tc>
+                <a:extLst>
+                  <a:ext uri="{0D108BD9-81ED-4DB2-BD59-A6C34878D82A}">
+                    <a16:rowId xmlns:a16="http://schemas.microsoft.com/office/drawing/2014/main" val="3672336433"/>
+                  </a:ext>
+                </a:extLst>
+              </a:tr>
+              <a:tr h="671485">
+                <a:tc>
+                  <a:txBody>
+                    <a:bodyPr/>
+                    <a:lstStyle/>
+                    <a:p>
+                      <a:pPr algn="ctr"/>
+                      <a:r>
+                        <a:rPr lang="zh-CN" altLang="en-US" sz="1400" dirty="0"/>
+                        <a:t>内存分配</a:t>
+                      </a:r>
+                    </a:p>
+                  </a:txBody>
+                  <a:tcPr anchor="ctr">
+                    <a:lnL w="12700" cap="flat" cmpd="sng" algn="ctr">
+                      <a:solidFill>
+                        <a:schemeClr val="tx1"/>
+                      </a:solidFill>
+                      <a:prstDash val="solid"/>
+                      <a:round/>
+                      <a:headEnd type="none" w="med" len="med"/>
+                      <a:tailEnd type="none" w="med" len="med"/>
+                    </a:lnL>
+                    <a:lnR w="12700" cap="flat" cmpd="sng" algn="ctr">
+                      <a:solidFill>
+                        <a:schemeClr val="tx1"/>
+                      </a:solidFill>
+                      <a:prstDash val="solid"/>
+                      <a:round/>
+                      <a:headEnd type="none" w="med" len="med"/>
+                      <a:tailEnd type="none" w="med" len="med"/>
+                    </a:lnR>
+                    <a:lnT w="12700" cap="flat" cmpd="sng" algn="ctr">
+                      <a:solidFill>
+                        <a:schemeClr val="tx1"/>
+                      </a:solidFill>
+                      <a:prstDash val="solid"/>
+                      <a:round/>
+                      <a:headEnd type="none" w="med" len="med"/>
+                      <a:tailEnd type="none" w="med" len="med"/>
+                    </a:lnT>
+                    <a:lnB w="12700" cap="flat" cmpd="sng" algn="ctr">
+                      <a:solidFill>
+                        <a:schemeClr val="tx1"/>
+                      </a:solidFill>
+                      <a:prstDash val="solid"/>
+                      <a:round/>
+                      <a:headEnd type="none" w="med" len="med"/>
+                      <a:tailEnd type="none" w="med" len="med"/>
+                    </a:lnB>
+                  </a:tcPr>
+                </a:tc>
+                <a:tc>
+                  <a:txBody>
+                    <a:bodyPr/>
+                    <a:lstStyle/>
+                    <a:p>
+                      <a:pPr marL="0" algn="l" defTabSz="914400" rtl="0" eaLnBrk="1" latinLnBrk="0" hangingPunct="1"/>
+                      <a:r>
+                        <a:rPr lang="zh-CN" altLang="en-US" sz="1400" kern="1200" dirty="0">
+                          <a:solidFill>
+                            <a:schemeClr val="tx1"/>
+                          </a:solidFill>
+                          <a:latin typeface="+mn-lt"/>
+                          <a:ea typeface="+mn-ea"/>
+                          <a:cs typeface="+mn-cs"/>
+                        </a:rPr>
+                        <a:t>由 </a:t>
+                      </a:r>
+                      <a:r>
+                        <a:rPr lang="en-US" altLang="zh-CN" sz="1400" kern="1200" dirty="0">
+                          <a:solidFill>
+                            <a:schemeClr val="tx1"/>
+                          </a:solidFill>
+                          <a:latin typeface="+mn-lt"/>
+                          <a:ea typeface="+mn-ea"/>
+                          <a:cs typeface="+mn-cs"/>
+                        </a:rPr>
+                        <a:t>JVM </a:t>
+                      </a:r>
+                      <a:r>
+                        <a:rPr lang="zh-CN" altLang="en-US" sz="1400" kern="1200" dirty="0">
+                          <a:solidFill>
+                            <a:schemeClr val="tx1"/>
+                          </a:solidFill>
+                          <a:latin typeface="+mn-lt"/>
+                          <a:ea typeface="+mn-ea"/>
+                          <a:cs typeface="+mn-cs"/>
+                        </a:rPr>
+                        <a:t>动态分配和管理，对象实例一般通过 </a:t>
+                      </a:r>
+                      <a:r>
+                        <a:rPr lang="en-US" altLang="zh-CN" sz="1400" kern="1200" dirty="0">
+                          <a:solidFill>
+                            <a:schemeClr val="tx1"/>
+                          </a:solidFill>
+                          <a:latin typeface="+mn-lt"/>
+                          <a:ea typeface="+mn-ea"/>
+                          <a:cs typeface="+mn-cs"/>
+                        </a:rPr>
+                        <a:t>new </a:t>
+                      </a:r>
+                      <a:r>
+                        <a:rPr lang="zh-CN" altLang="en-US" sz="1400" kern="1200" dirty="0">
+                          <a:solidFill>
+                            <a:schemeClr val="tx1"/>
+                          </a:solidFill>
+                          <a:latin typeface="+mn-lt"/>
+                          <a:ea typeface="+mn-ea"/>
+                          <a:cs typeface="+mn-cs"/>
+                        </a:rPr>
+                        <a:t>关键字来在堆中分配内存。</a:t>
+                      </a:r>
+                    </a:p>
+                  </a:txBody>
+                  <a:tcPr anchor="ctr">
+                    <a:lnL w="12700" cap="flat" cmpd="sng" algn="ctr">
+                      <a:solidFill>
+                        <a:schemeClr val="tx1"/>
+                      </a:solidFill>
+                      <a:prstDash val="solid"/>
+                      <a:round/>
+                      <a:headEnd type="none" w="med" len="med"/>
+                      <a:tailEnd type="none" w="med" len="med"/>
+                    </a:lnL>
+                    <a:lnR w="12700" cap="flat" cmpd="sng" algn="ctr">
+                      <a:solidFill>
+                        <a:schemeClr val="tx1"/>
+                      </a:solidFill>
+                      <a:prstDash val="solid"/>
+                      <a:round/>
+                      <a:headEnd type="none" w="med" len="med"/>
+                      <a:tailEnd type="none" w="med" len="med"/>
+                    </a:lnR>
+                    <a:lnT w="12700" cap="flat" cmpd="sng" algn="ctr">
+                      <a:solidFill>
+                        <a:schemeClr val="tx1"/>
+                      </a:solidFill>
+                      <a:prstDash val="solid"/>
+                      <a:round/>
+                      <a:headEnd type="none" w="med" len="med"/>
+                      <a:tailEnd type="none" w="med" len="med"/>
+                    </a:lnT>
+                    <a:lnB w="12700" cap="flat" cmpd="sng" algn="ctr">
+                      <a:solidFill>
+                        <a:schemeClr val="tx1"/>
+                      </a:solidFill>
+                      <a:prstDash val="solid"/>
+                      <a:round/>
+                      <a:headEnd type="none" w="med" len="med"/>
+                      <a:tailEnd type="none" w="med" len="med"/>
+                    </a:lnB>
+                  </a:tcPr>
+                </a:tc>
+                <a:tc>
+                  <a:txBody>
+                    <a:bodyPr/>
+                    <a:lstStyle/>
+                    <a:p>
+                      <a:r>
+                        <a:rPr lang="zh-CN" altLang="en-US" sz="1400" dirty="0"/>
+                        <a:t>在方法调用时动态创建栈帧，压入栈中。</a:t>
+                      </a:r>
+                    </a:p>
+                  </a:txBody>
+                  <a:tcPr anchor="ctr">
+                    <a:lnL w="12700" cap="flat" cmpd="sng" algn="ctr">
+                      <a:solidFill>
+                        <a:schemeClr val="tx1"/>
+                      </a:solidFill>
+                      <a:prstDash val="solid"/>
+                      <a:round/>
+                      <a:headEnd type="none" w="med" len="med"/>
+                      <a:tailEnd type="none" w="med" len="med"/>
+                    </a:lnL>
+                    <a:lnR w="12700" cap="flat" cmpd="sng" algn="ctr">
+                      <a:solidFill>
+                        <a:schemeClr val="tx1"/>
+                      </a:solidFill>
+                      <a:prstDash val="solid"/>
+                      <a:round/>
+                      <a:headEnd type="none" w="med" len="med"/>
+                      <a:tailEnd type="none" w="med" len="med"/>
+                    </a:lnR>
+                    <a:lnT w="12700" cap="flat" cmpd="sng" algn="ctr">
+                      <a:solidFill>
+                        <a:schemeClr val="tx1"/>
+                      </a:solidFill>
+                      <a:prstDash val="solid"/>
+                      <a:round/>
+                      <a:headEnd type="none" w="med" len="med"/>
+                      <a:tailEnd type="none" w="med" len="med"/>
+                    </a:lnT>
+                    <a:lnB w="12700" cap="flat" cmpd="sng" algn="ctr">
+                      <a:solidFill>
+                        <a:schemeClr val="tx1"/>
+                      </a:solidFill>
+                      <a:prstDash val="solid"/>
+                      <a:round/>
+                      <a:headEnd type="none" w="med" len="med"/>
+                      <a:tailEnd type="none" w="med" len="med"/>
+                    </a:lnB>
+                  </a:tcPr>
+                </a:tc>
+                <a:extLst>
+                  <a:ext uri="{0D108BD9-81ED-4DB2-BD59-A6C34878D82A}">
+                    <a16:rowId xmlns:a16="http://schemas.microsoft.com/office/drawing/2014/main" val="3318727923"/>
+                  </a:ext>
+                </a:extLst>
+              </a:tr>
+              <a:tr h="671485">
+                <a:tc>
+                  <a:txBody>
+                    <a:bodyPr/>
+                    <a:lstStyle/>
+                    <a:p>
+                      <a:pPr algn="ctr"/>
+                      <a:r>
+                        <a:rPr lang="zh-CN" altLang="en-US" sz="1400" dirty="0"/>
+                        <a:t>生命周期</a:t>
+                      </a:r>
+                    </a:p>
+                  </a:txBody>
+                  <a:tcPr anchor="ctr">
+                    <a:lnL w="12700" cap="flat" cmpd="sng" algn="ctr">
+                      <a:solidFill>
+                        <a:schemeClr val="tx1"/>
+                      </a:solidFill>
+                      <a:prstDash val="solid"/>
+                      <a:round/>
+                      <a:headEnd type="none" w="med" len="med"/>
+                      <a:tailEnd type="none" w="med" len="med"/>
+                    </a:lnL>
+                    <a:lnR w="12700" cap="flat" cmpd="sng" algn="ctr">
+                      <a:solidFill>
+                        <a:schemeClr val="tx1"/>
+                      </a:solidFill>
+                      <a:prstDash val="solid"/>
+                      <a:round/>
+                      <a:headEnd type="none" w="med" len="med"/>
+                      <a:tailEnd type="none" w="med" len="med"/>
+                    </a:lnR>
+                    <a:lnT w="12700" cap="flat" cmpd="sng" algn="ctr">
+                      <a:solidFill>
+                        <a:schemeClr val="tx1"/>
+                      </a:solidFill>
+                      <a:prstDash val="solid"/>
+                      <a:round/>
+                      <a:headEnd type="none" w="med" len="med"/>
+                      <a:tailEnd type="none" w="med" len="med"/>
+                    </a:lnT>
+                    <a:lnB w="12700" cap="flat" cmpd="sng" algn="ctr">
+                      <a:solidFill>
+                        <a:schemeClr val="tx1"/>
+                      </a:solidFill>
+                      <a:prstDash val="solid"/>
+                      <a:round/>
+                      <a:headEnd type="none" w="med" len="med"/>
+                      <a:tailEnd type="none" w="med" len="med"/>
+                    </a:lnB>
+                  </a:tcPr>
+                </a:tc>
+                <a:tc>
+                  <a:txBody>
+                    <a:bodyPr/>
+                    <a:lstStyle/>
+                    <a:p>
+                      <a:r>
+                        <a:rPr lang="zh-CN" altLang="en-US" sz="1400" dirty="0"/>
+                        <a:t>对象在 </a:t>
+                      </a:r>
+                      <a:r>
+                        <a:rPr lang="en-US" altLang="zh-CN" sz="1400" dirty="0"/>
+                        <a:t>Java </a:t>
+                      </a:r>
+                      <a:r>
+                        <a:rPr lang="zh-CN" altLang="en-US" sz="1400" dirty="0"/>
+                        <a:t>堆上分配内存后，其生命周期可以贯穿整个 </a:t>
+                      </a:r>
+                      <a:r>
+                        <a:rPr lang="en-US" altLang="zh-CN" sz="1400" dirty="0"/>
+                        <a:t>Java </a:t>
+                      </a:r>
+                      <a:r>
+                        <a:rPr lang="zh-CN" altLang="en-US" sz="1400" dirty="0"/>
+                        <a:t>程序的运行。</a:t>
+                      </a:r>
+                    </a:p>
+                  </a:txBody>
+                  <a:tcPr anchor="ctr">
+                    <a:lnL w="12700" cap="flat" cmpd="sng" algn="ctr">
+                      <a:solidFill>
+                        <a:schemeClr val="tx1"/>
+                      </a:solidFill>
+                      <a:prstDash val="solid"/>
+                      <a:round/>
+                      <a:headEnd type="none" w="med" len="med"/>
+                      <a:tailEnd type="none" w="med" len="med"/>
+                    </a:lnL>
+                    <a:lnR w="12700" cap="flat" cmpd="sng" algn="ctr">
+                      <a:solidFill>
+                        <a:schemeClr val="tx1"/>
+                      </a:solidFill>
+                      <a:prstDash val="solid"/>
+                      <a:round/>
+                      <a:headEnd type="none" w="med" len="med"/>
+                      <a:tailEnd type="none" w="med" len="med"/>
+                    </a:lnR>
+                    <a:lnT w="12700" cap="flat" cmpd="sng" algn="ctr">
+                      <a:solidFill>
+                        <a:schemeClr val="tx1"/>
+                      </a:solidFill>
+                      <a:prstDash val="solid"/>
+                      <a:round/>
+                      <a:headEnd type="none" w="med" len="med"/>
+                      <a:tailEnd type="none" w="med" len="med"/>
+                    </a:lnT>
+                    <a:lnB w="12700" cap="flat" cmpd="sng" algn="ctr">
+                      <a:solidFill>
+                        <a:schemeClr val="tx1"/>
+                      </a:solidFill>
+                      <a:prstDash val="solid"/>
+                      <a:round/>
+                      <a:headEnd type="none" w="med" len="med"/>
+                      <a:tailEnd type="none" w="med" len="med"/>
+                    </a:lnB>
+                  </a:tcPr>
+                </a:tc>
+                <a:tc>
+                  <a:txBody>
+                    <a:bodyPr/>
+                    <a:lstStyle/>
+                    <a:p>
+                      <a:r>
+                        <a:rPr lang="zh-CN" altLang="en-US" sz="1400" dirty="0"/>
+                        <a:t>虚拟机栈中的栈帧则取决于方法何时调用和返回。</a:t>
+                      </a:r>
+                    </a:p>
+                  </a:txBody>
+                  <a:tcPr anchor="ctr">
+                    <a:lnL w="12700" cap="flat" cmpd="sng" algn="ctr">
+                      <a:solidFill>
+                        <a:schemeClr val="tx1"/>
+                      </a:solidFill>
+                      <a:prstDash val="solid"/>
+                      <a:round/>
+                      <a:headEnd type="none" w="med" len="med"/>
+                      <a:tailEnd type="none" w="med" len="med"/>
+                    </a:lnL>
+                    <a:lnR w="12700" cap="flat" cmpd="sng" algn="ctr">
+                      <a:solidFill>
+                        <a:schemeClr val="tx1"/>
+                      </a:solidFill>
+                      <a:prstDash val="solid"/>
+                      <a:round/>
+                      <a:headEnd type="none" w="med" len="med"/>
+                      <a:tailEnd type="none" w="med" len="med"/>
+                    </a:lnR>
+                    <a:lnT w="12700" cap="flat" cmpd="sng" algn="ctr">
+                      <a:solidFill>
+                        <a:schemeClr val="tx1"/>
+                      </a:solidFill>
+                      <a:prstDash val="solid"/>
+                      <a:round/>
+                      <a:headEnd type="none" w="med" len="med"/>
+                      <a:tailEnd type="none" w="med" len="med"/>
+                    </a:lnT>
+                    <a:lnB w="12700" cap="flat" cmpd="sng" algn="ctr">
+                      <a:solidFill>
+                        <a:schemeClr val="tx1"/>
+                      </a:solidFill>
+                      <a:prstDash val="solid"/>
+                      <a:round/>
+                      <a:headEnd type="none" w="med" len="med"/>
+                      <a:tailEnd type="none" w="med" len="med"/>
+                    </a:lnB>
+                  </a:tcPr>
+                </a:tc>
+                <a:extLst>
+                  <a:ext uri="{0D108BD9-81ED-4DB2-BD59-A6C34878D82A}">
+                    <a16:rowId xmlns:a16="http://schemas.microsoft.com/office/drawing/2014/main" val="3467405878"/>
+                  </a:ext>
+                </a:extLst>
+              </a:tr>
+            </a:tbl>
+          </a:graphicData>
+        </a:graphic>
+      </p:graphicFrame>
+    </p:spTree>
+    <p:extLst>
+      <p:ext uri="{BB962C8B-B14F-4D97-AF65-F5344CB8AC3E}">
+        <p14:creationId xmlns:p14="http://schemas.microsoft.com/office/powerpoint/2010/main" val="678888196"/>
+      </p:ext>
+    </p:extLst>
+  </p:cSld>
+  <p:clrMapOvr>
+    <a:masterClrMapping/>
+  </p:clrMapOvr>
+</p:sld>
+</file>
+
+<file path=ppt/slides/slide29.xml><?xml version="1.0" encoding="utf-8"?>
+<p:sld xmlns:a="http://schemas.openxmlformats.org/drawingml/2006/main" xmlns:r="http://schemas.openxmlformats.org/officeDocument/2006/relationships" xmlns:p="http://schemas.openxmlformats.org/presentationml/2006/main">
+  <p:cSld>
+    <p:spTree>
+      <p:nvGrpSpPr>
+        <p:cNvPr id="1" name=""/>
+        <p:cNvGrpSpPr/>
+        <p:nvPr/>
+      </p:nvGrpSpPr>
+      <p:grpSpPr>
+        <a:xfrm>
+          <a:off x="0" y="0"/>
+          <a:ext cx="0" cy="0"/>
+          <a:chOff x="0" y="0"/>
+          <a:chExt cx="0" cy="0"/>
+        </a:xfrm>
+      </p:grpSpPr>
+      <p:sp>
+        <p:nvSpPr>
+          <p:cNvPr id="47" name="Rectangle 39"/>
+          <p:cNvSpPr>
+            <a:spLocks noChangeArrowheads="1"/>
+          </p:cNvSpPr>
+          <p:nvPr/>
+        </p:nvSpPr>
+        <p:spPr bwMode="auto">
+          <a:xfrm>
+            <a:off x="416159" y="278281"/>
+            <a:ext cx="4515881" cy="307777"/>
+          </a:xfrm>
+          <a:prstGeom prst="rect">
+            <a:avLst/>
+          </a:prstGeom>
+          <a:noFill/>
+          <a:ln>
+            <a:noFill/>
+          </a:ln>
+          <a:extLst>
+            <a:ext uri="{909E8E84-426E-40DD-AFC4-6F175D3DCCD1}">
+              <a14:hiddenFill xmlns:a14="http://schemas.microsoft.com/office/drawing/2010/main">
+                <a:solidFill>
+                  <a:srgbClr val="FFFFFF"/>
+                </a:solidFill>
+              </a14:hiddenFill>
+            </a:ext>
+            <a:ext uri="{91240B29-F687-4F45-9708-019B960494DF}">
+              <a14:hiddenLine xmlns:a14="http://schemas.microsoft.com/office/drawing/2010/main" w="9525">
+                <a:solidFill>
+                  <a:srgbClr val="000000"/>
+                </a:solidFill>
+                <a:miter lim="800000"/>
+                <a:headEnd/>
+                <a:tailEnd/>
+              </a14:hiddenLine>
+            </a:ext>
+          </a:extLst>
+        </p:spPr>
+        <p:txBody>
+          <a:bodyPr wrap="square" lIns="0" tIns="0" rIns="0" bIns="0">
+            <a:spAutoFit/>
+          </a:bodyPr>
+          <a:lstStyle/>
+          <a:p>
+            <a:pPr>
+              <a:buFont typeface="Arial" pitchFamily="34" charset="0"/>
+              <a:buNone/>
+            </a:pPr>
+            <a:r>
+              <a:rPr lang="zh-CN" altLang="en-US" sz="2000" dirty="0">
+                <a:solidFill>
+                  <a:schemeClr val="accent1"/>
+                </a:solidFill>
+                <a:latin typeface="微软雅黑" pitchFamily="34" charset="-122"/>
+                <a:ea typeface="微软雅黑" pitchFamily="34" charset="-122"/>
+              </a:rPr>
+              <a:t>什么时候会出现堆栈溢出呢？如何排查？</a:t>
+            </a:r>
+          </a:p>
+        </p:txBody>
+      </p:sp>
+      <p:grpSp>
+        <p:nvGrpSpPr>
+          <p:cNvPr id="48" name="组合 47"/>
+          <p:cNvGrpSpPr/>
+          <p:nvPr/>
+        </p:nvGrpSpPr>
+        <p:grpSpPr>
+          <a:xfrm>
+            <a:off x="416158" y="699542"/>
+            <a:ext cx="899592" cy="56017"/>
+            <a:chOff x="0" y="2842590"/>
+            <a:chExt cx="7054752" cy="89199"/>
+          </a:xfrm>
+        </p:grpSpPr>
+        <p:sp>
+          <p:nvSpPr>
+            <p:cNvPr id="49" name="矩形 48"/>
+            <p:cNvSpPr/>
+            <p:nvPr/>
+          </p:nvSpPr>
+          <p:spPr>
+            <a:xfrm>
+              <a:off x="0" y="2842590"/>
+              <a:ext cx="1763688" cy="89199"/>
+            </a:xfrm>
+            <a:prstGeom prst="rect">
+              <a:avLst/>
+            </a:prstGeom>
+            <a:solidFill>
+              <a:schemeClr val="accent1"/>
+            </a:solidFill>
+            <a:ln>
+              <a:noFill/>
+            </a:ln>
+          </p:spPr>
+          <p:style>
+            <a:lnRef idx="2">
+              <a:schemeClr val="accent1">
+                <a:shade val="50000"/>
+              </a:schemeClr>
+            </a:lnRef>
+            <a:fillRef idx="1">
+              <a:schemeClr val="accent1"/>
+            </a:fillRef>
+            <a:effectRef idx="0">
+              <a:schemeClr val="accent1"/>
+            </a:effectRef>
+            <a:fontRef idx="minor">
+              <a:schemeClr val="lt1"/>
+            </a:fontRef>
+          </p:style>
+          <p:txBody>
+            <a:bodyPr rtlCol="0" anchor="ctr"/>
+            <a:lstStyle/>
+            <a:p>
+              <a:pPr algn="ctr"/>
+              <a:endParaRPr lang="zh-CN" altLang="en-US"/>
+            </a:p>
+          </p:txBody>
+        </p:sp>
+        <p:sp>
+          <p:nvSpPr>
+            <p:cNvPr id="50" name="矩形 49"/>
+            <p:cNvSpPr/>
+            <p:nvPr/>
+          </p:nvSpPr>
+          <p:spPr>
+            <a:xfrm>
+              <a:off x="1763688" y="2842590"/>
+              <a:ext cx="1763688" cy="89199"/>
+            </a:xfrm>
+            <a:prstGeom prst="rect">
+              <a:avLst/>
+            </a:prstGeom>
+            <a:solidFill>
+              <a:schemeClr val="accent2"/>
+            </a:solidFill>
+            <a:ln>
+              <a:noFill/>
+            </a:ln>
+          </p:spPr>
+          <p:style>
+            <a:lnRef idx="2">
+              <a:schemeClr val="accent1">
+                <a:shade val="50000"/>
+              </a:schemeClr>
+            </a:lnRef>
+            <a:fillRef idx="1">
+              <a:schemeClr val="accent1"/>
+            </a:fillRef>
+            <a:effectRef idx="0">
+              <a:schemeClr val="accent1"/>
+            </a:effectRef>
+            <a:fontRef idx="minor">
+              <a:schemeClr val="lt1"/>
+            </a:fontRef>
+          </p:style>
+          <p:txBody>
+            <a:bodyPr rtlCol="0" anchor="ctr"/>
+            <a:lstStyle/>
+            <a:p>
+              <a:pPr algn="ctr"/>
+              <a:endParaRPr lang="zh-CN" altLang="en-US"/>
+            </a:p>
+          </p:txBody>
+        </p:sp>
+        <p:sp>
+          <p:nvSpPr>
+            <p:cNvPr id="51" name="矩形 50"/>
+            <p:cNvSpPr/>
+            <p:nvPr/>
+          </p:nvSpPr>
+          <p:spPr>
+            <a:xfrm>
+              <a:off x="3527376" y="2842590"/>
+              <a:ext cx="1763688" cy="89199"/>
+            </a:xfrm>
+            <a:prstGeom prst="rect">
+              <a:avLst/>
+            </a:prstGeom>
+            <a:solidFill>
+              <a:schemeClr val="accent3"/>
+            </a:solidFill>
+            <a:ln>
+              <a:noFill/>
+            </a:ln>
+          </p:spPr>
+          <p:style>
+            <a:lnRef idx="2">
+              <a:schemeClr val="accent1">
+                <a:shade val="50000"/>
+              </a:schemeClr>
+            </a:lnRef>
+            <a:fillRef idx="1">
+              <a:schemeClr val="accent1"/>
+            </a:fillRef>
+            <a:effectRef idx="0">
+              <a:schemeClr val="accent1"/>
+            </a:effectRef>
+            <a:fontRef idx="minor">
+              <a:schemeClr val="lt1"/>
+            </a:fontRef>
+          </p:style>
+          <p:txBody>
+            <a:bodyPr rtlCol="0" anchor="ctr"/>
+            <a:lstStyle/>
+            <a:p>
+              <a:pPr algn="ctr"/>
+              <a:endParaRPr lang="zh-CN" altLang="en-US"/>
+            </a:p>
+          </p:txBody>
+        </p:sp>
+        <p:sp>
+          <p:nvSpPr>
+            <p:cNvPr id="52" name="矩形 51"/>
+            <p:cNvSpPr/>
+            <p:nvPr/>
+          </p:nvSpPr>
+          <p:spPr>
+            <a:xfrm>
+              <a:off x="5291064" y="2842590"/>
+              <a:ext cx="1763688" cy="89199"/>
+            </a:xfrm>
+            <a:prstGeom prst="rect">
+              <a:avLst/>
+            </a:prstGeom>
+            <a:solidFill>
+              <a:schemeClr val="accent4"/>
+            </a:solidFill>
+            <a:ln>
+              <a:noFill/>
+            </a:ln>
+          </p:spPr>
+          <p:style>
+            <a:lnRef idx="2">
+              <a:schemeClr val="accent1">
+                <a:shade val="50000"/>
+              </a:schemeClr>
+            </a:lnRef>
+            <a:fillRef idx="1">
+              <a:schemeClr val="accent1"/>
+            </a:fillRef>
+            <a:effectRef idx="0">
+              <a:schemeClr val="accent1"/>
+            </a:effectRef>
+            <a:fontRef idx="minor">
+              <a:schemeClr val="lt1"/>
+            </a:fontRef>
+          </p:style>
+          <p:txBody>
+            <a:bodyPr rtlCol="0" anchor="ctr"/>
+            <a:lstStyle/>
+            <a:p>
+              <a:pPr algn="ctr"/>
+              <a:endParaRPr lang="zh-CN" altLang="en-US"/>
+            </a:p>
+          </p:txBody>
+        </p:sp>
+      </p:grpSp>
+      <p:graphicFrame>
+        <p:nvGraphicFramePr>
+          <p:cNvPr id="9" name="表格 3">
+            <a:extLst>
+              <a:ext uri="{FF2B5EF4-FFF2-40B4-BE49-F238E27FC236}">
+                <a16:creationId xmlns:a16="http://schemas.microsoft.com/office/drawing/2014/main" id="{DC3B7427-AA5F-49F7-B1A9-4D4D440E9BEE}"/>
+              </a:ext>
+            </a:extLst>
+          </p:cNvPr>
+          <p:cNvGraphicFramePr>
+            <a:graphicFrameLocks noGrp="1"/>
+          </p:cNvGraphicFramePr>
+          <p:nvPr>
+            <p:extLst>
+              <p:ext uri="{D42A27DB-BD31-4B8C-83A1-F6EECF244321}">
+                <p14:modId xmlns:p14="http://schemas.microsoft.com/office/powerpoint/2010/main" val="2185771508"/>
+              </p:ext>
+            </p:extLst>
+          </p:nvPr>
+        </p:nvGraphicFramePr>
+        <p:xfrm>
+          <a:off x="611560" y="1635646"/>
+          <a:ext cx="8219856" cy="1976405"/>
+        </p:xfrm>
+        <a:graphic>
+          <a:graphicData uri="http://schemas.openxmlformats.org/drawingml/2006/table">
+            <a:tbl>
+              <a:tblPr firstRow="1" bandRow="1">
+                <a:tableStyleId>{2D5ABB26-0587-4C30-8999-92F81FD0307C}</a:tableStyleId>
+              </a:tblPr>
+              <a:tblGrid>
+                <a:gridCol w="2531225">
+                  <a:extLst>
+                    <a:ext uri="{9D8B030D-6E8A-4147-A177-3AD203B41FA5}">
+                      <a16:colId xmlns:a16="http://schemas.microsoft.com/office/drawing/2014/main" val="3074722771"/>
+                    </a:ext>
+                  </a:extLst>
+                </a:gridCol>
+                <a:gridCol w="2948679">
+                  <a:extLst>
+                    <a:ext uri="{9D8B030D-6E8A-4147-A177-3AD203B41FA5}">
+                      <a16:colId xmlns:a16="http://schemas.microsoft.com/office/drawing/2014/main" val="1383315002"/>
+                    </a:ext>
+                  </a:extLst>
+                </a:gridCol>
+                <a:gridCol w="2739952">
+                  <a:extLst>
+                    <a:ext uri="{9D8B030D-6E8A-4147-A177-3AD203B41FA5}">
+                      <a16:colId xmlns:a16="http://schemas.microsoft.com/office/drawing/2014/main" val="1499940441"/>
+                    </a:ext>
+                  </a:extLst>
+                </a:gridCol>
+              </a:tblGrid>
+              <a:tr h="360040">
+                <a:tc>
+                  <a:txBody>
+                    <a:bodyPr/>
+                    <a:lstStyle/>
+                    <a:p>
+                      <a:pPr algn="ctr"/>
+                      <a:r>
+                        <a:rPr lang="zh-CN" altLang="en-US" sz="1400" dirty="0"/>
+                        <a:t>问题</a:t>
+                      </a:r>
+                    </a:p>
+                  </a:txBody>
+                  <a:tcPr anchor="ctr">
+                    <a:lnL w="12700" cap="flat" cmpd="sng" algn="ctr">
+                      <a:solidFill>
+                        <a:schemeClr val="tx1"/>
+                      </a:solidFill>
+                      <a:prstDash val="solid"/>
+                      <a:round/>
+                      <a:headEnd type="none" w="med" len="med"/>
+                      <a:tailEnd type="none" w="med" len="med"/>
+                    </a:lnL>
+                    <a:lnR w="12700" cap="flat" cmpd="sng" algn="ctr">
+                      <a:solidFill>
+                        <a:schemeClr val="tx1"/>
+                      </a:solidFill>
+                      <a:prstDash val="solid"/>
+                      <a:round/>
+                      <a:headEnd type="none" w="med" len="med"/>
+                      <a:tailEnd type="none" w="med" len="med"/>
+                    </a:lnR>
+                    <a:lnT w="12700" cap="flat" cmpd="sng" algn="ctr">
+                      <a:solidFill>
+                        <a:schemeClr val="tx1"/>
+                      </a:solidFill>
+                      <a:prstDash val="solid"/>
+                      <a:round/>
+                      <a:headEnd type="none" w="med" len="med"/>
+                      <a:tailEnd type="none" w="med" len="med"/>
+                    </a:lnT>
+                    <a:lnB w="12700" cap="flat" cmpd="sng" algn="ctr">
+                      <a:solidFill>
+                        <a:schemeClr val="tx1"/>
+                      </a:solidFill>
+                      <a:prstDash val="solid"/>
+                      <a:round/>
+                      <a:headEnd type="none" w="med" len="med"/>
+                      <a:tailEnd type="none" w="med" len="med"/>
+                    </a:lnB>
+                    <a:solidFill>
+                      <a:schemeClr val="accent2">
+                        <a:lumMod val="20000"/>
+                        <a:lumOff val="80000"/>
+                      </a:schemeClr>
+                    </a:solidFill>
+                  </a:tcPr>
+                </a:tc>
+                <a:tc>
+                  <a:txBody>
+                    <a:bodyPr/>
+                    <a:lstStyle/>
+                    <a:p>
+                      <a:pPr algn="ctr"/>
+                      <a:r>
+                        <a:rPr lang="zh-CN" altLang="en-US" sz="1400" dirty="0"/>
+                        <a:t>什么时候会出现</a:t>
+                      </a:r>
+                    </a:p>
+                  </a:txBody>
+                  <a:tcPr anchor="ctr">
+                    <a:lnL w="12700" cap="flat" cmpd="sng" algn="ctr">
+                      <a:solidFill>
+                        <a:schemeClr val="tx1"/>
+                      </a:solidFill>
+                      <a:prstDash val="solid"/>
+                      <a:round/>
+                      <a:headEnd type="none" w="med" len="med"/>
+                      <a:tailEnd type="none" w="med" len="med"/>
+                    </a:lnL>
+                    <a:lnR w="12700" cap="flat" cmpd="sng" algn="ctr">
+                      <a:solidFill>
+                        <a:schemeClr val="tx1"/>
+                      </a:solidFill>
+                      <a:prstDash val="solid"/>
+                      <a:round/>
+                      <a:headEnd type="none" w="med" len="med"/>
+                      <a:tailEnd type="none" w="med" len="med"/>
+                    </a:lnR>
+                    <a:lnT w="12700" cap="flat" cmpd="sng" algn="ctr">
+                      <a:solidFill>
+                        <a:schemeClr val="tx1"/>
+                      </a:solidFill>
+                      <a:prstDash val="solid"/>
+                      <a:round/>
+                      <a:headEnd type="none" w="med" len="med"/>
+                      <a:tailEnd type="none" w="med" len="med"/>
+                    </a:lnT>
+                    <a:lnB w="12700" cap="flat" cmpd="sng" algn="ctr">
+                      <a:solidFill>
+                        <a:schemeClr val="tx1"/>
+                      </a:solidFill>
+                      <a:prstDash val="solid"/>
+                      <a:round/>
+                      <a:headEnd type="none" w="med" len="med"/>
+                      <a:tailEnd type="none" w="med" len="med"/>
+                    </a:lnB>
+                    <a:solidFill>
+                      <a:schemeClr val="accent2">
+                        <a:lumMod val="20000"/>
+                        <a:lumOff val="80000"/>
+                      </a:schemeClr>
+                    </a:solidFill>
+                  </a:tcPr>
+                </a:tc>
+                <a:tc>
+                  <a:txBody>
+                    <a:bodyPr/>
+                    <a:lstStyle/>
+                    <a:p>
+                      <a:pPr algn="ctr"/>
+                      <a:r>
+                        <a:rPr lang="zh-CN" altLang="en-US" sz="1400" dirty="0"/>
+                        <a:t>如何排查</a:t>
+                      </a:r>
+                    </a:p>
+                  </a:txBody>
+                  <a:tcPr anchor="ctr">
+                    <a:lnL w="12700" cap="flat" cmpd="sng" algn="ctr">
+                      <a:solidFill>
+                        <a:schemeClr val="tx1"/>
+                      </a:solidFill>
+                      <a:prstDash val="solid"/>
+                      <a:round/>
+                      <a:headEnd type="none" w="med" len="med"/>
+                      <a:tailEnd type="none" w="med" len="med"/>
+                    </a:lnL>
+                    <a:lnR w="12700" cap="flat" cmpd="sng" algn="ctr">
+                      <a:solidFill>
+                        <a:schemeClr val="tx1"/>
+                      </a:solidFill>
+                      <a:prstDash val="solid"/>
+                      <a:round/>
+                      <a:headEnd type="none" w="med" len="med"/>
+                      <a:tailEnd type="none" w="med" len="med"/>
+                    </a:lnR>
+                    <a:lnT w="12700" cap="flat" cmpd="sng" algn="ctr">
+                      <a:solidFill>
+                        <a:schemeClr val="tx1"/>
+                      </a:solidFill>
+                      <a:prstDash val="solid"/>
+                      <a:round/>
+                      <a:headEnd type="none" w="med" len="med"/>
+                      <a:tailEnd type="none" w="med" len="med"/>
+                    </a:lnT>
+                    <a:lnB w="12700" cap="flat" cmpd="sng" algn="ctr">
+                      <a:solidFill>
+                        <a:schemeClr val="tx1"/>
+                      </a:solidFill>
+                      <a:prstDash val="solid"/>
+                      <a:round/>
+                      <a:headEnd type="none" w="med" len="med"/>
+                      <a:tailEnd type="none" w="med" len="med"/>
+                    </a:lnB>
+                    <a:solidFill>
+                      <a:schemeClr val="accent2">
+                        <a:lumMod val="20000"/>
+                        <a:lumOff val="80000"/>
+                      </a:schemeClr>
+                    </a:solidFill>
+                  </a:tcPr>
+                </a:tc>
+                <a:extLst>
+                  <a:ext uri="{0D108BD9-81ED-4DB2-BD59-A6C34878D82A}">
+                    <a16:rowId xmlns:a16="http://schemas.microsoft.com/office/drawing/2014/main" val="2026153430"/>
+                  </a:ext>
+                </a:extLst>
+              </a:tr>
+              <a:tr h="671485">
+                <a:tc>
+                  <a:txBody>
+                    <a:bodyPr/>
+                    <a:lstStyle/>
+                    <a:p>
+                      <a:pPr algn="ctr"/>
+                      <a:r>
+                        <a:rPr lang="zh-CN" altLang="en-US" sz="1400" dirty="0"/>
+                        <a:t>堆溢出</a:t>
+                      </a:r>
+                      <a:endParaRPr lang="en-US" altLang="zh-CN" sz="1400" dirty="0"/>
+                    </a:p>
+                    <a:p>
+                      <a:pPr algn="ctr"/>
+                      <a:r>
+                        <a:rPr lang="zh-CN" altLang="en-US" sz="1400" dirty="0"/>
+                        <a:t>（</a:t>
+                      </a:r>
+                      <a:r>
+                        <a:rPr lang="en-US" altLang="zh-CN" sz="1400" dirty="0"/>
+                        <a:t>Out Of Memory, OOM</a:t>
+                      </a:r>
+                      <a:r>
+                        <a:rPr lang="zh-CN" altLang="en-US" sz="1400" dirty="0"/>
+                        <a:t>）</a:t>
+                      </a:r>
+                    </a:p>
+                  </a:txBody>
+                  <a:tcPr anchor="ctr">
+                    <a:lnL w="12700" cap="flat" cmpd="sng" algn="ctr">
+                      <a:solidFill>
+                        <a:schemeClr val="tx1"/>
+                      </a:solidFill>
+                      <a:prstDash val="solid"/>
+                      <a:round/>
+                      <a:headEnd type="none" w="med" len="med"/>
+                      <a:tailEnd type="none" w="med" len="med"/>
+                    </a:lnL>
+                    <a:lnR w="12700" cap="flat" cmpd="sng" algn="ctr">
+                      <a:solidFill>
+                        <a:schemeClr val="tx1"/>
+                      </a:solidFill>
+                      <a:prstDash val="solid"/>
+                      <a:round/>
+                      <a:headEnd type="none" w="med" len="med"/>
+                      <a:tailEnd type="none" w="med" len="med"/>
+                    </a:lnR>
+                    <a:lnT w="12700" cap="flat" cmpd="sng" algn="ctr">
+                      <a:solidFill>
+                        <a:schemeClr val="tx1"/>
+                      </a:solidFill>
+                      <a:prstDash val="solid"/>
+                      <a:round/>
+                      <a:headEnd type="none" w="med" len="med"/>
+                      <a:tailEnd type="none" w="med" len="med"/>
+                    </a:lnT>
+                    <a:lnB w="12700" cap="flat" cmpd="sng" algn="ctr">
+                      <a:solidFill>
+                        <a:schemeClr val="tx1"/>
+                      </a:solidFill>
+                      <a:prstDash val="solid"/>
+                      <a:round/>
+                      <a:headEnd type="none" w="med" len="med"/>
+                      <a:tailEnd type="none" w="med" len="med"/>
+                    </a:lnB>
+                  </a:tcPr>
+                </a:tc>
+                <a:tc>
+                  <a:txBody>
+                    <a:bodyPr/>
+                    <a:lstStyle/>
+                    <a:p>
+                      <a:pPr marL="0" indent="0" algn="l" defTabSz="914400" rtl="0" eaLnBrk="1" latinLnBrk="0" hangingPunct="1">
+                        <a:buFont typeface="Wingdings" panose="05000000000000000000" pitchFamily="2" charset="2"/>
+                        <a:buNone/>
+                      </a:pPr>
+                      <a:r>
+                        <a:rPr lang="zh-CN" altLang="en-US" sz="1400" kern="1200" dirty="0">
+                          <a:solidFill>
+                            <a:schemeClr val="tx1"/>
+                          </a:solidFill>
+                          <a:latin typeface="+mn-lt"/>
+                          <a:ea typeface="+mn-ea"/>
+                          <a:cs typeface="+mn-cs"/>
+                        </a:rPr>
+                        <a:t>一般是由于创建的对象太多，导致超过了堆的最大容量。</a:t>
+                      </a:r>
+                    </a:p>
+                  </a:txBody>
+                  <a:tcPr anchor="ctr">
+                    <a:lnL w="12700" cap="flat" cmpd="sng" algn="ctr">
+                      <a:solidFill>
+                        <a:schemeClr val="tx1"/>
+                      </a:solidFill>
+                      <a:prstDash val="solid"/>
+                      <a:round/>
+                      <a:headEnd type="none" w="med" len="med"/>
+                      <a:tailEnd type="none" w="med" len="med"/>
+                    </a:lnL>
+                    <a:lnR w="12700" cap="flat" cmpd="sng" algn="ctr">
+                      <a:solidFill>
+                        <a:schemeClr val="tx1"/>
+                      </a:solidFill>
+                      <a:prstDash val="solid"/>
+                      <a:round/>
+                      <a:headEnd type="none" w="med" len="med"/>
+                      <a:tailEnd type="none" w="med" len="med"/>
+                    </a:lnR>
+                    <a:lnT w="12700" cap="flat" cmpd="sng" algn="ctr">
+                      <a:solidFill>
+                        <a:schemeClr val="tx1"/>
+                      </a:solidFill>
+                      <a:prstDash val="solid"/>
+                      <a:round/>
+                      <a:headEnd type="none" w="med" len="med"/>
+                      <a:tailEnd type="none" w="med" len="med"/>
+                    </a:lnT>
+                    <a:lnB w="12700" cap="flat" cmpd="sng" algn="ctr">
+                      <a:solidFill>
+                        <a:schemeClr val="tx1"/>
+                      </a:solidFill>
+                      <a:prstDash val="solid"/>
+                      <a:round/>
+                      <a:headEnd type="none" w="med" len="med"/>
+                      <a:tailEnd type="none" w="med" len="med"/>
+                    </a:lnB>
+                  </a:tcPr>
+                </a:tc>
+                <a:tc>
+                  <a:txBody>
+                    <a:bodyPr/>
+                    <a:lstStyle/>
+                    <a:p>
+                      <a:pPr marL="0" indent="0" algn="l" defTabSz="914400" rtl="0" eaLnBrk="1" latinLnBrk="0" hangingPunct="1">
+                        <a:buFont typeface="Arial" panose="020B0604020202020204" pitchFamily="34" charset="0"/>
+                        <a:buNone/>
+                      </a:pPr>
+                      <a:r>
+                        <a:rPr lang="zh-CN" altLang="en-US" sz="1400" kern="1200" dirty="0">
+                          <a:solidFill>
+                            <a:schemeClr val="tx1"/>
+                          </a:solidFill>
+                          <a:latin typeface="+mn-lt"/>
+                          <a:ea typeface="+mn-ea"/>
+                          <a:cs typeface="+mn-cs"/>
+                        </a:rPr>
+                        <a:t>使用</a:t>
+                      </a:r>
+                      <a:r>
+                        <a:rPr lang="en-US" altLang="zh-CN" sz="1400" kern="1200" dirty="0" err="1">
+                          <a:solidFill>
+                            <a:schemeClr val="tx1"/>
+                          </a:solidFill>
+                          <a:latin typeface="+mn-lt"/>
+                          <a:ea typeface="+mn-ea"/>
+                          <a:cs typeface="+mn-cs"/>
+                        </a:rPr>
+                        <a:t>Jconsole</a:t>
+                      </a:r>
+                      <a:r>
+                        <a:rPr lang="zh-CN" altLang="en-US" sz="1400" kern="1200" dirty="0">
+                          <a:solidFill>
+                            <a:schemeClr val="tx1"/>
+                          </a:solidFill>
+                          <a:latin typeface="+mn-lt"/>
+                          <a:ea typeface="+mn-ea"/>
+                          <a:cs typeface="+mn-cs"/>
+                        </a:rPr>
+                        <a:t>，观察溢出对象是否是必要的：</a:t>
+                      </a:r>
+                      <a:endParaRPr lang="en-US" altLang="zh-CN" sz="1400" kern="1200" dirty="0">
+                        <a:solidFill>
+                          <a:schemeClr val="tx1"/>
+                        </a:solidFill>
+                        <a:latin typeface="+mn-lt"/>
+                        <a:ea typeface="+mn-ea"/>
+                        <a:cs typeface="+mn-cs"/>
+                      </a:endParaRPr>
+                    </a:p>
+                    <a:p>
+                      <a:pPr marL="285750" indent="-285750" algn="l" defTabSz="914400" rtl="0" eaLnBrk="1" latinLnBrk="0" hangingPunct="1">
+                        <a:buFont typeface="Arial" panose="020B0604020202020204" pitchFamily="34" charset="0"/>
+                        <a:buChar char="•"/>
+                      </a:pPr>
+                      <a:r>
+                        <a:rPr lang="zh-CN" altLang="en-US" sz="1400" kern="1200" dirty="0">
+                          <a:solidFill>
+                            <a:schemeClr val="tx1"/>
+                          </a:solidFill>
+                          <a:latin typeface="+mn-lt"/>
+                          <a:ea typeface="+mn-ea"/>
+                          <a:cs typeface="+mn-cs"/>
+                        </a:rPr>
+                        <a:t>是必要的</a:t>
+                      </a:r>
+                      <a:endParaRPr lang="en-US" altLang="zh-CN" sz="1400" kern="1200" dirty="0">
+                        <a:solidFill>
+                          <a:schemeClr val="tx1"/>
+                        </a:solidFill>
+                        <a:latin typeface="+mn-lt"/>
+                        <a:ea typeface="+mn-ea"/>
+                        <a:cs typeface="+mn-cs"/>
+                      </a:endParaRPr>
+                    </a:p>
+                    <a:p>
+                      <a:pPr marL="285750" indent="-285750" algn="l" defTabSz="914400" rtl="0" eaLnBrk="1" latinLnBrk="0" hangingPunct="1">
+                        <a:buFont typeface="Arial" panose="020B0604020202020204" pitchFamily="34" charset="0"/>
+                        <a:buChar char="•"/>
+                      </a:pPr>
+                      <a:r>
+                        <a:rPr lang="zh-CN" altLang="en-US" sz="1400" kern="1200" dirty="0">
+                          <a:solidFill>
+                            <a:schemeClr val="tx1"/>
+                          </a:solidFill>
+                          <a:latin typeface="+mn-lt"/>
+                          <a:ea typeface="+mn-ea"/>
+                          <a:cs typeface="+mn-cs"/>
+                        </a:rPr>
+                        <a:t>不是必要的</a:t>
+                      </a:r>
+                      <a:endParaRPr lang="en-US" altLang="zh-CN" sz="1400" kern="1200" dirty="0">
+                        <a:solidFill>
+                          <a:schemeClr val="tx1"/>
+                        </a:solidFill>
+                        <a:latin typeface="+mn-lt"/>
+                        <a:ea typeface="+mn-ea"/>
+                        <a:cs typeface="+mn-cs"/>
+                      </a:endParaRPr>
+                    </a:p>
+                  </a:txBody>
+                  <a:tcPr anchor="ctr">
+                    <a:lnL w="12700" cap="flat" cmpd="sng" algn="ctr">
+                      <a:solidFill>
+                        <a:schemeClr val="tx1"/>
+                      </a:solidFill>
+                      <a:prstDash val="solid"/>
+                      <a:round/>
+                      <a:headEnd type="none" w="med" len="med"/>
+                      <a:tailEnd type="none" w="med" len="med"/>
+                    </a:lnL>
+                    <a:lnR w="12700" cap="flat" cmpd="sng" algn="ctr">
+                      <a:solidFill>
+                        <a:schemeClr val="tx1"/>
+                      </a:solidFill>
+                      <a:prstDash val="solid"/>
+                      <a:round/>
+                      <a:headEnd type="none" w="med" len="med"/>
+                      <a:tailEnd type="none" w="med" len="med"/>
+                    </a:lnR>
+                    <a:lnT w="12700" cap="flat" cmpd="sng" algn="ctr">
+                      <a:solidFill>
+                        <a:schemeClr val="tx1"/>
+                      </a:solidFill>
+                      <a:prstDash val="solid"/>
+                      <a:round/>
+                      <a:headEnd type="none" w="med" len="med"/>
+                      <a:tailEnd type="none" w="med" len="med"/>
+                    </a:lnT>
+                    <a:lnB w="12700" cap="flat" cmpd="sng" algn="ctr">
+                      <a:solidFill>
+                        <a:schemeClr val="tx1"/>
+                      </a:solidFill>
+                      <a:prstDash val="solid"/>
+                      <a:round/>
+                      <a:headEnd type="none" w="med" len="med"/>
+                      <a:tailEnd type="none" w="med" len="med"/>
+                    </a:lnB>
+                  </a:tcPr>
+                </a:tc>
+                <a:extLst>
+                  <a:ext uri="{0D108BD9-81ED-4DB2-BD59-A6C34878D82A}">
+                    <a16:rowId xmlns:a16="http://schemas.microsoft.com/office/drawing/2014/main" val="3672336433"/>
+                  </a:ext>
+                </a:extLst>
+              </a:tr>
+              <a:tr h="671485">
+                <a:tc>
+                  <a:txBody>
+                    <a:bodyPr/>
+                    <a:lstStyle/>
+                    <a:p>
+                      <a:pPr algn="ctr"/>
+                      <a:r>
+                        <a:rPr lang="zh-CN" altLang="en-US" sz="1400" dirty="0"/>
+                        <a:t>栈溢出</a:t>
+                      </a:r>
+                      <a:endParaRPr lang="en-US" altLang="zh-CN" sz="1400" dirty="0"/>
+                    </a:p>
+                    <a:p>
+                      <a:pPr algn="ctr"/>
+                      <a:r>
+                        <a:rPr lang="zh-CN" altLang="en-US" sz="1400" dirty="0"/>
+                        <a:t>（</a:t>
+                      </a:r>
+                      <a:r>
+                        <a:rPr lang="en-US" altLang="zh-CN" sz="1400" dirty="0"/>
+                        <a:t>Stack Overflow</a:t>
+                      </a:r>
+                      <a:r>
+                        <a:rPr lang="zh-CN" altLang="en-US" sz="1400" dirty="0"/>
+                        <a:t>）</a:t>
+                      </a:r>
+                    </a:p>
+                  </a:txBody>
+                  <a:tcPr anchor="ctr">
+                    <a:lnL w="12700" cap="flat" cmpd="sng" algn="ctr">
+                      <a:solidFill>
+                        <a:schemeClr val="tx1"/>
+                      </a:solidFill>
+                      <a:prstDash val="solid"/>
+                      <a:round/>
+                      <a:headEnd type="none" w="med" len="med"/>
+                      <a:tailEnd type="none" w="med" len="med"/>
+                    </a:lnL>
+                    <a:lnR w="12700" cap="flat" cmpd="sng" algn="ctr">
+                      <a:solidFill>
+                        <a:schemeClr val="tx1"/>
+                      </a:solidFill>
+                      <a:prstDash val="solid"/>
+                      <a:round/>
+                      <a:headEnd type="none" w="med" len="med"/>
+                      <a:tailEnd type="none" w="med" len="med"/>
+                    </a:lnR>
+                    <a:lnT w="12700" cap="flat" cmpd="sng" algn="ctr">
+                      <a:solidFill>
+                        <a:schemeClr val="tx1"/>
+                      </a:solidFill>
+                      <a:prstDash val="solid"/>
+                      <a:round/>
+                      <a:headEnd type="none" w="med" len="med"/>
+                      <a:tailEnd type="none" w="med" len="med"/>
+                    </a:lnT>
+                    <a:lnB w="12700" cap="flat" cmpd="sng" algn="ctr">
+                      <a:solidFill>
+                        <a:schemeClr val="tx1"/>
+                      </a:solidFill>
+                      <a:prstDash val="solid"/>
+                      <a:round/>
+                      <a:headEnd type="none" w="med" len="med"/>
+                      <a:tailEnd type="none" w="med" len="med"/>
+                    </a:lnB>
+                  </a:tcPr>
+                </a:tc>
+                <a:tc>
+                  <a:txBody>
+                    <a:bodyPr/>
+                    <a:lstStyle/>
+                    <a:p>
+                      <a:pPr marL="0" algn="l" defTabSz="914400" rtl="0" eaLnBrk="1" latinLnBrk="0" hangingPunct="1"/>
+                      <a:r>
+                        <a:rPr lang="zh-CN" altLang="en-US" sz="1400" kern="1200" dirty="0">
+                          <a:solidFill>
+                            <a:schemeClr val="tx1"/>
+                          </a:solidFill>
+                          <a:latin typeface="+mn-lt"/>
+                          <a:ea typeface="+mn-ea"/>
+                          <a:cs typeface="+mn-cs"/>
+                        </a:rPr>
+                        <a:t>很可能就是存在死循环，过多的递归调用导致把栈撑满了。</a:t>
+                      </a:r>
+                    </a:p>
+                  </a:txBody>
+                  <a:tcPr anchor="ctr">
+                    <a:lnL w="12700" cap="flat" cmpd="sng" algn="ctr">
+                      <a:solidFill>
+                        <a:schemeClr val="tx1"/>
+                      </a:solidFill>
+                      <a:prstDash val="solid"/>
+                      <a:round/>
+                      <a:headEnd type="none" w="med" len="med"/>
+                      <a:tailEnd type="none" w="med" len="med"/>
+                    </a:lnL>
+                    <a:lnR w="12700" cap="flat" cmpd="sng" algn="ctr">
+                      <a:solidFill>
+                        <a:schemeClr val="tx1"/>
+                      </a:solidFill>
+                      <a:prstDash val="solid"/>
+                      <a:round/>
+                      <a:headEnd type="none" w="med" len="med"/>
+                      <a:tailEnd type="none" w="med" len="med"/>
+                    </a:lnR>
+                    <a:lnT w="12700" cap="flat" cmpd="sng" algn="ctr">
+                      <a:solidFill>
+                        <a:schemeClr val="tx1"/>
+                      </a:solidFill>
+                      <a:prstDash val="solid"/>
+                      <a:round/>
+                      <a:headEnd type="none" w="med" len="med"/>
+                      <a:tailEnd type="none" w="med" len="med"/>
+                    </a:lnT>
+                    <a:lnB w="12700" cap="flat" cmpd="sng" algn="ctr">
+                      <a:solidFill>
+                        <a:schemeClr val="tx1"/>
+                      </a:solidFill>
+                      <a:prstDash val="solid"/>
+                      <a:round/>
+                      <a:headEnd type="none" w="med" len="med"/>
+                      <a:tailEnd type="none" w="med" len="med"/>
+                    </a:lnB>
+                  </a:tcPr>
+                </a:tc>
+                <a:tc>
+                  <a:txBody>
+                    <a:bodyPr/>
+                    <a:lstStyle/>
+                    <a:p>
+                      <a:r>
+                        <a:rPr lang="zh-CN" altLang="en-US" sz="1400" dirty="0"/>
+                        <a:t>直接看控制台的堆栈信息，比较容易定位。</a:t>
+                      </a:r>
+                    </a:p>
+                  </a:txBody>
+                  <a:tcPr anchor="ctr">
+                    <a:lnL w="12700" cap="flat" cmpd="sng" algn="ctr">
+                      <a:solidFill>
+                        <a:schemeClr val="tx1"/>
+                      </a:solidFill>
+                      <a:prstDash val="solid"/>
+                      <a:round/>
+                      <a:headEnd type="none" w="med" len="med"/>
+                      <a:tailEnd type="none" w="med" len="med"/>
+                    </a:lnL>
+                    <a:lnR w="12700" cap="flat" cmpd="sng" algn="ctr">
+                      <a:solidFill>
+                        <a:schemeClr val="tx1"/>
+                      </a:solidFill>
+                      <a:prstDash val="solid"/>
+                      <a:round/>
+                      <a:headEnd type="none" w="med" len="med"/>
+                      <a:tailEnd type="none" w="med" len="med"/>
+                    </a:lnR>
+                    <a:lnT w="12700" cap="flat" cmpd="sng" algn="ctr">
+                      <a:solidFill>
+                        <a:schemeClr val="tx1"/>
+                      </a:solidFill>
+                      <a:prstDash val="solid"/>
+                      <a:round/>
+                      <a:headEnd type="none" w="med" len="med"/>
+                      <a:tailEnd type="none" w="med" len="med"/>
+                    </a:lnT>
+                    <a:lnB w="12700" cap="flat" cmpd="sng" algn="ctr">
+                      <a:solidFill>
+                        <a:schemeClr val="tx1"/>
+                      </a:solidFill>
+                      <a:prstDash val="solid"/>
+                      <a:round/>
+                      <a:headEnd type="none" w="med" len="med"/>
+                      <a:tailEnd type="none" w="med" len="med"/>
+                    </a:lnB>
+                  </a:tcPr>
+                </a:tc>
+                <a:extLst>
+                  <a:ext uri="{0D108BD9-81ED-4DB2-BD59-A6C34878D82A}">
+                    <a16:rowId xmlns:a16="http://schemas.microsoft.com/office/drawing/2014/main" val="3318727923"/>
+                  </a:ext>
+                </a:extLst>
+              </a:tr>
+            </a:tbl>
+          </a:graphicData>
+        </a:graphic>
+      </p:graphicFrame>
+    </p:spTree>
+    <p:extLst>
+      <p:ext uri="{BB962C8B-B14F-4D97-AF65-F5344CB8AC3E}">
+        <p14:creationId xmlns:p14="http://schemas.microsoft.com/office/powerpoint/2010/main" val="2530661233"/>
       </p:ext>
     </p:extLst>
   </p:cSld>
@@ -11625,6 +17831,1654 @@
   <p:clrMapOvr>
     <a:masterClrMapping/>
   </p:clrMapOvr>
+</p:sld>
+</file>
+
+<file path=ppt/slides/slide30.xml><?xml version="1.0" encoding="utf-8"?>
+<p:sld xmlns:a="http://schemas.openxmlformats.org/drawingml/2006/main" xmlns:r="http://schemas.openxmlformats.org/officeDocument/2006/relationships" xmlns:p="http://schemas.openxmlformats.org/presentationml/2006/main">
+  <p:cSld>
+    <p:spTree>
+      <p:nvGrpSpPr>
+        <p:cNvPr id="1" name=""/>
+        <p:cNvGrpSpPr/>
+        <p:nvPr/>
+      </p:nvGrpSpPr>
+      <p:grpSpPr>
+        <a:xfrm>
+          <a:off x="0" y="0"/>
+          <a:ext cx="0" cy="0"/>
+          <a:chOff x="0" y="0"/>
+          <a:chExt cx="0" cy="0"/>
+        </a:xfrm>
+      </p:grpSpPr>
+      <p:sp>
+        <p:nvSpPr>
+          <p:cNvPr id="47" name="Rectangle 39"/>
+          <p:cNvSpPr>
+            <a:spLocks noChangeArrowheads="1"/>
+          </p:cNvSpPr>
+          <p:nvPr/>
+        </p:nvSpPr>
+        <p:spPr bwMode="auto">
+          <a:xfrm>
+            <a:off x="416159" y="278281"/>
+            <a:ext cx="4515881" cy="307777"/>
+          </a:xfrm>
+          <a:prstGeom prst="rect">
+            <a:avLst/>
+          </a:prstGeom>
+          <a:noFill/>
+          <a:ln>
+            <a:noFill/>
+          </a:ln>
+          <a:extLst>
+            <a:ext uri="{909E8E84-426E-40DD-AFC4-6F175D3DCCD1}">
+              <a14:hiddenFill xmlns:a14="http://schemas.microsoft.com/office/drawing/2010/main">
+                <a:solidFill>
+                  <a:srgbClr val="FFFFFF"/>
+                </a:solidFill>
+              </a14:hiddenFill>
+            </a:ext>
+            <a:ext uri="{91240B29-F687-4F45-9708-019B960494DF}">
+              <a14:hiddenLine xmlns:a14="http://schemas.microsoft.com/office/drawing/2010/main" w="9525">
+                <a:solidFill>
+                  <a:srgbClr val="000000"/>
+                </a:solidFill>
+                <a:miter lim="800000"/>
+                <a:headEnd/>
+                <a:tailEnd/>
+              </a14:hiddenLine>
+            </a:ext>
+          </a:extLst>
+        </p:spPr>
+        <p:txBody>
+          <a:bodyPr wrap="square" lIns="0" tIns="0" rIns="0" bIns="0">
+            <a:spAutoFit/>
+          </a:bodyPr>
+          <a:lstStyle/>
+          <a:p>
+            <a:pPr>
+              <a:buFont typeface="Arial" pitchFamily="34" charset="0"/>
+              <a:buNone/>
+            </a:pPr>
+            <a:r>
+              <a:rPr lang="zh-CN" altLang="en-US" sz="2000" dirty="0">
+                <a:solidFill>
+                  <a:schemeClr val="accent1"/>
+                </a:solidFill>
+                <a:latin typeface="微软雅黑" pitchFamily="34" charset="-122"/>
+                <a:ea typeface="微软雅黑" pitchFamily="34" charset="-122"/>
+              </a:rPr>
+              <a:t>对象一定是在堆在分配的吗？</a:t>
+            </a:r>
+          </a:p>
+        </p:txBody>
+      </p:sp>
+      <p:grpSp>
+        <p:nvGrpSpPr>
+          <p:cNvPr id="48" name="组合 47"/>
+          <p:cNvGrpSpPr/>
+          <p:nvPr/>
+        </p:nvGrpSpPr>
+        <p:grpSpPr>
+          <a:xfrm>
+            <a:off x="416158" y="699542"/>
+            <a:ext cx="899592" cy="56017"/>
+            <a:chOff x="0" y="2842590"/>
+            <a:chExt cx="7054752" cy="89199"/>
+          </a:xfrm>
+        </p:grpSpPr>
+        <p:sp>
+          <p:nvSpPr>
+            <p:cNvPr id="49" name="矩形 48"/>
+            <p:cNvSpPr/>
+            <p:nvPr/>
+          </p:nvSpPr>
+          <p:spPr>
+            <a:xfrm>
+              <a:off x="0" y="2842590"/>
+              <a:ext cx="1763688" cy="89199"/>
+            </a:xfrm>
+            <a:prstGeom prst="rect">
+              <a:avLst/>
+            </a:prstGeom>
+            <a:solidFill>
+              <a:schemeClr val="accent1"/>
+            </a:solidFill>
+            <a:ln>
+              <a:noFill/>
+            </a:ln>
+          </p:spPr>
+          <p:style>
+            <a:lnRef idx="2">
+              <a:schemeClr val="accent1">
+                <a:shade val="50000"/>
+              </a:schemeClr>
+            </a:lnRef>
+            <a:fillRef idx="1">
+              <a:schemeClr val="accent1"/>
+            </a:fillRef>
+            <a:effectRef idx="0">
+              <a:schemeClr val="accent1"/>
+            </a:effectRef>
+            <a:fontRef idx="minor">
+              <a:schemeClr val="lt1"/>
+            </a:fontRef>
+          </p:style>
+          <p:txBody>
+            <a:bodyPr rtlCol="0" anchor="ctr"/>
+            <a:lstStyle/>
+            <a:p>
+              <a:pPr algn="ctr"/>
+              <a:endParaRPr lang="zh-CN" altLang="en-US"/>
+            </a:p>
+          </p:txBody>
+        </p:sp>
+        <p:sp>
+          <p:nvSpPr>
+            <p:cNvPr id="50" name="矩形 49"/>
+            <p:cNvSpPr/>
+            <p:nvPr/>
+          </p:nvSpPr>
+          <p:spPr>
+            <a:xfrm>
+              <a:off x="1763688" y="2842590"/>
+              <a:ext cx="1763688" cy="89199"/>
+            </a:xfrm>
+            <a:prstGeom prst="rect">
+              <a:avLst/>
+            </a:prstGeom>
+            <a:solidFill>
+              <a:schemeClr val="accent2"/>
+            </a:solidFill>
+            <a:ln>
+              <a:noFill/>
+            </a:ln>
+          </p:spPr>
+          <p:style>
+            <a:lnRef idx="2">
+              <a:schemeClr val="accent1">
+                <a:shade val="50000"/>
+              </a:schemeClr>
+            </a:lnRef>
+            <a:fillRef idx="1">
+              <a:schemeClr val="accent1"/>
+            </a:fillRef>
+            <a:effectRef idx="0">
+              <a:schemeClr val="accent1"/>
+            </a:effectRef>
+            <a:fontRef idx="minor">
+              <a:schemeClr val="lt1"/>
+            </a:fontRef>
+          </p:style>
+          <p:txBody>
+            <a:bodyPr rtlCol="0" anchor="ctr"/>
+            <a:lstStyle/>
+            <a:p>
+              <a:pPr algn="ctr"/>
+              <a:endParaRPr lang="zh-CN" altLang="en-US"/>
+            </a:p>
+          </p:txBody>
+        </p:sp>
+        <p:sp>
+          <p:nvSpPr>
+            <p:cNvPr id="51" name="矩形 50"/>
+            <p:cNvSpPr/>
+            <p:nvPr/>
+          </p:nvSpPr>
+          <p:spPr>
+            <a:xfrm>
+              <a:off x="3527376" y="2842590"/>
+              <a:ext cx="1763688" cy="89199"/>
+            </a:xfrm>
+            <a:prstGeom prst="rect">
+              <a:avLst/>
+            </a:prstGeom>
+            <a:solidFill>
+              <a:schemeClr val="accent3"/>
+            </a:solidFill>
+            <a:ln>
+              <a:noFill/>
+            </a:ln>
+          </p:spPr>
+          <p:style>
+            <a:lnRef idx="2">
+              <a:schemeClr val="accent1">
+                <a:shade val="50000"/>
+              </a:schemeClr>
+            </a:lnRef>
+            <a:fillRef idx="1">
+              <a:schemeClr val="accent1"/>
+            </a:fillRef>
+            <a:effectRef idx="0">
+              <a:schemeClr val="accent1"/>
+            </a:effectRef>
+            <a:fontRef idx="minor">
+              <a:schemeClr val="lt1"/>
+            </a:fontRef>
+          </p:style>
+          <p:txBody>
+            <a:bodyPr rtlCol="0" anchor="ctr"/>
+            <a:lstStyle/>
+            <a:p>
+              <a:pPr algn="ctr"/>
+              <a:endParaRPr lang="zh-CN" altLang="en-US"/>
+            </a:p>
+          </p:txBody>
+        </p:sp>
+        <p:sp>
+          <p:nvSpPr>
+            <p:cNvPr id="52" name="矩形 51"/>
+            <p:cNvSpPr/>
+            <p:nvPr/>
+          </p:nvSpPr>
+          <p:spPr>
+            <a:xfrm>
+              <a:off x="5291064" y="2842590"/>
+              <a:ext cx="1763688" cy="89199"/>
+            </a:xfrm>
+            <a:prstGeom prst="rect">
+              <a:avLst/>
+            </a:prstGeom>
+            <a:solidFill>
+              <a:schemeClr val="accent4"/>
+            </a:solidFill>
+            <a:ln>
+              <a:noFill/>
+            </a:ln>
+          </p:spPr>
+          <p:style>
+            <a:lnRef idx="2">
+              <a:schemeClr val="accent1">
+                <a:shade val="50000"/>
+              </a:schemeClr>
+            </a:lnRef>
+            <a:fillRef idx="1">
+              <a:schemeClr val="accent1"/>
+            </a:fillRef>
+            <a:effectRef idx="0">
+              <a:schemeClr val="accent1"/>
+            </a:effectRef>
+            <a:fontRef idx="minor">
+              <a:schemeClr val="lt1"/>
+            </a:fontRef>
+          </p:style>
+          <p:txBody>
+            <a:bodyPr rtlCol="0" anchor="ctr"/>
+            <a:lstStyle/>
+            <a:p>
+              <a:pPr algn="ctr"/>
+              <a:endParaRPr lang="zh-CN" altLang="en-US"/>
+            </a:p>
+          </p:txBody>
+        </p:sp>
+      </p:grpSp>
+      <p:sp>
+        <p:nvSpPr>
+          <p:cNvPr id="10" name="矩形 9">
+            <a:extLst>
+              <a:ext uri="{FF2B5EF4-FFF2-40B4-BE49-F238E27FC236}">
+                <a16:creationId xmlns:a16="http://schemas.microsoft.com/office/drawing/2014/main" id="{72A7404E-4C58-4C12-AE88-6910D0877FDE}"/>
+              </a:ext>
+            </a:extLst>
+          </p:cNvPr>
+          <p:cNvSpPr/>
+          <p:nvPr/>
+        </p:nvSpPr>
+        <p:spPr>
+          <a:xfrm>
+            <a:off x="388910" y="1203598"/>
+            <a:ext cx="1005403" cy="338554"/>
+          </a:xfrm>
+          <a:prstGeom prst="rect">
+            <a:avLst/>
+          </a:prstGeom>
+        </p:spPr>
+        <p:style>
+          <a:lnRef idx="2">
+            <a:schemeClr val="accent1"/>
+          </a:lnRef>
+          <a:fillRef idx="1">
+            <a:schemeClr val="lt1"/>
+          </a:fillRef>
+          <a:effectRef idx="0">
+            <a:schemeClr val="accent1"/>
+          </a:effectRef>
+          <a:fontRef idx="minor">
+            <a:schemeClr val="dk1"/>
+          </a:fontRef>
+        </p:style>
+        <p:txBody>
+          <a:bodyPr wrap="none">
+            <a:spAutoFit/>
+          </a:bodyPr>
+          <a:lstStyle/>
+          <a:p>
+            <a:r>
+              <a:rPr lang="zh-CN" altLang="en-US" sz="1600" dirty="0">
+                <a:ln w="6350">
+                  <a:noFill/>
+                </a:ln>
+                <a:solidFill>
+                  <a:schemeClr val="bg1">
+                    <a:lumMod val="50000"/>
+                  </a:schemeClr>
+                </a:solidFill>
+                <a:latin typeface="微软雅黑" panose="020B0503020204020204" pitchFamily="34" charset="-122"/>
+                <a:ea typeface="微软雅黑" panose="020B0503020204020204" pitchFamily="34" charset="-122"/>
+              </a:rPr>
+              <a:t>逃逸技术</a:t>
+            </a:r>
+          </a:p>
+        </p:txBody>
+      </p:sp>
+      <p:sp>
+        <p:nvSpPr>
+          <p:cNvPr id="11" name="矩形 10">
+            <a:extLst>
+              <a:ext uri="{FF2B5EF4-FFF2-40B4-BE49-F238E27FC236}">
+                <a16:creationId xmlns:a16="http://schemas.microsoft.com/office/drawing/2014/main" id="{C52504C5-51EB-4FA3-AE35-6F151EF07A8B}"/>
+              </a:ext>
+            </a:extLst>
+          </p:cNvPr>
+          <p:cNvSpPr/>
+          <p:nvPr/>
+        </p:nvSpPr>
+        <p:spPr>
+          <a:xfrm>
+            <a:off x="611560" y="3939902"/>
+            <a:ext cx="8027804" cy="628762"/>
+          </a:xfrm>
+          <a:prstGeom prst="rect">
+            <a:avLst/>
+          </a:prstGeom>
+        </p:spPr>
+        <p:txBody>
+          <a:bodyPr wrap="square">
+            <a:spAutoFit/>
+          </a:bodyPr>
+          <a:lstStyle/>
+          <a:p>
+            <a:pPr>
+              <a:lnSpc>
+                <a:spcPts val="2200"/>
+              </a:lnSpc>
+            </a:pPr>
+            <a:r>
+              <a:rPr lang="zh-CN" altLang="en-US" sz="1400" dirty="0">
+                <a:ln w="6350">
+                  <a:noFill/>
+                </a:ln>
+                <a:solidFill>
+                  <a:schemeClr val="bg1">
+                    <a:lumMod val="50000"/>
+                  </a:schemeClr>
+                </a:solidFill>
+                <a:latin typeface="微软雅黑" panose="020B0503020204020204" pitchFamily="34" charset="-122"/>
+                <a:ea typeface="微软雅黑" panose="020B0503020204020204" pitchFamily="34" charset="-122"/>
+              </a:rPr>
+              <a:t>不一定，</a:t>
+            </a:r>
+            <a:r>
+              <a:rPr lang="en-US" altLang="zh-CN" sz="1400" dirty="0">
+                <a:ln w="6350">
+                  <a:noFill/>
+                </a:ln>
+                <a:solidFill>
+                  <a:schemeClr val="bg1">
+                    <a:lumMod val="50000"/>
+                  </a:schemeClr>
+                </a:solidFill>
+                <a:latin typeface="微软雅黑" panose="020B0503020204020204" pitchFamily="34" charset="-122"/>
+                <a:ea typeface="微软雅黑" panose="020B0503020204020204" pitchFamily="34" charset="-122"/>
+              </a:rPr>
+              <a:t>JVM </a:t>
+            </a:r>
+            <a:r>
+              <a:rPr lang="zh-CN" altLang="en-US" sz="1400" dirty="0">
+                <a:ln w="6350">
+                  <a:noFill/>
+                </a:ln>
+                <a:solidFill>
+                  <a:schemeClr val="bg1">
+                    <a:lumMod val="50000"/>
+                  </a:schemeClr>
+                </a:solidFill>
+                <a:latin typeface="微软雅黑" panose="020B0503020204020204" pitchFamily="34" charset="-122"/>
+                <a:ea typeface="微软雅黑" panose="020B0503020204020204" pitchFamily="34" charset="-122"/>
+              </a:rPr>
+              <a:t>会通过 “逃逸分析” 技术，</a:t>
+            </a:r>
+            <a:r>
+              <a:rPr lang="zh-CN" altLang="en-US" sz="1400" dirty="0">
+                <a:ln w="6350">
+                  <a:noFill/>
+                </a:ln>
+                <a:solidFill>
+                  <a:schemeClr val="accent4"/>
+                </a:solidFill>
+                <a:latin typeface="微软雅黑" panose="020B0503020204020204" pitchFamily="34" charset="-122"/>
+                <a:ea typeface="微软雅黑" panose="020B0503020204020204" pitchFamily="34" charset="-122"/>
+              </a:rPr>
+              <a:t>对于逃不出方法的对象，会直接在栈空间上分配内存</a:t>
+            </a:r>
+            <a:r>
+              <a:rPr lang="zh-CN" altLang="en-US" sz="1400" dirty="0">
+                <a:ln w="6350">
+                  <a:noFill/>
+                </a:ln>
+                <a:solidFill>
+                  <a:schemeClr val="bg1">
+                    <a:lumMod val="50000"/>
+                  </a:schemeClr>
+                </a:solidFill>
+                <a:latin typeface="微软雅黑" panose="020B0503020204020204" pitchFamily="34" charset="-122"/>
+                <a:ea typeface="微软雅黑" panose="020B0503020204020204" pitchFamily="34" charset="-122"/>
+              </a:rPr>
+              <a:t>。这样可以直接在栈上快速创建和销毁对象，不用再将对象分配到堆中，减轻 </a:t>
+            </a:r>
+            <a:r>
+              <a:rPr lang="en-US" altLang="zh-CN" sz="1400" dirty="0">
+                <a:ln w="6350">
+                  <a:noFill/>
+                </a:ln>
+                <a:solidFill>
+                  <a:schemeClr val="bg1">
+                    <a:lumMod val="50000"/>
+                  </a:schemeClr>
+                </a:solidFill>
+                <a:latin typeface="微软雅黑" panose="020B0503020204020204" pitchFamily="34" charset="-122"/>
+                <a:ea typeface="微软雅黑" panose="020B0503020204020204" pitchFamily="34" charset="-122"/>
+              </a:rPr>
+              <a:t>JVM </a:t>
+            </a:r>
+            <a:r>
+              <a:rPr lang="zh-CN" altLang="en-US" sz="1400" dirty="0">
+                <a:ln w="6350">
+                  <a:noFill/>
+                </a:ln>
+                <a:solidFill>
+                  <a:schemeClr val="bg1">
+                    <a:lumMod val="50000"/>
+                  </a:schemeClr>
+                </a:solidFill>
+                <a:latin typeface="微软雅黑" panose="020B0503020204020204" pitchFamily="34" charset="-122"/>
+                <a:ea typeface="微软雅黑" panose="020B0503020204020204" pitchFamily="34" charset="-122"/>
+              </a:rPr>
+              <a:t>垃圾回收的压力。</a:t>
+            </a:r>
+          </a:p>
+        </p:txBody>
+      </p:sp>
+      <p:sp>
+        <p:nvSpPr>
+          <p:cNvPr id="12" name="矩形 11">
+            <a:extLst>
+              <a:ext uri="{FF2B5EF4-FFF2-40B4-BE49-F238E27FC236}">
+                <a16:creationId xmlns:a16="http://schemas.microsoft.com/office/drawing/2014/main" id="{C3CB233E-9E30-4AFA-BDC6-E90E249C9B22}"/>
+              </a:ext>
+            </a:extLst>
+          </p:cNvPr>
+          <p:cNvSpPr/>
+          <p:nvPr/>
+        </p:nvSpPr>
+        <p:spPr>
+          <a:xfrm>
+            <a:off x="416158" y="3323687"/>
+            <a:ext cx="595035" cy="338554"/>
+          </a:xfrm>
+          <a:prstGeom prst="rect">
+            <a:avLst/>
+          </a:prstGeom>
+        </p:spPr>
+        <p:style>
+          <a:lnRef idx="2">
+            <a:schemeClr val="accent1"/>
+          </a:lnRef>
+          <a:fillRef idx="1">
+            <a:schemeClr val="lt1"/>
+          </a:fillRef>
+          <a:effectRef idx="0">
+            <a:schemeClr val="accent1"/>
+          </a:effectRef>
+          <a:fontRef idx="minor">
+            <a:schemeClr val="dk1"/>
+          </a:fontRef>
+        </p:style>
+        <p:txBody>
+          <a:bodyPr wrap="none">
+            <a:spAutoFit/>
+          </a:bodyPr>
+          <a:lstStyle/>
+          <a:p>
+            <a:r>
+              <a:rPr lang="zh-CN" altLang="en-US" sz="1600" dirty="0">
+                <a:ln w="6350">
+                  <a:noFill/>
+                </a:ln>
+                <a:solidFill>
+                  <a:schemeClr val="bg1">
+                    <a:lumMod val="50000"/>
+                  </a:schemeClr>
+                </a:solidFill>
+                <a:latin typeface="微软雅黑" panose="020B0503020204020204" pitchFamily="34" charset="-122"/>
+                <a:ea typeface="微软雅黑" panose="020B0503020204020204" pitchFamily="34" charset="-122"/>
+              </a:rPr>
+              <a:t>答案</a:t>
+            </a:r>
+          </a:p>
+        </p:txBody>
+      </p:sp>
+      <p:sp>
+        <p:nvSpPr>
+          <p:cNvPr id="14" name="矩形 13">
+            <a:extLst>
+              <a:ext uri="{FF2B5EF4-FFF2-40B4-BE49-F238E27FC236}">
+                <a16:creationId xmlns:a16="http://schemas.microsoft.com/office/drawing/2014/main" id="{B35AACBB-5458-4F9E-A5DC-DE12E34CA736}"/>
+              </a:ext>
+            </a:extLst>
+          </p:cNvPr>
+          <p:cNvSpPr/>
+          <p:nvPr/>
+        </p:nvSpPr>
+        <p:spPr>
+          <a:xfrm>
+            <a:off x="611560" y="1836410"/>
+            <a:ext cx="8027804" cy="1193019"/>
+          </a:xfrm>
+          <a:prstGeom prst="rect">
+            <a:avLst/>
+          </a:prstGeom>
+        </p:spPr>
+        <p:txBody>
+          <a:bodyPr wrap="square">
+            <a:spAutoFit/>
+          </a:bodyPr>
+          <a:lstStyle/>
+          <a:p>
+            <a:pPr>
+              <a:lnSpc>
+                <a:spcPts val="2200"/>
+              </a:lnSpc>
+            </a:pPr>
+            <a:r>
+              <a:rPr lang="zh-CN" altLang="en-US" sz="1400" dirty="0">
+                <a:ln w="6350">
+                  <a:noFill/>
+                </a:ln>
+                <a:solidFill>
+                  <a:schemeClr val="bg1">
+                    <a:lumMod val="50000"/>
+                  </a:schemeClr>
+                </a:solidFill>
+                <a:latin typeface="微软雅黑" panose="020B0503020204020204" pitchFamily="34" charset="-122"/>
+                <a:ea typeface="微软雅黑" panose="020B0503020204020204" pitchFamily="34" charset="-122"/>
+              </a:rPr>
+              <a:t>逃逸分析技术就是用来判断</a:t>
+            </a:r>
+            <a:r>
+              <a:rPr lang="zh-CN" altLang="en-US" sz="1400" dirty="0">
+                <a:ln w="6350">
+                  <a:noFill/>
+                </a:ln>
+                <a:solidFill>
+                  <a:schemeClr val="accent4"/>
+                </a:solidFill>
+                <a:latin typeface="微软雅黑" panose="020B0503020204020204" pitchFamily="34" charset="-122"/>
+                <a:ea typeface="微软雅黑" panose="020B0503020204020204" pitchFamily="34" charset="-122"/>
+              </a:rPr>
+              <a:t>对象是否逃逸</a:t>
+            </a:r>
+            <a:r>
+              <a:rPr lang="zh-CN" altLang="en-US" sz="1400" dirty="0">
+                <a:ln w="6350">
+                  <a:noFill/>
+                </a:ln>
+                <a:solidFill>
+                  <a:schemeClr val="bg1">
+                    <a:lumMod val="50000"/>
+                  </a:schemeClr>
+                </a:solidFill>
+                <a:latin typeface="微软雅黑" panose="020B0503020204020204" pitchFamily="34" charset="-122"/>
+                <a:ea typeface="微软雅黑" panose="020B0503020204020204" pitchFamily="34" charset="-122"/>
+              </a:rPr>
+              <a:t>的技术。对象逃逸分为</a:t>
+            </a:r>
+            <a:r>
+              <a:rPr lang="zh-CN" altLang="en-US" sz="1400" dirty="0">
+                <a:ln w="6350">
+                  <a:noFill/>
+                </a:ln>
+                <a:solidFill>
+                  <a:schemeClr val="accent1"/>
+                </a:solidFill>
+                <a:latin typeface="微软雅黑" panose="020B0503020204020204" pitchFamily="34" charset="-122"/>
+                <a:ea typeface="微软雅黑" panose="020B0503020204020204" pitchFamily="34" charset="-122"/>
+              </a:rPr>
+              <a:t>方法逃逸</a:t>
+            </a:r>
+            <a:r>
+              <a:rPr lang="zh-CN" altLang="en-US" sz="1400" dirty="0">
+                <a:ln w="6350">
+                  <a:noFill/>
+                </a:ln>
+                <a:solidFill>
+                  <a:schemeClr val="bg1">
+                    <a:lumMod val="50000"/>
+                  </a:schemeClr>
+                </a:solidFill>
+                <a:latin typeface="微软雅黑" panose="020B0503020204020204" pitchFamily="34" charset="-122"/>
+                <a:ea typeface="微软雅黑" panose="020B0503020204020204" pitchFamily="34" charset="-122"/>
+              </a:rPr>
+              <a:t>和</a:t>
+            </a:r>
+            <a:r>
+              <a:rPr lang="zh-CN" altLang="en-US" sz="1400" dirty="0">
+                <a:ln w="6350">
+                  <a:noFill/>
+                </a:ln>
+                <a:solidFill>
+                  <a:schemeClr val="accent1"/>
+                </a:solidFill>
+                <a:latin typeface="微软雅黑" panose="020B0503020204020204" pitchFamily="34" charset="-122"/>
+                <a:ea typeface="微软雅黑" panose="020B0503020204020204" pitchFamily="34" charset="-122"/>
+              </a:rPr>
+              <a:t>线程逃逸</a:t>
+            </a:r>
+            <a:r>
+              <a:rPr lang="zh-CN" altLang="en-US" sz="1400" dirty="0">
+                <a:ln w="6350">
+                  <a:noFill/>
+                </a:ln>
+                <a:solidFill>
+                  <a:schemeClr val="bg1">
+                    <a:lumMod val="50000"/>
+                  </a:schemeClr>
+                </a:solidFill>
+                <a:latin typeface="微软雅黑" panose="020B0503020204020204" pitchFamily="34" charset="-122"/>
+                <a:ea typeface="微软雅黑" panose="020B0503020204020204" pitchFamily="34" charset="-122"/>
+              </a:rPr>
+              <a:t>：</a:t>
+            </a:r>
+            <a:endParaRPr lang="en-US" altLang="zh-CN" sz="1400" dirty="0">
+              <a:ln w="6350">
+                <a:noFill/>
+              </a:ln>
+              <a:solidFill>
+                <a:schemeClr val="bg1">
+                  <a:lumMod val="50000"/>
+                </a:schemeClr>
+              </a:solidFill>
+              <a:latin typeface="微软雅黑" panose="020B0503020204020204" pitchFamily="34" charset="-122"/>
+              <a:ea typeface="微软雅黑" panose="020B0503020204020204" pitchFamily="34" charset="-122"/>
+            </a:endParaRPr>
+          </a:p>
+          <a:p>
+            <a:pPr marL="285750" indent="-285750">
+              <a:lnSpc>
+                <a:spcPts val="2200"/>
+              </a:lnSpc>
+              <a:buFont typeface="Wingdings" panose="05000000000000000000" pitchFamily="2" charset="2"/>
+              <a:buChar char="Ø"/>
+            </a:pPr>
+            <a:r>
+              <a:rPr lang="zh-CN" altLang="en-US" sz="1400" dirty="0">
+                <a:ln w="6350">
+                  <a:noFill/>
+                </a:ln>
+                <a:solidFill>
+                  <a:schemeClr val="bg1">
+                    <a:lumMod val="50000"/>
+                  </a:schemeClr>
+                </a:solidFill>
+                <a:latin typeface="微软雅黑" panose="020B0503020204020204" pitchFamily="34" charset="-122"/>
+                <a:ea typeface="微软雅黑" panose="020B0503020204020204" pitchFamily="34" charset="-122"/>
+              </a:rPr>
+              <a:t>方法逃逸就是指，当一个对象在方法中被定义后，它被</a:t>
+            </a:r>
+            <a:r>
+              <a:rPr lang="zh-CN" altLang="en-US" sz="1400" dirty="0">
+                <a:ln w="6350">
+                  <a:noFill/>
+                </a:ln>
+                <a:solidFill>
+                  <a:schemeClr val="accent6"/>
+                </a:solidFill>
+                <a:latin typeface="微软雅黑" panose="020B0503020204020204" pitchFamily="34" charset="-122"/>
+                <a:ea typeface="微软雅黑" panose="020B0503020204020204" pitchFamily="34" charset="-122"/>
+              </a:rPr>
+              <a:t>外部方法引用了</a:t>
+            </a:r>
+            <a:r>
+              <a:rPr lang="zh-CN" altLang="en-US" sz="1400" dirty="0">
+                <a:ln w="6350">
+                  <a:noFill/>
+                </a:ln>
+                <a:solidFill>
+                  <a:schemeClr val="bg1">
+                    <a:lumMod val="50000"/>
+                  </a:schemeClr>
+                </a:solidFill>
+                <a:latin typeface="微软雅黑" panose="020B0503020204020204" pitchFamily="34" charset="-122"/>
+                <a:ea typeface="微软雅黑" panose="020B0503020204020204" pitchFamily="34" charset="-122"/>
+              </a:rPr>
+              <a:t>，例如作为调用参数传递到其他方法中。</a:t>
+            </a:r>
+            <a:endParaRPr lang="en-US" altLang="zh-CN" sz="1400" dirty="0">
+              <a:ln w="6350">
+                <a:noFill/>
+              </a:ln>
+              <a:solidFill>
+                <a:schemeClr val="bg1">
+                  <a:lumMod val="50000"/>
+                </a:schemeClr>
+              </a:solidFill>
+              <a:latin typeface="微软雅黑" panose="020B0503020204020204" pitchFamily="34" charset="-122"/>
+              <a:ea typeface="微软雅黑" panose="020B0503020204020204" pitchFamily="34" charset="-122"/>
+            </a:endParaRPr>
+          </a:p>
+          <a:p>
+            <a:pPr marL="285750" indent="-285750">
+              <a:lnSpc>
+                <a:spcPts val="2200"/>
+              </a:lnSpc>
+              <a:buFont typeface="Wingdings" panose="05000000000000000000" pitchFamily="2" charset="2"/>
+              <a:buChar char="Ø"/>
+            </a:pPr>
+            <a:r>
+              <a:rPr lang="zh-CN" altLang="en-US" sz="1400" dirty="0">
+                <a:ln w="6350">
+                  <a:noFill/>
+                </a:ln>
+                <a:solidFill>
+                  <a:schemeClr val="bg1">
+                    <a:lumMod val="50000"/>
+                  </a:schemeClr>
+                </a:solidFill>
+                <a:latin typeface="微软雅黑" panose="020B0503020204020204" pitchFamily="34" charset="-122"/>
+                <a:ea typeface="微软雅黑" panose="020B0503020204020204" pitchFamily="34" charset="-122"/>
+              </a:rPr>
+              <a:t>线程逃逸就是指，一个对象被</a:t>
+            </a:r>
+            <a:r>
+              <a:rPr lang="zh-CN" altLang="en-US" sz="1400" dirty="0">
+                <a:ln w="6350">
+                  <a:noFill/>
+                </a:ln>
+                <a:solidFill>
+                  <a:schemeClr val="accent6"/>
+                </a:solidFill>
+                <a:latin typeface="微软雅黑" panose="020B0503020204020204" pitchFamily="34" charset="-122"/>
+                <a:ea typeface="微软雅黑" panose="020B0503020204020204" pitchFamily="34" charset="-122"/>
+              </a:rPr>
+              <a:t>外部线程访问到了</a:t>
+            </a:r>
+            <a:r>
+              <a:rPr lang="zh-CN" altLang="en-US" sz="1400" dirty="0">
+                <a:ln w="6350">
+                  <a:noFill/>
+                </a:ln>
+                <a:solidFill>
+                  <a:schemeClr val="bg1">
+                    <a:lumMod val="50000"/>
+                  </a:schemeClr>
+                </a:solidFill>
+                <a:latin typeface="微软雅黑" panose="020B0503020204020204" pitchFamily="34" charset="-122"/>
+                <a:ea typeface="微软雅黑" panose="020B0503020204020204" pitchFamily="34" charset="-122"/>
+              </a:rPr>
+              <a:t>，比如赋值给可以在其他线程中访问的实例变量。</a:t>
+            </a:r>
+          </a:p>
+        </p:txBody>
+      </p:sp>
+    </p:spTree>
+    <p:extLst>
+      <p:ext uri="{BB962C8B-B14F-4D97-AF65-F5344CB8AC3E}">
+        <p14:creationId xmlns:p14="http://schemas.microsoft.com/office/powerpoint/2010/main" val="1305577066"/>
+      </p:ext>
+    </p:extLst>
+  </p:cSld>
+  <p:clrMapOvr>
+    <a:masterClrMapping/>
+  </p:clrMapOvr>
+  <p:timing>
+    <p:tnLst>
+      <p:par>
+        <p:cTn id="1" dur="indefinite" restart="never" nodeType="tmRoot">
+          <p:childTnLst>
+            <p:seq concurrent="1" nextAc="seek">
+              <p:cTn id="2" dur="indefinite" nodeType="mainSeq">
+                <p:childTnLst>
+                  <p:par>
+                    <p:cTn id="3" fill="hold">
+                      <p:stCondLst>
+                        <p:cond delay="indefinite"/>
+                      </p:stCondLst>
+                      <p:childTnLst>
+                        <p:par>
+                          <p:cTn id="4" fill="hold">
+                            <p:stCondLst>
+                              <p:cond delay="0"/>
+                            </p:stCondLst>
+                            <p:childTnLst>
+                              <p:par>
+                                <p:cTn id="5" presetID="1" presetClass="entr" presetSubtype="0" fill="hold" grpId="0" nodeType="clickEffect">
+                                  <p:stCondLst>
+                                    <p:cond delay="0"/>
+                                  </p:stCondLst>
+                                  <p:childTnLst>
+                                    <p:set>
+                                      <p:cBhvr>
+                                        <p:cTn id="6" dur="1" fill="hold">
+                                          <p:stCondLst>
+                                            <p:cond delay="0"/>
+                                          </p:stCondLst>
+                                        </p:cTn>
+                                        <p:tgtEl>
+                                          <p:spTgt spid="14"/>
+                                        </p:tgtEl>
+                                        <p:attrNameLst>
+                                          <p:attrName>style.visibility</p:attrName>
+                                        </p:attrNameLst>
+                                      </p:cBhvr>
+                                      <p:to>
+                                        <p:strVal val="visible"/>
+                                      </p:to>
+                                    </p:set>
+                                  </p:childTnLst>
+                                </p:cTn>
+                              </p:par>
+                            </p:childTnLst>
+                          </p:cTn>
+                        </p:par>
+                      </p:childTnLst>
+                    </p:cTn>
+                  </p:par>
+                  <p:par>
+                    <p:cTn id="7" fill="hold">
+                      <p:stCondLst>
+                        <p:cond delay="indefinite"/>
+                      </p:stCondLst>
+                      <p:childTnLst>
+                        <p:par>
+                          <p:cTn id="8" fill="hold">
+                            <p:stCondLst>
+                              <p:cond delay="0"/>
+                            </p:stCondLst>
+                            <p:childTnLst>
+                              <p:par>
+                                <p:cTn id="9" presetID="1" presetClass="entr" presetSubtype="0" fill="hold" grpId="0" nodeType="clickEffect">
+                                  <p:stCondLst>
+                                    <p:cond delay="0"/>
+                                  </p:stCondLst>
+                                  <p:childTnLst>
+                                    <p:set>
+                                      <p:cBhvr>
+                                        <p:cTn id="10" dur="1" fill="hold">
+                                          <p:stCondLst>
+                                            <p:cond delay="0"/>
+                                          </p:stCondLst>
+                                        </p:cTn>
+                                        <p:tgtEl>
+                                          <p:spTgt spid="11"/>
+                                        </p:tgtEl>
+                                        <p:attrNameLst>
+                                          <p:attrName>style.visibility</p:attrName>
+                                        </p:attrNameLst>
+                                      </p:cBhvr>
+                                      <p:to>
+                                        <p:strVal val="visible"/>
+                                      </p:to>
+                                    </p:set>
+                                  </p:childTnLst>
+                                </p:cTn>
+                              </p:par>
+                            </p:childTnLst>
+                          </p:cTn>
+                        </p:par>
+                      </p:childTnLst>
+                    </p:cTn>
+                  </p:par>
+                </p:childTnLst>
+              </p:cTn>
+              <p:prevCondLst>
+                <p:cond evt="onPrev" delay="0">
+                  <p:tgtEl>
+                    <p:sldTgt/>
+                  </p:tgtEl>
+                </p:cond>
+              </p:prevCondLst>
+              <p:nextCondLst>
+                <p:cond evt="onNext" delay="0">
+                  <p:tgtEl>
+                    <p:sldTgt/>
+                  </p:tgtEl>
+                </p:cond>
+              </p:nextCondLst>
+            </p:seq>
+          </p:childTnLst>
+        </p:cTn>
+      </p:par>
+    </p:tnLst>
+    <p:bldLst>
+      <p:bldP spid="11" grpId="0"/>
+      <p:bldP spid="14" grpId="0"/>
+    </p:bldLst>
+  </p:timing>
+</p:sld>
+</file>
+
+<file path=ppt/slides/slide31.xml><?xml version="1.0" encoding="utf-8"?>
+<p:sld xmlns:a="http://schemas.openxmlformats.org/drawingml/2006/main" xmlns:r="http://schemas.openxmlformats.org/officeDocument/2006/relationships" xmlns:p="http://schemas.openxmlformats.org/presentationml/2006/main">
+  <p:cSld>
+    <p:spTree>
+      <p:nvGrpSpPr>
+        <p:cNvPr id="1" name=""/>
+        <p:cNvGrpSpPr/>
+        <p:nvPr/>
+      </p:nvGrpSpPr>
+      <p:grpSpPr>
+        <a:xfrm>
+          <a:off x="0" y="0"/>
+          <a:ext cx="0" cy="0"/>
+          <a:chOff x="0" y="0"/>
+          <a:chExt cx="0" cy="0"/>
+        </a:xfrm>
+      </p:grpSpPr>
+      <p:sp>
+        <p:nvSpPr>
+          <p:cNvPr id="47" name="Rectangle 39"/>
+          <p:cNvSpPr>
+            <a:spLocks noChangeArrowheads="1"/>
+          </p:cNvSpPr>
+          <p:nvPr/>
+        </p:nvSpPr>
+        <p:spPr bwMode="auto">
+          <a:xfrm>
+            <a:off x="416159" y="278281"/>
+            <a:ext cx="4515881" cy="307777"/>
+          </a:xfrm>
+          <a:prstGeom prst="rect">
+            <a:avLst/>
+          </a:prstGeom>
+          <a:noFill/>
+          <a:ln>
+            <a:noFill/>
+          </a:ln>
+          <a:extLst>
+            <a:ext uri="{909E8E84-426E-40DD-AFC4-6F175D3DCCD1}">
+              <a14:hiddenFill xmlns:a14="http://schemas.microsoft.com/office/drawing/2010/main">
+                <a:solidFill>
+                  <a:srgbClr val="FFFFFF"/>
+                </a:solidFill>
+              </a14:hiddenFill>
+            </a:ext>
+            <a:ext uri="{91240B29-F687-4F45-9708-019B960494DF}">
+              <a14:hiddenLine xmlns:a14="http://schemas.microsoft.com/office/drawing/2010/main" w="9525">
+                <a:solidFill>
+                  <a:srgbClr val="000000"/>
+                </a:solidFill>
+                <a:miter lim="800000"/>
+                <a:headEnd/>
+                <a:tailEnd/>
+              </a14:hiddenLine>
+            </a:ext>
+          </a:extLst>
+        </p:spPr>
+        <p:txBody>
+          <a:bodyPr wrap="square" lIns="0" tIns="0" rIns="0" bIns="0">
+            <a:spAutoFit/>
+          </a:bodyPr>
+          <a:lstStyle/>
+          <a:p>
+            <a:pPr>
+              <a:buFont typeface="Arial" pitchFamily="34" charset="0"/>
+              <a:buNone/>
+            </a:pPr>
+            <a:r>
+              <a:rPr lang="zh-CN" altLang="en-US" sz="2000" dirty="0">
+                <a:solidFill>
+                  <a:schemeClr val="accent1"/>
+                </a:solidFill>
+                <a:latin typeface="微软雅黑" pitchFamily="34" charset="-122"/>
+                <a:ea typeface="微软雅黑" pitchFamily="34" charset="-122"/>
+              </a:rPr>
+              <a:t>常量池了解吗？有啥用？</a:t>
+            </a:r>
+          </a:p>
+        </p:txBody>
+      </p:sp>
+      <p:grpSp>
+        <p:nvGrpSpPr>
+          <p:cNvPr id="48" name="组合 47"/>
+          <p:cNvGrpSpPr/>
+          <p:nvPr/>
+        </p:nvGrpSpPr>
+        <p:grpSpPr>
+          <a:xfrm>
+            <a:off x="416158" y="699542"/>
+            <a:ext cx="899592" cy="56017"/>
+            <a:chOff x="0" y="2842590"/>
+            <a:chExt cx="7054752" cy="89199"/>
+          </a:xfrm>
+        </p:grpSpPr>
+        <p:sp>
+          <p:nvSpPr>
+            <p:cNvPr id="49" name="矩形 48"/>
+            <p:cNvSpPr/>
+            <p:nvPr/>
+          </p:nvSpPr>
+          <p:spPr>
+            <a:xfrm>
+              <a:off x="0" y="2842590"/>
+              <a:ext cx="1763688" cy="89199"/>
+            </a:xfrm>
+            <a:prstGeom prst="rect">
+              <a:avLst/>
+            </a:prstGeom>
+            <a:solidFill>
+              <a:schemeClr val="accent1"/>
+            </a:solidFill>
+            <a:ln>
+              <a:noFill/>
+            </a:ln>
+          </p:spPr>
+          <p:style>
+            <a:lnRef idx="2">
+              <a:schemeClr val="accent1">
+                <a:shade val="50000"/>
+              </a:schemeClr>
+            </a:lnRef>
+            <a:fillRef idx="1">
+              <a:schemeClr val="accent1"/>
+            </a:fillRef>
+            <a:effectRef idx="0">
+              <a:schemeClr val="accent1"/>
+            </a:effectRef>
+            <a:fontRef idx="minor">
+              <a:schemeClr val="lt1"/>
+            </a:fontRef>
+          </p:style>
+          <p:txBody>
+            <a:bodyPr rtlCol="0" anchor="ctr"/>
+            <a:lstStyle/>
+            <a:p>
+              <a:pPr algn="ctr"/>
+              <a:endParaRPr lang="zh-CN" altLang="en-US"/>
+            </a:p>
+          </p:txBody>
+        </p:sp>
+        <p:sp>
+          <p:nvSpPr>
+            <p:cNvPr id="50" name="矩形 49"/>
+            <p:cNvSpPr/>
+            <p:nvPr/>
+          </p:nvSpPr>
+          <p:spPr>
+            <a:xfrm>
+              <a:off x="1763688" y="2842590"/>
+              <a:ext cx="1763688" cy="89199"/>
+            </a:xfrm>
+            <a:prstGeom prst="rect">
+              <a:avLst/>
+            </a:prstGeom>
+            <a:solidFill>
+              <a:schemeClr val="accent2"/>
+            </a:solidFill>
+            <a:ln>
+              <a:noFill/>
+            </a:ln>
+          </p:spPr>
+          <p:style>
+            <a:lnRef idx="2">
+              <a:schemeClr val="accent1">
+                <a:shade val="50000"/>
+              </a:schemeClr>
+            </a:lnRef>
+            <a:fillRef idx="1">
+              <a:schemeClr val="accent1"/>
+            </a:fillRef>
+            <a:effectRef idx="0">
+              <a:schemeClr val="accent1"/>
+            </a:effectRef>
+            <a:fontRef idx="minor">
+              <a:schemeClr val="lt1"/>
+            </a:fontRef>
+          </p:style>
+          <p:txBody>
+            <a:bodyPr rtlCol="0" anchor="ctr"/>
+            <a:lstStyle/>
+            <a:p>
+              <a:pPr algn="ctr"/>
+              <a:endParaRPr lang="zh-CN" altLang="en-US"/>
+            </a:p>
+          </p:txBody>
+        </p:sp>
+        <p:sp>
+          <p:nvSpPr>
+            <p:cNvPr id="51" name="矩形 50"/>
+            <p:cNvSpPr/>
+            <p:nvPr/>
+          </p:nvSpPr>
+          <p:spPr>
+            <a:xfrm>
+              <a:off x="3527376" y="2842590"/>
+              <a:ext cx="1763688" cy="89199"/>
+            </a:xfrm>
+            <a:prstGeom prst="rect">
+              <a:avLst/>
+            </a:prstGeom>
+            <a:solidFill>
+              <a:schemeClr val="accent3"/>
+            </a:solidFill>
+            <a:ln>
+              <a:noFill/>
+            </a:ln>
+          </p:spPr>
+          <p:style>
+            <a:lnRef idx="2">
+              <a:schemeClr val="accent1">
+                <a:shade val="50000"/>
+              </a:schemeClr>
+            </a:lnRef>
+            <a:fillRef idx="1">
+              <a:schemeClr val="accent1"/>
+            </a:fillRef>
+            <a:effectRef idx="0">
+              <a:schemeClr val="accent1"/>
+            </a:effectRef>
+            <a:fontRef idx="minor">
+              <a:schemeClr val="lt1"/>
+            </a:fontRef>
+          </p:style>
+          <p:txBody>
+            <a:bodyPr rtlCol="0" anchor="ctr"/>
+            <a:lstStyle/>
+            <a:p>
+              <a:pPr algn="ctr"/>
+              <a:endParaRPr lang="zh-CN" altLang="en-US"/>
+            </a:p>
+          </p:txBody>
+        </p:sp>
+        <p:sp>
+          <p:nvSpPr>
+            <p:cNvPr id="52" name="矩形 51"/>
+            <p:cNvSpPr/>
+            <p:nvPr/>
+          </p:nvSpPr>
+          <p:spPr>
+            <a:xfrm>
+              <a:off x="5291064" y="2842590"/>
+              <a:ext cx="1763688" cy="89199"/>
+            </a:xfrm>
+            <a:prstGeom prst="rect">
+              <a:avLst/>
+            </a:prstGeom>
+            <a:solidFill>
+              <a:schemeClr val="accent4"/>
+            </a:solidFill>
+            <a:ln>
+              <a:noFill/>
+            </a:ln>
+          </p:spPr>
+          <p:style>
+            <a:lnRef idx="2">
+              <a:schemeClr val="accent1">
+                <a:shade val="50000"/>
+              </a:schemeClr>
+            </a:lnRef>
+            <a:fillRef idx="1">
+              <a:schemeClr val="accent1"/>
+            </a:fillRef>
+            <a:effectRef idx="0">
+              <a:schemeClr val="accent1"/>
+            </a:effectRef>
+            <a:fontRef idx="minor">
+              <a:schemeClr val="lt1"/>
+            </a:fontRef>
+          </p:style>
+          <p:txBody>
+            <a:bodyPr rtlCol="0" anchor="ctr"/>
+            <a:lstStyle/>
+            <a:p>
+              <a:pPr algn="ctr"/>
+              <a:endParaRPr lang="zh-CN" altLang="en-US"/>
+            </a:p>
+          </p:txBody>
+        </p:sp>
+      </p:grpSp>
+      <p:sp>
+        <p:nvSpPr>
+          <p:cNvPr id="10" name="矩形 9">
+            <a:extLst>
+              <a:ext uri="{FF2B5EF4-FFF2-40B4-BE49-F238E27FC236}">
+                <a16:creationId xmlns:a16="http://schemas.microsoft.com/office/drawing/2014/main" id="{15763C4D-665B-4CA2-960E-E80ABD296E92}"/>
+              </a:ext>
+            </a:extLst>
+          </p:cNvPr>
+          <p:cNvSpPr/>
+          <p:nvPr/>
+        </p:nvSpPr>
+        <p:spPr>
+          <a:xfrm>
+            <a:off x="416158" y="1059582"/>
+            <a:ext cx="2236510" cy="338554"/>
+          </a:xfrm>
+          <a:prstGeom prst="rect">
+            <a:avLst/>
+          </a:prstGeom>
+        </p:spPr>
+        <p:style>
+          <a:lnRef idx="2">
+            <a:schemeClr val="accent1"/>
+          </a:lnRef>
+          <a:fillRef idx="1">
+            <a:schemeClr val="lt1"/>
+          </a:fillRef>
+          <a:effectRef idx="0">
+            <a:schemeClr val="accent1"/>
+          </a:effectRef>
+          <a:fontRef idx="minor">
+            <a:schemeClr val="dk1"/>
+          </a:fontRef>
+        </p:style>
+        <p:txBody>
+          <a:bodyPr wrap="none">
+            <a:spAutoFit/>
+          </a:bodyPr>
+          <a:lstStyle/>
+          <a:p>
+            <a:r>
+              <a:rPr lang="zh-CN" altLang="en-US" sz="1600" dirty="0">
+                <a:ln w="6350">
+                  <a:noFill/>
+                </a:ln>
+                <a:solidFill>
+                  <a:schemeClr val="bg1">
+                    <a:lumMod val="50000"/>
+                  </a:schemeClr>
+                </a:solidFill>
+                <a:latin typeface="微软雅黑" panose="020B0503020204020204" pitchFamily="34" charset="-122"/>
+                <a:ea typeface="微软雅黑" panose="020B0503020204020204" pitchFamily="34" charset="-122"/>
+              </a:rPr>
+              <a:t>常量池所在的内存区域</a:t>
+            </a:r>
+          </a:p>
+        </p:txBody>
+      </p:sp>
+      <p:pic>
+        <p:nvPicPr>
+          <p:cNvPr id="1026" name="Picture 2">
+            <a:extLst>
+              <a:ext uri="{FF2B5EF4-FFF2-40B4-BE49-F238E27FC236}">
+                <a16:creationId xmlns:a16="http://schemas.microsoft.com/office/drawing/2014/main" id="{40275E67-9B16-4A7F-BD1D-ED6208E28634}"/>
+              </a:ext>
+            </a:extLst>
+          </p:cNvPr>
+          <p:cNvPicPr>
+            <a:picLocks noChangeAspect="1" noChangeArrowheads="1"/>
+          </p:cNvPicPr>
+          <p:nvPr/>
+        </p:nvPicPr>
+        <p:blipFill>
+          <a:blip r:embed="rId3" cstate="print">
+            <a:extLst>
+              <a:ext uri="{28A0092B-C50C-407E-A947-70E740481C1C}">
+                <a14:useLocalDpi xmlns:a14="http://schemas.microsoft.com/office/drawing/2010/main" val="0"/>
+              </a:ext>
+            </a:extLst>
+          </a:blip>
+          <a:srcRect/>
+          <a:stretch>
+            <a:fillRect/>
+          </a:stretch>
+        </p:blipFill>
+        <p:spPr bwMode="auto">
+          <a:xfrm>
+            <a:off x="562304" y="1491629"/>
+            <a:ext cx="3013042" cy="1996681"/>
+          </a:xfrm>
+          <a:prstGeom prst="rect">
+            <a:avLst/>
+          </a:prstGeom>
+          <a:noFill/>
+          <a:extLst>
+            <a:ext uri="{909E8E84-426E-40DD-AFC4-6F175D3DCCD1}">
+              <a14:hiddenFill xmlns:a14="http://schemas.microsoft.com/office/drawing/2010/main">
+                <a:solidFill>
+                  <a:srgbClr val="FFFFFF"/>
+                </a:solidFill>
+              </a14:hiddenFill>
+            </a:ext>
+          </a:extLst>
+        </p:spPr>
+      </p:pic>
+      <p:sp>
+        <p:nvSpPr>
+          <p:cNvPr id="11" name="矩形 10">
+            <a:extLst>
+              <a:ext uri="{FF2B5EF4-FFF2-40B4-BE49-F238E27FC236}">
+                <a16:creationId xmlns:a16="http://schemas.microsoft.com/office/drawing/2014/main" id="{5AB6F605-B78B-4152-AC35-07A3C1277CF5}"/>
+              </a:ext>
+            </a:extLst>
+          </p:cNvPr>
+          <p:cNvSpPr/>
+          <p:nvPr/>
+        </p:nvSpPr>
+        <p:spPr>
+          <a:xfrm>
+            <a:off x="421039" y="3686542"/>
+            <a:ext cx="2045047" cy="338554"/>
+          </a:xfrm>
+          <a:prstGeom prst="rect">
+            <a:avLst/>
+          </a:prstGeom>
+        </p:spPr>
+        <p:style>
+          <a:lnRef idx="2">
+            <a:schemeClr val="accent1"/>
+          </a:lnRef>
+          <a:fillRef idx="1">
+            <a:schemeClr val="lt1"/>
+          </a:fillRef>
+          <a:effectRef idx="0">
+            <a:schemeClr val="accent1"/>
+          </a:effectRef>
+          <a:fontRef idx="minor">
+            <a:schemeClr val="dk1"/>
+          </a:fontRef>
+        </p:style>
+        <p:txBody>
+          <a:bodyPr wrap="none">
+            <a:spAutoFit/>
+          </a:bodyPr>
+          <a:lstStyle/>
+          <a:p>
+            <a:r>
+              <a:rPr lang="zh-CN" altLang="en-US" sz="1600" dirty="0">
+                <a:ln w="6350">
+                  <a:noFill/>
+                </a:ln>
+                <a:solidFill>
+                  <a:schemeClr val="bg1">
+                    <a:lumMod val="50000"/>
+                  </a:schemeClr>
+                </a:solidFill>
+                <a:latin typeface="微软雅黑" panose="020B0503020204020204" pitchFamily="34" charset="-122"/>
+                <a:ea typeface="微软雅黑" panose="020B0503020204020204" pitchFamily="34" charset="-122"/>
+              </a:rPr>
+              <a:t>常量池中存储的内容</a:t>
+            </a:r>
+          </a:p>
+        </p:txBody>
+      </p:sp>
+      <p:sp>
+        <p:nvSpPr>
+          <p:cNvPr id="13" name="矩形 12">
+            <a:extLst>
+              <a:ext uri="{FF2B5EF4-FFF2-40B4-BE49-F238E27FC236}">
+                <a16:creationId xmlns:a16="http://schemas.microsoft.com/office/drawing/2014/main" id="{C50EA162-E244-4D97-8F15-22A3801EBF68}"/>
+              </a:ext>
+            </a:extLst>
+          </p:cNvPr>
+          <p:cNvSpPr/>
+          <p:nvPr/>
+        </p:nvSpPr>
+        <p:spPr>
+          <a:xfrm>
+            <a:off x="683568" y="4241341"/>
+            <a:ext cx="7537046" cy="346633"/>
+          </a:xfrm>
+          <a:prstGeom prst="rect">
+            <a:avLst/>
+          </a:prstGeom>
+        </p:spPr>
+        <p:txBody>
+          <a:bodyPr wrap="square">
+            <a:spAutoFit/>
+          </a:bodyPr>
+          <a:lstStyle/>
+          <a:p>
+            <a:pPr>
+              <a:lnSpc>
+                <a:spcPts val="2200"/>
+              </a:lnSpc>
+            </a:pPr>
+            <a:r>
+              <a:rPr lang="zh-CN" altLang="en-US" sz="1400" dirty="0">
+                <a:ln w="6350">
+                  <a:noFill/>
+                </a:ln>
+                <a:solidFill>
+                  <a:schemeClr val="bg1">
+                    <a:lumMod val="50000"/>
+                  </a:schemeClr>
+                </a:solidFill>
+                <a:latin typeface="微软雅黑" panose="020B0503020204020204" pitchFamily="34" charset="-122"/>
+                <a:ea typeface="微软雅黑" panose="020B0503020204020204" pitchFamily="34" charset="-122"/>
+              </a:rPr>
+              <a:t>常量池主要用来存储</a:t>
+            </a:r>
+            <a:r>
+              <a:rPr lang="zh-CN" altLang="en-US" sz="1400" dirty="0">
+                <a:ln w="6350">
+                  <a:noFill/>
+                </a:ln>
+                <a:solidFill>
+                  <a:srgbClr val="FF0000"/>
+                </a:solidFill>
+                <a:latin typeface="微软雅黑" panose="020B0503020204020204" pitchFamily="34" charset="-122"/>
+                <a:ea typeface="微软雅黑" panose="020B0503020204020204" pitchFamily="34" charset="-122"/>
+              </a:rPr>
+              <a:t>编译期</a:t>
+            </a:r>
+            <a:r>
+              <a:rPr lang="zh-CN" altLang="en-US" sz="1400" dirty="0">
+                <a:ln w="6350">
+                  <a:noFill/>
+                </a:ln>
+                <a:solidFill>
+                  <a:schemeClr val="bg1">
+                    <a:lumMod val="50000"/>
+                  </a:schemeClr>
+                </a:solidFill>
+                <a:latin typeface="微软雅黑" panose="020B0503020204020204" pitchFamily="34" charset="-122"/>
+                <a:ea typeface="微软雅黑" panose="020B0503020204020204" pitchFamily="34" charset="-122"/>
+              </a:rPr>
+              <a:t>生成的各种</a:t>
+            </a:r>
+            <a:r>
+              <a:rPr lang="zh-CN" altLang="en-US" sz="1400" dirty="0">
+                <a:ln w="6350">
+                  <a:noFill/>
+                </a:ln>
+                <a:solidFill>
+                  <a:schemeClr val="accent6"/>
+                </a:solidFill>
+                <a:latin typeface="微软雅黑" panose="020B0503020204020204" pitchFamily="34" charset="-122"/>
+                <a:ea typeface="微软雅黑" panose="020B0503020204020204" pitchFamily="34" charset="-122"/>
+              </a:rPr>
+              <a:t>字面量</a:t>
+            </a:r>
+            <a:r>
+              <a:rPr lang="zh-CN" altLang="en-US" sz="1400" dirty="0">
+                <a:ln w="6350">
+                  <a:noFill/>
+                </a:ln>
+                <a:solidFill>
+                  <a:schemeClr val="bg1">
+                    <a:lumMod val="50000"/>
+                  </a:schemeClr>
+                </a:solidFill>
+                <a:latin typeface="微软雅黑" panose="020B0503020204020204" pitchFamily="34" charset="-122"/>
+                <a:ea typeface="微软雅黑" panose="020B0503020204020204" pitchFamily="34" charset="-122"/>
+              </a:rPr>
+              <a:t>和</a:t>
+            </a:r>
+            <a:r>
+              <a:rPr lang="zh-CN" altLang="en-US" sz="1400" dirty="0">
+                <a:ln w="6350">
+                  <a:noFill/>
+                </a:ln>
+                <a:solidFill>
+                  <a:schemeClr val="accent6"/>
+                </a:solidFill>
+                <a:latin typeface="微软雅黑" panose="020B0503020204020204" pitchFamily="34" charset="-122"/>
+                <a:ea typeface="微软雅黑" panose="020B0503020204020204" pitchFamily="34" charset="-122"/>
+              </a:rPr>
+              <a:t>符号引用</a:t>
+            </a:r>
+            <a:r>
+              <a:rPr lang="zh-CN" altLang="en-US" sz="1400" dirty="0">
+                <a:ln w="6350">
+                  <a:noFill/>
+                </a:ln>
+                <a:solidFill>
+                  <a:schemeClr val="bg1">
+                    <a:lumMod val="50000"/>
+                  </a:schemeClr>
+                </a:solidFill>
+                <a:latin typeface="微软雅黑" panose="020B0503020204020204" pitchFamily="34" charset="-122"/>
+                <a:ea typeface="微软雅黑" panose="020B0503020204020204" pitchFamily="34" charset="-122"/>
+              </a:rPr>
+              <a:t>等</a:t>
+            </a:r>
+          </a:p>
+        </p:txBody>
+      </p:sp>
+    </p:spTree>
+    <p:extLst>
+      <p:ext uri="{BB962C8B-B14F-4D97-AF65-F5344CB8AC3E}">
+        <p14:creationId xmlns:p14="http://schemas.microsoft.com/office/powerpoint/2010/main" val="2049985087"/>
+      </p:ext>
+    </p:extLst>
+  </p:cSld>
+  <p:clrMapOvr>
+    <a:masterClrMapping/>
+  </p:clrMapOvr>
+  <p:timing>
+    <p:tnLst>
+      <p:par>
+        <p:cTn id="1" dur="indefinite" restart="never" nodeType="tmRoot">
+          <p:childTnLst>
+            <p:seq concurrent="1" nextAc="seek">
+              <p:cTn id="2" dur="indefinite" nodeType="mainSeq">
+                <p:childTnLst>
+                  <p:par>
+                    <p:cTn id="3" fill="hold">
+                      <p:stCondLst>
+                        <p:cond delay="indefinite"/>
+                      </p:stCondLst>
+                      <p:childTnLst>
+                        <p:par>
+                          <p:cTn id="4" fill="hold">
+                            <p:stCondLst>
+                              <p:cond delay="0"/>
+                            </p:stCondLst>
+                            <p:childTnLst>
+                              <p:par>
+                                <p:cTn id="5" presetID="1" presetClass="entr" presetSubtype="0" fill="hold" nodeType="clickEffect">
+                                  <p:stCondLst>
+                                    <p:cond delay="0"/>
+                                  </p:stCondLst>
+                                  <p:childTnLst>
+                                    <p:set>
+                                      <p:cBhvr>
+                                        <p:cTn id="6" dur="1" fill="hold">
+                                          <p:stCondLst>
+                                            <p:cond delay="0"/>
+                                          </p:stCondLst>
+                                        </p:cTn>
+                                        <p:tgtEl>
+                                          <p:spTgt spid="1026"/>
+                                        </p:tgtEl>
+                                        <p:attrNameLst>
+                                          <p:attrName>style.visibility</p:attrName>
+                                        </p:attrNameLst>
+                                      </p:cBhvr>
+                                      <p:to>
+                                        <p:strVal val="visible"/>
+                                      </p:to>
+                                    </p:set>
+                                  </p:childTnLst>
+                                </p:cTn>
+                              </p:par>
+                            </p:childTnLst>
+                          </p:cTn>
+                        </p:par>
+                      </p:childTnLst>
+                    </p:cTn>
+                  </p:par>
+                  <p:par>
+                    <p:cTn id="7" fill="hold">
+                      <p:stCondLst>
+                        <p:cond delay="indefinite"/>
+                      </p:stCondLst>
+                      <p:childTnLst>
+                        <p:par>
+                          <p:cTn id="8" fill="hold">
+                            <p:stCondLst>
+                              <p:cond delay="0"/>
+                            </p:stCondLst>
+                            <p:childTnLst>
+                              <p:par>
+                                <p:cTn id="9" presetID="1" presetClass="entr" presetSubtype="0" fill="hold" grpId="0" nodeType="clickEffect">
+                                  <p:stCondLst>
+                                    <p:cond delay="0"/>
+                                  </p:stCondLst>
+                                  <p:childTnLst>
+                                    <p:set>
+                                      <p:cBhvr>
+                                        <p:cTn id="10" dur="1" fill="hold">
+                                          <p:stCondLst>
+                                            <p:cond delay="0"/>
+                                          </p:stCondLst>
+                                        </p:cTn>
+                                        <p:tgtEl>
+                                          <p:spTgt spid="13"/>
+                                        </p:tgtEl>
+                                        <p:attrNameLst>
+                                          <p:attrName>style.visibility</p:attrName>
+                                        </p:attrNameLst>
+                                      </p:cBhvr>
+                                      <p:to>
+                                        <p:strVal val="visible"/>
+                                      </p:to>
+                                    </p:set>
+                                  </p:childTnLst>
+                                </p:cTn>
+                              </p:par>
+                            </p:childTnLst>
+                          </p:cTn>
+                        </p:par>
+                      </p:childTnLst>
+                    </p:cTn>
+                  </p:par>
+                </p:childTnLst>
+              </p:cTn>
+              <p:prevCondLst>
+                <p:cond evt="onPrev" delay="0">
+                  <p:tgtEl>
+                    <p:sldTgt/>
+                  </p:tgtEl>
+                </p:cond>
+              </p:prevCondLst>
+              <p:nextCondLst>
+                <p:cond evt="onNext" delay="0">
+                  <p:tgtEl>
+                    <p:sldTgt/>
+                  </p:tgtEl>
+                </p:cond>
+              </p:nextCondLst>
+            </p:seq>
+          </p:childTnLst>
+        </p:cTn>
+      </p:par>
+    </p:tnLst>
+    <p:bldLst>
+      <p:bldP spid="13" grpId="0"/>
+    </p:bldLst>
+  </p:timing>
 </p:sld>
 </file>
 

--- a/presentation/JVM内存模型/JVM内存模型.pptx
+++ b/presentation/JVM内存模型/JVM内存模型.pptx
@@ -238,7 +238,7 @@
           <a:p>
             <a:fld id="{D2A48B96-639E-45A3-A0BA-2464DFDB1FAA}" type="datetimeFigureOut">
               <a:rPr lang="zh-CN" altLang="en-US" smtClean="0"/>
-              <a:t>2024-04-17</a:t>
+              <a:t>2024-04-18</a:t>
             </a:fld>
             <a:endParaRPr lang="zh-CN" altLang="en-US"/>
           </a:p>
@@ -2565,7 +2565,7 @@
           <a:p>
             <a:fld id="{8035C5D1-AD16-4B01-871F-DE047A6CFB67}" type="datetimeFigureOut">
               <a:rPr lang="zh-CN" altLang="en-US" smtClean="0"/>
-              <a:t>2024-04-17</a:t>
+              <a:t>2024-04-18</a:t>
             </a:fld>
             <a:endParaRPr lang="zh-CN" altLang="en-US"/>
           </a:p>
@@ -2677,7 +2677,7 @@
           <a:p>
             <a:fld id="{8035C5D1-AD16-4B01-871F-DE047A6CFB67}" type="datetimeFigureOut">
               <a:rPr lang="zh-CN" altLang="en-US" smtClean="0"/>
-              <a:t>2024-04-17</a:t>
+              <a:t>2024-04-18</a:t>
             </a:fld>
             <a:endParaRPr lang="zh-CN" altLang="en-US"/>
           </a:p>
@@ -2794,7 +2794,7 @@
           <a:p>
             <a:fld id="{8035C5D1-AD16-4B01-871F-DE047A6CFB67}" type="datetimeFigureOut">
               <a:rPr lang="zh-CN" altLang="en-US" smtClean="0"/>
-              <a:t>2024-04-17</a:t>
+              <a:t>2024-04-18</a:t>
             </a:fld>
             <a:endParaRPr lang="zh-CN" altLang="en-US"/>
           </a:p>
@@ -2911,7 +2911,7 @@
           <a:p>
             <a:fld id="{8035C5D1-AD16-4B01-871F-DE047A6CFB67}" type="datetimeFigureOut">
               <a:rPr lang="zh-CN" altLang="en-US" smtClean="0"/>
-              <a:t>2024-04-17</a:t>
+              <a:t>2024-04-18</a:t>
             </a:fld>
             <a:endParaRPr lang="zh-CN" altLang="en-US"/>
           </a:p>
@@ -3028,7 +3028,7 @@
           <a:p>
             <a:fld id="{8035C5D1-AD16-4B01-871F-DE047A6CFB67}" type="datetimeFigureOut">
               <a:rPr lang="zh-CN" altLang="en-US" smtClean="0"/>
-              <a:t>2024-04-17</a:t>
+              <a:t>2024-04-18</a:t>
             </a:fld>
             <a:endParaRPr lang="zh-CN" altLang="en-US"/>
           </a:p>
@@ -3145,7 +3145,7 @@
           <a:p>
             <a:fld id="{8035C5D1-AD16-4B01-871F-DE047A6CFB67}" type="datetimeFigureOut">
               <a:rPr lang="zh-CN" altLang="en-US" smtClean="0"/>
-              <a:t>2024-04-17</a:t>
+              <a:t>2024-04-18</a:t>
             </a:fld>
             <a:endParaRPr lang="zh-CN" altLang="en-US"/>
           </a:p>
@@ -3262,7 +3262,7 @@
           <a:p>
             <a:fld id="{8035C5D1-AD16-4B01-871F-DE047A6CFB67}" type="datetimeFigureOut">
               <a:rPr lang="zh-CN" altLang="en-US" smtClean="0"/>
-              <a:t>2024-04-17</a:t>
+              <a:t>2024-04-18</a:t>
             </a:fld>
             <a:endParaRPr lang="zh-CN" altLang="en-US"/>
           </a:p>
@@ -4394,7 +4394,7 @@
           <a:p>
             <a:fld id="{8035C5D1-AD16-4B01-871F-DE047A6CFB67}" type="datetimeFigureOut">
               <a:rPr lang="zh-CN" altLang="en-US" smtClean="0"/>
-              <a:t>2024-04-17</a:t>
+              <a:t>2024-04-18</a:t>
             </a:fld>
             <a:endParaRPr lang="zh-CN" altLang="en-US"/>
           </a:p>
@@ -5538,7 +5538,7 @@
         <p:spPr bwMode="auto">
           <a:xfrm>
             <a:off x="3556812" y="915566"/>
-            <a:ext cx="5587188" cy="3325169"/>
+            <a:ext cx="5587188" cy="3325168"/>
           </a:xfrm>
           <a:prstGeom prst="rect">
             <a:avLst/>
@@ -9453,7 +9453,7 @@
         </p:nvSpPr>
         <p:spPr>
           <a:xfrm>
-            <a:off x="3275856" y="1407812"/>
+            <a:off x="3281417" y="1407812"/>
             <a:ext cx="3018775" cy="400110"/>
           </a:xfrm>
           <a:prstGeom prst="rect">
@@ -9513,7 +9513,7 @@
         </p:nvSpPr>
         <p:spPr>
           <a:xfrm>
-            <a:off x="3275856" y="2211240"/>
+            <a:off x="3281417" y="2184850"/>
             <a:ext cx="2250552" cy="400110"/>
           </a:xfrm>
           <a:prstGeom prst="rect">
@@ -9573,7 +9573,7 @@
         </p:nvSpPr>
         <p:spPr>
           <a:xfrm>
-            <a:off x="3275856" y="3014668"/>
+            <a:off x="3281417" y="2961888"/>
             <a:ext cx="2707793" cy="400110"/>
           </a:xfrm>
           <a:prstGeom prst="rect">
@@ -9633,7 +9633,7 @@
         </p:nvSpPr>
         <p:spPr>
           <a:xfrm>
-            <a:off x="3275856" y="3818096"/>
+            <a:off x="3281417" y="3738926"/>
             <a:ext cx="2249334" cy="400110"/>
           </a:xfrm>
           <a:prstGeom prst="rect">
@@ -9693,7 +9693,7 @@
         </p:nvSpPr>
         <p:spPr>
           <a:xfrm>
-            <a:off x="3269872" y="4515966"/>
+            <a:off x="3281417" y="4515966"/>
             <a:ext cx="2194832" cy="400110"/>
           </a:xfrm>
           <a:prstGeom prst="rect">
@@ -20034,14 +20034,12 @@
             </a:extLst>
           </a:blip>
           <a:srcRect/>
-          <a:stretch>
-            <a:fillRect/>
-          </a:stretch>
+          <a:stretch/>
         </p:blipFill>
         <p:spPr bwMode="auto">
           <a:xfrm>
-            <a:off x="4283968" y="1754177"/>
-            <a:ext cx="4536504" cy="2590545"/>
+            <a:off x="4359944" y="1754177"/>
+            <a:ext cx="4384551" cy="2590545"/>
           </a:xfrm>
           <a:prstGeom prst="rect">
             <a:avLst/>
@@ -20386,14 +20384,12 @@
             </a:extLst>
           </a:blip>
           <a:srcRect/>
-          <a:stretch>
-            <a:fillRect/>
-          </a:stretch>
+          <a:stretch/>
         </p:blipFill>
         <p:spPr bwMode="auto">
           <a:xfrm>
-            <a:off x="3347864" y="930132"/>
-            <a:ext cx="5724525" cy="4200525"/>
+            <a:off x="3347864" y="1326943"/>
+            <a:ext cx="5724525" cy="3406903"/>
           </a:xfrm>
           <a:prstGeom prst="rect">
             <a:avLst/>
@@ -21185,9 +21181,7 @@
             </a:extLst>
           </a:blip>
           <a:srcRect/>
-          <a:stretch>
-            <a:fillRect/>
-          </a:stretch>
+          <a:stretch/>
         </p:blipFill>
         <p:spPr bwMode="auto">
           <a:xfrm>

--- a/presentation/JVM内存模型/JVM内存模型.pptx
+++ b/presentation/JVM内存模型/JVM内存模型.pptx
@@ -238,7 +238,7 @@
           <a:p>
             <a:fld id="{D2A48B96-639E-45A3-A0BA-2464DFDB1FAA}" type="datetimeFigureOut">
               <a:rPr lang="zh-CN" altLang="en-US" smtClean="0"/>
-              <a:t>2024-04-18</a:t>
+              <a:t>2024-04-20</a:t>
             </a:fld>
             <a:endParaRPr lang="zh-CN" altLang="en-US"/>
           </a:p>
@@ -2565,7 +2565,7 @@
           <a:p>
             <a:fld id="{8035C5D1-AD16-4B01-871F-DE047A6CFB67}" type="datetimeFigureOut">
               <a:rPr lang="zh-CN" altLang="en-US" smtClean="0"/>
-              <a:t>2024-04-18</a:t>
+              <a:t>2024-04-20</a:t>
             </a:fld>
             <a:endParaRPr lang="zh-CN" altLang="en-US"/>
           </a:p>
@@ -2677,7 +2677,7 @@
           <a:p>
             <a:fld id="{8035C5D1-AD16-4B01-871F-DE047A6CFB67}" type="datetimeFigureOut">
               <a:rPr lang="zh-CN" altLang="en-US" smtClean="0"/>
-              <a:t>2024-04-18</a:t>
+              <a:t>2024-04-20</a:t>
             </a:fld>
             <a:endParaRPr lang="zh-CN" altLang="en-US"/>
           </a:p>
@@ -2794,7 +2794,7 @@
           <a:p>
             <a:fld id="{8035C5D1-AD16-4B01-871F-DE047A6CFB67}" type="datetimeFigureOut">
               <a:rPr lang="zh-CN" altLang="en-US" smtClean="0"/>
-              <a:t>2024-04-18</a:t>
+              <a:t>2024-04-20</a:t>
             </a:fld>
             <a:endParaRPr lang="zh-CN" altLang="en-US"/>
           </a:p>
@@ -2911,7 +2911,7 @@
           <a:p>
             <a:fld id="{8035C5D1-AD16-4B01-871F-DE047A6CFB67}" type="datetimeFigureOut">
               <a:rPr lang="zh-CN" altLang="en-US" smtClean="0"/>
-              <a:t>2024-04-18</a:t>
+              <a:t>2024-04-20</a:t>
             </a:fld>
             <a:endParaRPr lang="zh-CN" altLang="en-US"/>
           </a:p>
@@ -3028,7 +3028,7 @@
           <a:p>
             <a:fld id="{8035C5D1-AD16-4B01-871F-DE047A6CFB67}" type="datetimeFigureOut">
               <a:rPr lang="zh-CN" altLang="en-US" smtClean="0"/>
-              <a:t>2024-04-18</a:t>
+              <a:t>2024-04-20</a:t>
             </a:fld>
             <a:endParaRPr lang="zh-CN" altLang="en-US"/>
           </a:p>
@@ -3145,7 +3145,7 @@
           <a:p>
             <a:fld id="{8035C5D1-AD16-4B01-871F-DE047A6CFB67}" type="datetimeFigureOut">
               <a:rPr lang="zh-CN" altLang="en-US" smtClean="0"/>
-              <a:t>2024-04-18</a:t>
+              <a:t>2024-04-20</a:t>
             </a:fld>
             <a:endParaRPr lang="zh-CN" altLang="en-US"/>
           </a:p>
@@ -3262,7 +3262,7 @@
           <a:p>
             <a:fld id="{8035C5D1-AD16-4B01-871F-DE047A6CFB67}" type="datetimeFigureOut">
               <a:rPr lang="zh-CN" altLang="en-US" smtClean="0"/>
-              <a:t>2024-04-18</a:t>
+              <a:t>2024-04-20</a:t>
             </a:fld>
             <a:endParaRPr lang="zh-CN" altLang="en-US"/>
           </a:p>
@@ -4394,7 +4394,7 @@
           <a:p>
             <a:fld id="{8035C5D1-AD16-4B01-871F-DE047A6CFB67}" type="datetimeFigureOut">
               <a:rPr lang="zh-CN" altLang="en-US" smtClean="0"/>
-              <a:t>2024-04-18</a:t>
+              <a:t>2024-04-20</a:t>
             </a:fld>
             <a:endParaRPr lang="zh-CN" altLang="en-US"/>
           </a:p>
@@ -6209,21 +6209,6 @@
           <a:lstStyle/>
           <a:p>
             <a:r>
-              <a:rPr lang="en-US" altLang="zh-CN" sz="2000" b="1" dirty="0">
-                <a:ln w="6350">
-                  <a:noFill/>
-                </a:ln>
-                <a:solidFill>
-                  <a:schemeClr val="bg1">
-                    <a:lumMod val="50000"/>
-                  </a:schemeClr>
-                </a:solidFill>
-                <a:latin typeface="微软雅黑" panose="020B0503020204020204" pitchFamily="34" charset="-122"/>
-                <a:ea typeface="微软雅黑" panose="020B0503020204020204" pitchFamily="34" charset="-122"/>
-              </a:rPr>
-              <a:t>JVM</a:t>
-            </a:r>
-            <a:r>
               <a:rPr lang="zh-CN" altLang="en-US" sz="2000" b="1" dirty="0">
                 <a:ln w="6350">
                   <a:noFill/>
@@ -6236,7 +6221,7 @@
                 <a:latin typeface="微软雅黑" panose="020B0503020204020204" pitchFamily="34" charset="-122"/>
                 <a:ea typeface="微软雅黑" panose="020B0503020204020204" pitchFamily="34" charset="-122"/>
               </a:rPr>
-              <a:t>线程模型</a:t>
+              <a:t>操作系统线程模型</a:t>
             </a:r>
             <a:endParaRPr lang="zh-CN" altLang="en-US" sz="2000" b="1" dirty="0">
               <a:ln w="6350">
@@ -10373,7 +10358,35 @@
                 <a:latin typeface="微软雅黑" panose="020B0503020204020204" pitchFamily="34" charset="-122"/>
                 <a:ea typeface="微软雅黑" panose="020B0503020204020204" pitchFamily="34" charset="-122"/>
               </a:rPr>
-              <a:t>是基于内核线程的高级接口，只有先支持内核线程，才能有</a:t>
+              <a:t>是基于内核线程的</a:t>
+            </a:r>
+            <a:r>
+              <a:rPr lang="zh-CN" altLang="en-US" sz="1400" dirty="0">
+                <a:ln w="6350">
+                  <a:noFill/>
+                </a:ln>
+                <a:solidFill>
+                  <a:schemeClr val="accent4"/>
+                </a:solidFill>
+                <a:latin typeface="微软雅黑" panose="020B0503020204020204" pitchFamily="34" charset="-122"/>
+                <a:ea typeface="微软雅黑" panose="020B0503020204020204" pitchFamily="34" charset="-122"/>
+              </a:rPr>
+              <a:t>高级接口</a:t>
+            </a:r>
+            <a:r>
+              <a:rPr lang="zh-CN" altLang="en-US" sz="1400" dirty="0">
+                <a:ln w="6350">
+                  <a:noFill/>
+                </a:ln>
+                <a:solidFill>
+                  <a:schemeClr val="bg1">
+                    <a:lumMod val="50000"/>
+                  </a:schemeClr>
+                </a:solidFill>
+                <a:latin typeface="微软雅黑" panose="020B0503020204020204" pitchFamily="34" charset="-122"/>
+                <a:ea typeface="微软雅黑" panose="020B0503020204020204" pitchFamily="34" charset="-122"/>
+              </a:rPr>
+              <a:t>，只有先支持内核线程，才能有</a:t>
             </a:r>
             <a:r>
               <a:rPr lang="en-US" altLang="zh-CN" sz="1400" dirty="0">
@@ -10572,7 +10585,22 @@
                 <a:latin typeface="微软雅黑" panose="020B0503020204020204" pitchFamily="34" charset="-122"/>
                 <a:ea typeface="微软雅黑" panose="020B0503020204020204" pitchFamily="34" charset="-122"/>
               </a:rPr>
-              <a:t>用户线程指的是完全建立在用户空间的线程库，用户线程的建立，同步，销毁，调度</a:t>
+              <a:t>用户线程指的是完全建立在用户空间</a:t>
+            </a:r>
+            <a:r>
+              <a:rPr lang="zh-CN" altLang="en-US" sz="1400">
+                <a:ln w="6350">
+                  <a:noFill/>
+                </a:ln>
+                <a:solidFill>
+                  <a:schemeClr val="bg1">
+                    <a:lumMod val="50000"/>
+                  </a:schemeClr>
+                </a:solidFill>
+                <a:latin typeface="微软雅黑" panose="020B0503020204020204" pitchFamily="34" charset="-122"/>
+                <a:ea typeface="微软雅黑" panose="020B0503020204020204" pitchFamily="34" charset="-122"/>
+              </a:rPr>
+              <a:t>的线程，</a:t>
             </a:r>
             <a:r>
               <a:rPr lang="zh-CN" altLang="en-US" sz="1400" dirty="0">
@@ -10580,12 +10608,55 @@
                   <a:noFill/>
                 </a:ln>
                 <a:solidFill>
-                  <a:schemeClr val="accent1"/>
+                  <a:schemeClr val="bg1">
+                    <a:lumMod val="50000"/>
+                  </a:schemeClr>
                 </a:solidFill>
                 <a:latin typeface="微软雅黑" panose="020B0503020204020204" pitchFamily="34" charset="-122"/>
                 <a:ea typeface="微软雅黑" panose="020B0503020204020204" pitchFamily="34" charset="-122"/>
               </a:rPr>
-              <a:t>完全在用户空间完成，不需要内核的帮助</a:t>
+              <a:t>用户线程的建立，同步，</a:t>
+            </a:r>
+            <a:r>
+              <a:rPr lang="zh-CN" altLang="en-US" sz="1400">
+                <a:ln w="6350">
+                  <a:noFill/>
+                </a:ln>
+                <a:solidFill>
+                  <a:schemeClr val="bg1">
+                    <a:lumMod val="50000"/>
+                  </a:schemeClr>
+                </a:solidFill>
+                <a:latin typeface="微软雅黑" panose="020B0503020204020204" pitchFamily="34" charset="-122"/>
+                <a:ea typeface="微软雅黑" panose="020B0503020204020204" pitchFamily="34" charset="-122"/>
+              </a:rPr>
+              <a:t>调度，销毁</a:t>
+            </a:r>
+            <a:r>
+              <a:rPr lang="zh-CN" altLang="en-US" sz="1400">
+                <a:ln w="6350">
+                  <a:noFill/>
+                </a:ln>
+                <a:solidFill>
+                  <a:schemeClr val="accent1"/>
+                </a:solidFill>
+                <a:latin typeface="微软雅黑" panose="020B0503020204020204" pitchFamily="34" charset="-122"/>
+                <a:ea typeface="微软雅黑" panose="020B0503020204020204" pitchFamily="34" charset="-122"/>
+              </a:rPr>
+              <a:t>完全</a:t>
+            </a:r>
+            <a:r>
+              <a:rPr lang="zh-CN" altLang="en-US" sz="1400" dirty="0">
+                <a:ln w="6350">
+                  <a:noFill/>
+                </a:ln>
+                <a:solidFill>
+                  <a:schemeClr val="accent1"/>
+                </a:solidFill>
+                <a:latin typeface="微软雅黑" panose="020B0503020204020204" pitchFamily="34" charset="-122"/>
+                <a:ea typeface="微软雅黑" panose="020B0503020204020204" pitchFamily="34" charset="-122"/>
+              </a:rPr>
+              <a:t>在用户空间完成，不需要内核的帮助</a:t>
             </a:r>
             <a:r>
               <a:rPr lang="zh-CN" altLang="en-US" sz="1400" dirty="0">
@@ -13298,193 +13369,6 @@
           </a:p>
         </p:txBody>
       </p:sp>
-      <p:sp>
-        <p:nvSpPr>
-          <p:cNvPr id="12" name="矩形 11">
-            <a:extLst>
-              <a:ext uri="{FF2B5EF4-FFF2-40B4-BE49-F238E27FC236}">
-                <a16:creationId xmlns:a16="http://schemas.microsoft.com/office/drawing/2014/main" id="{338FC8EC-E642-443B-BF55-488DC7198925}"/>
-              </a:ext>
-            </a:extLst>
-          </p:cNvPr>
-          <p:cNvSpPr/>
-          <p:nvPr/>
-        </p:nvSpPr>
-        <p:spPr>
-          <a:xfrm>
-            <a:off x="4573570" y="2676794"/>
-            <a:ext cx="2281394" cy="988476"/>
-          </a:xfrm>
-          <a:prstGeom prst="rect">
-            <a:avLst/>
-          </a:prstGeom>
-        </p:spPr>
-        <p:txBody>
-          <a:bodyPr wrap="none">
-            <a:spAutoFit/>
-          </a:bodyPr>
-          <a:lstStyle/>
-          <a:p>
-            <a:pPr marL="171450" indent="-171450">
-              <a:lnSpc>
-                <a:spcPct val="150000"/>
-              </a:lnSpc>
-              <a:buFont typeface="Wingdings" pitchFamily="2" charset="2"/>
-              <a:buChar char="ü"/>
-            </a:pPr>
-            <a:r>
-              <a:rPr lang="zh-CN" altLang="en-US" sz="1000" dirty="0">
-                <a:ln w="6350">
-                  <a:noFill/>
-                </a:ln>
-                <a:solidFill>
-                  <a:schemeClr val="bg1">
-                    <a:lumMod val="50000"/>
-                  </a:schemeClr>
-                </a:solidFill>
-                <a:latin typeface="微软雅黑" panose="020B0503020204020204" pitchFamily="34" charset="-122"/>
-                <a:ea typeface="微软雅黑" panose="020B0503020204020204" pitchFamily="34" charset="-122"/>
-              </a:rPr>
-              <a:t>多线程与多核</a:t>
-            </a:r>
-            <a:endParaRPr lang="en-US" altLang="zh-CN" sz="1000" dirty="0">
-              <a:ln w="6350">
-                <a:noFill/>
-              </a:ln>
-              <a:solidFill>
-                <a:schemeClr val="bg1">
-                  <a:lumMod val="50000"/>
-                </a:schemeClr>
-              </a:solidFill>
-              <a:latin typeface="微软雅黑" panose="020B0503020204020204" pitchFamily="34" charset="-122"/>
-              <a:ea typeface="微软雅黑" panose="020B0503020204020204" pitchFamily="34" charset="-122"/>
-            </a:endParaRPr>
-          </a:p>
-          <a:p>
-            <a:pPr marL="171450" indent="-171450">
-              <a:lnSpc>
-                <a:spcPct val="150000"/>
-              </a:lnSpc>
-              <a:buFont typeface="Wingdings" pitchFamily="2" charset="2"/>
-              <a:buChar char="ü"/>
-            </a:pPr>
-            <a:r>
-              <a:rPr lang="zh-CN" altLang="en-US" sz="1000" dirty="0">
-                <a:ln w="6350">
-                  <a:noFill/>
-                </a:ln>
-                <a:solidFill>
-                  <a:schemeClr val="bg1">
-                    <a:lumMod val="50000"/>
-                  </a:schemeClr>
-                </a:solidFill>
-                <a:latin typeface="微软雅黑" panose="020B0503020204020204" pitchFamily="34" charset="-122"/>
-                <a:ea typeface="微软雅黑" panose="020B0503020204020204" pitchFamily="34" charset="-122"/>
-              </a:rPr>
-              <a:t>内核线程、轻量级进程、用户线程</a:t>
-            </a:r>
-            <a:endParaRPr lang="en-US" altLang="zh-CN" sz="1000" dirty="0">
-              <a:ln w="6350">
-                <a:noFill/>
-              </a:ln>
-              <a:solidFill>
-                <a:schemeClr val="bg1">
-                  <a:lumMod val="50000"/>
-                </a:schemeClr>
-              </a:solidFill>
-              <a:latin typeface="微软雅黑" panose="020B0503020204020204" pitchFamily="34" charset="-122"/>
-              <a:ea typeface="微软雅黑" panose="020B0503020204020204" pitchFamily="34" charset="-122"/>
-            </a:endParaRPr>
-          </a:p>
-          <a:p>
-            <a:pPr marL="171450" indent="-171450">
-              <a:lnSpc>
-                <a:spcPct val="150000"/>
-              </a:lnSpc>
-              <a:buFont typeface="Wingdings" pitchFamily="2" charset="2"/>
-              <a:buChar char="ü"/>
-            </a:pPr>
-            <a:r>
-              <a:rPr lang="zh-CN" altLang="en-US" sz="1000" dirty="0">
-                <a:ln w="6350">
-                  <a:noFill/>
-                </a:ln>
-                <a:solidFill>
-                  <a:schemeClr val="bg1">
-                    <a:lumMod val="50000"/>
-                  </a:schemeClr>
-                </a:solidFill>
-                <a:latin typeface="微软雅黑" panose="020B0503020204020204" pitchFamily="34" charset="-122"/>
-                <a:ea typeface="微软雅黑" panose="020B0503020204020204" pitchFamily="34" charset="-122"/>
-              </a:rPr>
-              <a:t>操作系统的线程模型</a:t>
-            </a:r>
-            <a:endParaRPr lang="en-US" altLang="zh-CN" sz="1000" dirty="0">
-              <a:ln w="6350">
-                <a:noFill/>
-              </a:ln>
-              <a:solidFill>
-                <a:schemeClr val="bg1">
-                  <a:lumMod val="50000"/>
-                </a:schemeClr>
-              </a:solidFill>
-              <a:latin typeface="微软雅黑" panose="020B0503020204020204" pitchFamily="34" charset="-122"/>
-              <a:ea typeface="微软雅黑" panose="020B0503020204020204" pitchFamily="34" charset="-122"/>
-            </a:endParaRPr>
-          </a:p>
-          <a:p>
-            <a:pPr marL="171450" indent="-171450">
-              <a:lnSpc>
-                <a:spcPct val="150000"/>
-              </a:lnSpc>
-              <a:buFont typeface="Wingdings" pitchFamily="2" charset="2"/>
-              <a:buChar char="ü"/>
-            </a:pPr>
-            <a:r>
-              <a:rPr lang="en-US" altLang="zh-CN" sz="1000" dirty="0">
-                <a:ln w="6350">
-                  <a:noFill/>
-                </a:ln>
-                <a:solidFill>
-                  <a:schemeClr val="bg1">
-                    <a:lumMod val="50000"/>
-                  </a:schemeClr>
-                </a:solidFill>
-                <a:latin typeface="微软雅黑" panose="020B0503020204020204" pitchFamily="34" charset="-122"/>
-                <a:ea typeface="微软雅黑" panose="020B0503020204020204" pitchFamily="34" charset="-122"/>
-              </a:rPr>
-              <a:t>JVM</a:t>
-            </a:r>
-            <a:r>
-              <a:rPr lang="zh-CN" altLang="en-US" sz="1000" dirty="0">
-                <a:ln w="6350">
-                  <a:noFill/>
-                </a:ln>
-                <a:solidFill>
-                  <a:schemeClr val="bg1">
-                    <a:lumMod val="50000"/>
-                  </a:schemeClr>
-                </a:solidFill>
-                <a:latin typeface="微软雅黑" panose="020B0503020204020204" pitchFamily="34" charset="-122"/>
-                <a:ea typeface="微软雅黑" panose="020B0503020204020204" pitchFamily="34" charset="-122"/>
-              </a:rPr>
-              <a:t>线程模型</a:t>
-            </a:r>
-            <a:endParaRPr lang="en-US" altLang="zh-CN" sz="1000" dirty="0">
-              <a:ln w="6350">
-                <a:noFill/>
-              </a:ln>
-              <a:solidFill>
-                <a:schemeClr val="bg1">
-                  <a:lumMod val="50000"/>
-                </a:schemeClr>
-              </a:solidFill>
-              <a:latin typeface="微软雅黑" panose="020B0503020204020204" pitchFamily="34" charset="-122"/>
-              <a:ea typeface="微软雅黑" panose="020B0503020204020204" pitchFamily="34" charset="-122"/>
-            </a:endParaRPr>
-          </a:p>
-        </p:txBody>
-      </p:sp>
     </p:spTree>
     <p:extLst>
       <p:ext uri="{BB962C8B-B14F-4D97-AF65-F5344CB8AC3E}">
@@ -14263,6 +14147,98 @@
           </a:p>
         </p:txBody>
       </p:sp>
+      <p:pic>
+        <p:nvPicPr>
+          <p:cNvPr id="12" name="Picture 2">
+            <a:extLst>
+              <a:ext uri="{FF2B5EF4-FFF2-40B4-BE49-F238E27FC236}">
+                <a16:creationId xmlns:a16="http://schemas.microsoft.com/office/drawing/2014/main" id="{050113AD-2227-4939-BA6B-7133EBEC6081}"/>
+              </a:ext>
+            </a:extLst>
+          </p:cNvPr>
+          <p:cNvPicPr>
+            <a:picLocks noChangeAspect="1" noChangeArrowheads="1"/>
+          </p:cNvPicPr>
+          <p:nvPr/>
+        </p:nvPicPr>
+        <p:blipFill>
+          <a:blip r:embed="rId3" cstate="print">
+            <a:extLst>
+              <a:ext uri="{28A0092B-C50C-407E-A947-70E740481C1C}">
+                <a14:useLocalDpi xmlns:a14="http://schemas.microsoft.com/office/drawing/2010/main" val="0"/>
+              </a:ext>
+            </a:extLst>
+          </a:blip>
+          <a:srcRect/>
+          <a:stretch/>
+        </p:blipFill>
+        <p:spPr bwMode="auto">
+          <a:xfrm>
+            <a:off x="6175307" y="339502"/>
+            <a:ext cx="1877841" cy="1395693"/>
+          </a:xfrm>
+          <a:prstGeom prst="rect">
+            <a:avLst/>
+          </a:prstGeom>
+          <a:noFill/>
+          <a:extLst>
+            <a:ext uri="{909E8E84-426E-40DD-AFC4-6F175D3DCCD1}">
+              <a14:hiddenFill xmlns:a14="http://schemas.microsoft.com/office/drawing/2010/main">
+                <a:solidFill>
+                  <a:srgbClr val="FFFFFF"/>
+                </a:solidFill>
+              </a14:hiddenFill>
+            </a:ext>
+          </a:extLst>
+        </p:spPr>
+      </p:pic>
+      <p:pic>
+        <p:nvPicPr>
+          <p:cNvPr id="16" name="Picture 2">
+            <a:extLst>
+              <a:ext uri="{FF2B5EF4-FFF2-40B4-BE49-F238E27FC236}">
+                <a16:creationId xmlns:a16="http://schemas.microsoft.com/office/drawing/2014/main" id="{38904CA1-6606-44B7-A860-FB15C29988C1}"/>
+              </a:ext>
+            </a:extLst>
+          </p:cNvPr>
+          <p:cNvPicPr>
+            <a:picLocks noChangeAspect="1" noChangeArrowheads="1"/>
+          </p:cNvPicPr>
+          <p:nvPr/>
+        </p:nvPicPr>
+        <p:blipFill>
+          <a:blip r:embed="rId4" cstate="print">
+            <a:extLst>
+              <a:ext uri="{28A0092B-C50C-407E-A947-70E740481C1C}">
+                <a14:useLocalDpi xmlns:a14="http://schemas.microsoft.com/office/drawing/2010/main" val="0"/>
+              </a:ext>
+            </a:extLst>
+          </a:blip>
+          <a:srcRect/>
+          <a:stretch>
+            <a:fillRect/>
+          </a:stretch>
+        </p:blipFill>
+        <p:spPr bwMode="auto">
+          <a:xfrm>
+            <a:off x="6300193" y="2634258"/>
+            <a:ext cx="1752956" cy="1166585"/>
+          </a:xfrm>
+          <a:prstGeom prst="rect">
+            <a:avLst/>
+          </a:prstGeom>
+          <a:noFill/>
+          <a:extLst>
+            <a:ext uri="{909E8E84-426E-40DD-AFC4-6F175D3DCCD1}">
+              <a14:hiddenFill xmlns:a14="http://schemas.microsoft.com/office/drawing/2010/main">
+                <a:solidFill>
+                  <a:srgbClr val="FFFFFF"/>
+                </a:solidFill>
+              </a14:hiddenFill>
+            </a:ext>
+          </a:extLst>
+        </p:spPr>
+      </p:pic>
     </p:spTree>
     <p:extLst>
       <p:ext uri="{BB962C8B-B14F-4D97-AF65-F5344CB8AC3E}">
@@ -14339,7 +14315,7 @@
                             </p:stCondLst>
                             <p:childTnLst>
                               <p:par>
-                                <p:cTn id="9" presetID="10" presetClass="entr" presetSubtype="0" fill="hold" grpId="0" nodeType="clickEffect">
+                                <p:cTn id="9" presetID="1" presetClass="entr" presetSubtype="0" fill="hold" nodeType="clickEffect">
                                   <p:stCondLst>
                                     <p:cond delay="0"/>
                                   </p:stCondLst>
@@ -14347,6 +14323,51 @@
                                     <p:set>
                                       <p:cBhvr>
                                         <p:cTn id="10" dur="1" fill="hold">
+                                          <p:stCondLst>
+                                            <p:cond delay="0"/>
+                                          </p:stCondLst>
+                                        </p:cTn>
+                                        <p:tgtEl>
+                                          <p:spTgt spid="12"/>
+                                        </p:tgtEl>
+                                        <p:attrNameLst>
+                                          <p:attrName>style.visibility</p:attrName>
+                                        </p:attrNameLst>
+                                      </p:cBhvr>
+                                      <p:to>
+                                        <p:strVal val="visible"/>
+                                      </p:to>
+                                    </p:set>
+                                  </p:childTnLst>
+                                </p:cTn>
+                              </p:par>
+                            </p:childTnLst>
+                          </p:cTn>
+                        </p:par>
+                      </p:childTnLst>
+                    </p:cTn>
+                  </p:par>
+                  <p:par>
+                    <p:cTn id="11" fill="hold">
+                      <p:stCondLst>
+                        <p:cond delay="indefinite"/>
+                      </p:stCondLst>
+                      <p:childTnLst>
+                        <p:par>
+                          <p:cTn id="12" fill="hold">
+                            <p:stCondLst>
+                              <p:cond delay="0"/>
+                            </p:stCondLst>
+                            <p:childTnLst>
+                              <p:par>
+                                <p:cTn id="13" presetID="10" presetClass="entr" presetSubtype="0" fill="hold" grpId="0" nodeType="clickEffect">
+                                  <p:stCondLst>
+                                    <p:cond delay="0"/>
+                                  </p:stCondLst>
+                                  <p:childTnLst>
+                                    <p:set>
+                                      <p:cBhvr>
+                                        <p:cTn id="14" dur="1" fill="hold">
                                           <p:stCondLst>
                                             <p:cond delay="0"/>
                                           </p:stCondLst>
@@ -14364,12 +14385,57 @@
                                     </p:set>
                                     <p:animEffect transition="in" filter="fade">
                                       <p:cBhvr>
-                                        <p:cTn id="11" dur="500"/>
+                                        <p:cTn id="15" dur="500"/>
                                         <p:tgtEl>
                                           <p:spTgt spid="15"/>
                                         </p:tgtEl>
                                       </p:cBhvr>
                                     </p:animEffect>
+                                  </p:childTnLst>
+                                </p:cTn>
+                              </p:par>
+                            </p:childTnLst>
+                          </p:cTn>
+                        </p:par>
+                      </p:childTnLst>
+                    </p:cTn>
+                  </p:par>
+                  <p:par>
+                    <p:cTn id="16" fill="hold">
+                      <p:stCondLst>
+                        <p:cond delay="indefinite"/>
+                      </p:stCondLst>
+                      <p:childTnLst>
+                        <p:par>
+                          <p:cTn id="17" fill="hold">
+                            <p:stCondLst>
+                              <p:cond delay="0"/>
+                            </p:stCondLst>
+                            <p:childTnLst>
+                              <p:par>
+                                <p:cTn id="18" presetID="1" presetClass="entr" presetSubtype="0" fill="hold" nodeType="clickEffect">
+                                  <p:stCondLst>
+                                    <p:cond delay="0"/>
+                                  </p:stCondLst>
+                                  <p:childTnLst>
+                                    <p:set>
+                                      <p:cBhvr>
+                                        <p:cTn id="19" dur="1" fill="hold">
+                                          <p:stCondLst>
+                                            <p:cond delay="0"/>
+                                          </p:stCondLst>
+                                        </p:cTn>
+                                        <p:tgtEl>
+                                          <p:spTgt spid="16"/>
+                                        </p:tgtEl>
+                                        <p:attrNameLst>
+                                          <p:attrName>style.visibility</p:attrName>
+                                        </p:attrNameLst>
+                                      </p:cBhvr>
+                                      <p:to>
+                                        <p:strVal val="visible"/>
+                                      </p:to>
+                                    </p:set>
                                   </p:childTnLst>
                                 </p:cTn>
                               </p:par>
@@ -15337,14 +15403,14 @@
           <p:nvPr>
             <p:extLst>
               <p:ext uri="{D42A27DB-BD31-4B8C-83A1-F6EECF244321}">
-                <p14:modId xmlns:p14="http://schemas.microsoft.com/office/powerpoint/2010/main" val="2411172765"/>
+                <p14:modId xmlns:p14="http://schemas.microsoft.com/office/powerpoint/2010/main" val="3816722373"/>
               </p:ext>
             </p:extLst>
           </p:nvPr>
         </p:nvGraphicFramePr>
         <p:xfrm>
-          <a:off x="528607" y="1275606"/>
-          <a:ext cx="8219856" cy="2745975"/>
+          <a:off x="546530" y="1203598"/>
+          <a:ext cx="8219856" cy="3446090"/>
         </p:xfrm>
         <a:graphic>
           <a:graphicData uri="http://schemas.openxmlformats.org/drawingml/2006/table">
@@ -15610,12 +15676,12 @@
                     <a:bodyPr/>
                     <a:lstStyle/>
                     <a:p>
-                      <a:pPr marL="285750" indent="-285750" algn="l" defTabSz="914400" rtl="0" eaLnBrk="1" latinLnBrk="0" hangingPunct="1">
+                      <a:pPr marL="0" indent="0" algn="l" defTabSz="914400" rtl="0" eaLnBrk="1" latinLnBrk="0" hangingPunct="1">
                         <a:buFont typeface="Wingdings" panose="05000000000000000000" pitchFamily="2" charset="2"/>
-                        <a:buChar char="l"/>
+                        <a:buNone/>
                       </a:pPr>
                       <a:r>
-                        <a:rPr lang="zh-CN" altLang="en-US" sz="1400" kern="1200" dirty="0">
+                        <a:rPr lang="zh-CN" altLang="en-US" sz="1400" kern="1200">
                           <a:solidFill>
                             <a:schemeClr val="tx1"/>
                           </a:solidFill>
@@ -15623,7 +15689,7 @@
                           <a:ea typeface="+mn-ea"/>
                           <a:cs typeface="+mn-cs"/>
                         </a:rPr>
-                        <a:t>存储对象实例和数组等动态分配的内容。</a:t>
+                        <a:t>主要存储我们在代码中创建的各种对象和数组。</a:t>
                       </a:r>
                       <a:endParaRPr lang="en-US" altLang="zh-CN" sz="1400" kern="1200" dirty="0">
                         <a:solidFill>
@@ -15633,23 +15699,6 @@
                         <a:ea typeface="+mn-ea"/>
                         <a:cs typeface="+mn-cs"/>
                       </a:endParaRPr>
-                    </a:p>
-                    <a:p>
-                      <a:pPr marL="285750" indent="-285750" algn="l" defTabSz="914400" rtl="0" eaLnBrk="1" latinLnBrk="0" hangingPunct="1">
-                        <a:buFont typeface="Wingdings" panose="05000000000000000000" pitchFamily="2" charset="2"/>
-                        <a:buChar char="l"/>
-                      </a:pPr>
-                      <a:r>
-                        <a:rPr lang="zh-CN" altLang="en-US" sz="1400" kern="1200" dirty="0">
-                          <a:solidFill>
-                            <a:schemeClr val="tx1"/>
-                          </a:solidFill>
-                          <a:latin typeface="+mn-lt"/>
-                          <a:ea typeface="+mn-ea"/>
-                          <a:cs typeface="+mn-cs"/>
-                        </a:rPr>
-                        <a:t>分配的内存由垃圾回收器自动回收，防止内存泄漏</a:t>
-                      </a:r>
                     </a:p>
                   </a:txBody>
                   <a:tcPr anchor="ctr">
@@ -15812,7 +15861,23 @@
                     <a:bodyPr/>
                     <a:lstStyle/>
                     <a:p>
-                      <a:pPr marL="0" algn="l" defTabSz="914400" rtl="0" eaLnBrk="1" latinLnBrk="0" hangingPunct="1"/>
+                      <a:pPr marL="0" marR="0" lvl="0" indent="0" algn="l" defTabSz="914400" rtl="0" eaLnBrk="1" fontAlgn="auto" latinLnBrk="0" hangingPunct="1">
+                        <a:lnSpc>
+                          <a:spcPct val="100000"/>
+                        </a:lnSpc>
+                        <a:spcBef>
+                          <a:spcPts val="0"/>
+                        </a:spcBef>
+                        <a:spcAft>
+                          <a:spcPts val="0"/>
+                        </a:spcAft>
+                        <a:buClrTx/>
+                        <a:buSzTx/>
+                        <a:buFont typeface="Wingdings" panose="05000000000000000000" pitchFamily="2" charset="2"/>
+                        <a:buNone/>
+                        <a:tabLst/>
+                        <a:defRPr/>
+                      </a:pPr>
                       <a:r>
                         <a:rPr lang="zh-CN" altLang="en-US" sz="1400" kern="1200" dirty="0">
                           <a:solidFill>
@@ -15868,6 +15933,14 @@
                         </a:rPr>
                         <a:t>关键字来在堆中分配内存。</a:t>
                       </a:r>
+                      <a:endParaRPr lang="en-US" altLang="zh-CN" sz="1400" kern="1200" dirty="0">
+                        <a:solidFill>
+                          <a:schemeClr val="tx1"/>
+                        </a:solidFill>
+                        <a:latin typeface="+mn-lt"/>
+                        <a:ea typeface="+mn-ea"/>
+                        <a:cs typeface="+mn-cs"/>
+                      </a:endParaRPr>
                     </a:p>
                   </a:txBody>
                   <a:tcPr anchor="ctr">
@@ -15974,7 +16047,7 @@
                       <a:pPr algn="ctr"/>
                       <a:r>
                         <a:rPr lang="zh-CN" altLang="en-US" sz="1400" dirty="0"/>
-                        <a:t>生命周期</a:t>
+                        <a:t>内存回收</a:t>
                       </a:r>
                     </a:p>
                   </a:txBody>
@@ -16022,6 +16095,23 @@
                     <a:bodyPr/>
                     <a:lstStyle/>
                     <a:p>
+                      <a:pPr marL="0" marR="0" lvl="0" indent="0" algn="l" defTabSz="914400" rtl="0" eaLnBrk="1" fontAlgn="auto" latinLnBrk="0" hangingPunct="1">
+                        <a:lnSpc>
+                          <a:spcPct val="100000"/>
+                        </a:lnSpc>
+                        <a:spcBef>
+                          <a:spcPts val="0"/>
+                        </a:spcBef>
+                        <a:spcAft>
+                          <a:spcPts val="0"/>
+                        </a:spcAft>
+                        <a:buClrTx/>
+                        <a:buSzTx/>
+                        <a:buFontTx/>
+                        <a:buNone/>
+                        <a:tabLst/>
+                        <a:defRPr/>
+                      </a:pPr>
                       <a:r>
                         <a:rPr lang="zh-CN" altLang="en-US" sz="1400" dirty="0"/>
                         <a:t>对象在 </a:t>
@@ -16032,15 +16122,18 @@
                       </a:r>
                       <a:r>
                         <a:rPr lang="zh-CN" altLang="en-US" sz="1400" dirty="0"/>
-                        <a:t>堆上分配内存后，其生命周期可以贯穿整个 </a:t>
+                        <a:t>堆上分配内存后，</a:t>
                       </a:r>
                       <a:r>
-                        <a:rPr lang="en-US" altLang="zh-CN" sz="1400" dirty="0"/>
-                        <a:t>Java </a:t>
-                      </a:r>
-                      <a:r>
-                        <a:rPr lang="zh-CN" altLang="en-US" sz="1400" dirty="0"/>
-                        <a:t>程序的运行。</a:t>
+                        <a:rPr lang="zh-CN" altLang="en-US" sz="1400" kern="1200" dirty="0">
+                          <a:solidFill>
+                            <a:schemeClr val="tx1"/>
+                          </a:solidFill>
+                          <a:latin typeface="+mn-lt"/>
+                          <a:ea typeface="+mn-ea"/>
+                          <a:cs typeface="+mn-cs"/>
+                        </a:rPr>
+                        <a:t>分配的内存由垃圾回收器自动回收，防止内存泄漏</a:t>
                       </a:r>
                     </a:p>
                   </a:txBody>
@@ -16088,9 +16181,24 @@
                     <a:bodyPr/>
                     <a:lstStyle/>
                     <a:p>
+                      <a:pPr marL="285750" indent="-285750">
+                        <a:buFont typeface="Arial" panose="020B0604020202020204" pitchFamily="34" charset="0"/>
+                        <a:buChar char="•"/>
+                      </a:pPr>
                       <a:r>
                         <a:rPr lang="zh-CN" altLang="en-US" sz="1400" dirty="0"/>
-                        <a:t>虚拟机栈中的栈帧则取决于方法何时调用和返回。</a:t>
+                        <a:t>虚拟机栈中的栈帧的内存回收，则取决于方法何时执行完毕并返回。</a:t>
+                      </a:r>
+                      <a:endParaRPr lang="en-US" altLang="zh-CN" sz="1400" dirty="0"/>
+                    </a:p>
+                    <a:p>
+                      <a:pPr marL="285750" indent="-285750">
+                        <a:buFont typeface="Arial" panose="020B0604020202020204" pitchFamily="34" charset="0"/>
+                        <a:buChar char="•"/>
+                      </a:pPr>
+                      <a:r>
+                        <a:rPr lang="zh-CN" altLang="en-US" sz="1400" dirty="0"/>
+                        <a:t>方法执行完毕后，对应栈帧会出栈，栈帧里面的数据也就从内存中清除了。</a:t>
                       </a:r>
                     </a:p>
                   </a:txBody>
